--- a/jsaktMidterm_projectProposalPPT.pptx
+++ b/jsaktMidterm_projectProposalPPT.pptx
@@ -307,7 +307,7 @@
           <a:p>
             <a:fld id="{5BCAD085-E8A6-8845-BD4E-CB4CCA059FC4}" type="datetimeFigureOut">
               <a:rPr lang="en-US" smtClean="0"/>
-              <a:t>10/13/2025</a:t>
+              <a:t>10/14/2025</a:t>
             </a:fld>
             <a:endParaRPr lang="en-US"/>
           </a:p>
@@ -475,7 +475,7 @@
           <a:p>
             <a:fld id="{5BCAD085-E8A6-8845-BD4E-CB4CCA059FC4}" type="datetimeFigureOut">
               <a:rPr lang="en-US" smtClean="0"/>
-              <a:t>10/13/2025</a:t>
+              <a:t>10/14/2025</a:t>
             </a:fld>
             <a:endParaRPr lang="en-US"/>
           </a:p>
@@ -653,7 +653,7 @@
           <a:p>
             <a:fld id="{5BCAD085-E8A6-8845-BD4E-CB4CCA059FC4}" type="datetimeFigureOut">
               <a:rPr lang="en-US" smtClean="0"/>
-              <a:t>10/13/2025</a:t>
+              <a:t>10/14/2025</a:t>
             </a:fld>
             <a:endParaRPr lang="en-US"/>
           </a:p>
@@ -821,7 +821,7 @@
           <a:p>
             <a:fld id="{5BCAD085-E8A6-8845-BD4E-CB4CCA059FC4}" type="datetimeFigureOut">
               <a:rPr lang="en-US" smtClean="0"/>
-              <a:t>10/13/2025</a:t>
+              <a:t>10/14/2025</a:t>
             </a:fld>
             <a:endParaRPr lang="en-US"/>
           </a:p>
@@ -1066,7 +1066,7 @@
           <a:p>
             <a:fld id="{5BCAD085-E8A6-8845-BD4E-CB4CCA059FC4}" type="datetimeFigureOut">
               <a:rPr lang="en-US" smtClean="0"/>
-              <a:t>10/13/2025</a:t>
+              <a:t>10/14/2025</a:t>
             </a:fld>
             <a:endParaRPr lang="en-US"/>
           </a:p>
@@ -1351,7 +1351,7 @@
           <a:p>
             <a:fld id="{5BCAD085-E8A6-8845-BD4E-CB4CCA059FC4}" type="datetimeFigureOut">
               <a:rPr lang="en-US" smtClean="0"/>
-              <a:t>10/13/2025</a:t>
+              <a:t>10/14/2025</a:t>
             </a:fld>
             <a:endParaRPr lang="en-US"/>
           </a:p>
@@ -1770,7 +1770,7 @@
           <a:p>
             <a:fld id="{5BCAD085-E8A6-8845-BD4E-CB4CCA059FC4}" type="datetimeFigureOut">
               <a:rPr lang="en-US" smtClean="0"/>
-              <a:t>10/13/2025</a:t>
+              <a:t>10/14/2025</a:t>
             </a:fld>
             <a:endParaRPr lang="en-US"/>
           </a:p>
@@ -1887,7 +1887,7 @@
           <a:p>
             <a:fld id="{5BCAD085-E8A6-8845-BD4E-CB4CCA059FC4}" type="datetimeFigureOut">
               <a:rPr lang="en-US" smtClean="0"/>
-              <a:t>10/13/2025</a:t>
+              <a:t>10/14/2025</a:t>
             </a:fld>
             <a:endParaRPr lang="en-US"/>
           </a:p>
@@ -1982,7 +1982,7 @@
           <a:p>
             <a:fld id="{5BCAD085-E8A6-8845-BD4E-CB4CCA059FC4}" type="datetimeFigureOut">
               <a:rPr lang="en-US" smtClean="0"/>
-              <a:t>10/13/2025</a:t>
+              <a:t>10/14/2025</a:t>
             </a:fld>
             <a:endParaRPr lang="en-US"/>
           </a:p>
@@ -2257,7 +2257,7 @@
           <a:p>
             <a:fld id="{5BCAD085-E8A6-8845-BD4E-CB4CCA059FC4}" type="datetimeFigureOut">
               <a:rPr lang="en-US" smtClean="0"/>
-              <a:t>10/13/2025</a:t>
+              <a:t>10/14/2025</a:t>
             </a:fld>
             <a:endParaRPr lang="en-US"/>
           </a:p>
@@ -2509,7 +2509,7 @@
           <a:p>
             <a:fld id="{5BCAD085-E8A6-8845-BD4E-CB4CCA059FC4}" type="datetimeFigureOut">
               <a:rPr lang="en-US" smtClean="0"/>
-              <a:t>10/13/2025</a:t>
+              <a:t>10/14/2025</a:t>
             </a:fld>
             <a:endParaRPr lang="en-US"/>
           </a:p>
@@ -2720,7 +2720,7 @@
           <a:p>
             <a:fld id="{5BCAD085-E8A6-8845-BD4E-CB4CCA059FC4}" type="datetimeFigureOut">
               <a:rPr lang="en-US" smtClean="0"/>
-              <a:t>10/13/2025</a:t>
+              <a:t>10/14/2025</a:t>
             </a:fld>
             <a:endParaRPr lang="en-US"/>
           </a:p>
@@ -3129,9 +3129,12 @@
             </a:pPr>
             <a:r>
               <a:rPr dirty="0"/>
-              <a:t>Interactive Visualization of African </a:t>
-            </a:r>
-            <a:endParaRPr lang="en-US" dirty="0"/>
+              <a:t>Interactive Visualization of</a:t>
+            </a:r>
+            <a:r>
+              <a:rPr lang="en-US" dirty="0"/>
+              <a:t> Global</a:t>
+            </a:r>
           </a:p>
           <a:p>
             <a:pPr>
@@ -3143,7 +3146,7 @@
             </a:pPr>
             <a:r>
               <a:rPr dirty="0"/>
-              <a:t>Heatwaves and Global Drought Patterns</a:t>
+              <a:t>Heatwaves and Drought Patterns</a:t>
             </a:r>
           </a:p>
           <a:p>
@@ -3259,7 +3262,15 @@
             </a:pPr>
             <a:r>
               <a:rPr dirty="0"/>
-              <a:t>- African heatwaves are intensifying with climate change.</a:t>
+              <a:t>- </a:t>
+            </a:r>
+            <a:r>
+              <a:rPr lang="en-US" dirty="0"/>
+              <a:t>H</a:t>
+            </a:r>
+            <a:r>
+              <a:rPr dirty="0"/>
+              <a:t>eatwaves are intensifying with climate change.</a:t>
             </a:r>
             <a:br>
               <a:rPr dirty="0"/>
@@ -3330,7 +3341,7 @@
         <p:spPr>
           <a:xfrm>
             <a:off x="731520" y="731520"/>
-            <a:ext cx="7772400" cy="5486400"/>
+            <a:ext cx="7351436" cy="2251899"/>
           </a:xfrm>
           <a:prstGeom prst="rect">
             <a:avLst/>
@@ -3343,7 +3354,7 @@
           </a:bodyPr>
           <a:lstStyle/>
           <a:p>
-            <a:endParaRPr/>
+            <a:endParaRPr dirty="0"/>
           </a:p>
           <a:p>
             <a:pPr>
@@ -3354,11 +3365,12 @@
               </a:defRPr>
             </a:pPr>
             <a:r>
+              <a:rPr dirty="0"/>
               <a:t>Project Goals</a:t>
             </a:r>
           </a:p>
           <a:p>
-            <a:endParaRPr/>
+            <a:endParaRPr dirty="0"/>
           </a:p>
           <a:p>
             <a:pPr>
@@ -3368,15 +3380,46 @@
               <a:defRPr sz="2000"/>
             </a:pPr>
             <a:r>
-              <a:t>1. Interactive Map of Africa – Heatwave intensity per country.</a:t>
-            </a:r>
-            <a:br/>
-            <a:r>
-              <a:t>2. Temperature Spiral – Regional trend on click.</a:t>
-            </a:r>
-            <a:br/>
-            <a:r>
-              <a:t>3. Global Drought Map – Using CUR dataset for intensity &amp; deviation.</a:t>
+              <a:rPr dirty="0"/>
+              <a:t>1. Interactive </a:t>
+            </a:r>
+            <a:r>
+              <a:rPr lang="en-US" dirty="0"/>
+              <a:t>Map -</a:t>
+            </a:r>
+            <a:r>
+              <a:rPr dirty="0"/>
+              <a:t> Heatwave intensity per country.</a:t>
+            </a:r>
+            <a:br>
+              <a:rPr dirty="0"/>
+            </a:br>
+            <a:r>
+              <a:rPr dirty="0"/>
+              <a:t>2. Temperature Spiral </a:t>
+            </a:r>
+            <a:r>
+              <a:rPr lang="en-US" dirty="0"/>
+              <a:t>-</a:t>
+            </a:r>
+            <a:r>
+              <a:rPr dirty="0"/>
+              <a:t> Regional trend on click.</a:t>
+            </a:r>
+            <a:br>
+              <a:rPr dirty="0"/>
+            </a:br>
+            <a:r>
+              <a:rPr dirty="0"/>
+              <a:t>3. Global Drought Map </a:t>
+            </a:r>
+            <a:r>
+              <a:rPr lang="en-US" dirty="0"/>
+              <a:t>-</a:t>
+            </a:r>
+            <a:r>
+              <a:rPr dirty="0"/>
+              <a:t> Using CUR dataset for intensity &amp; deviation.</a:t>
             </a:r>
           </a:p>
         </p:txBody>
@@ -3415,7 +3458,7 @@
         <p:spPr>
           <a:xfrm>
             <a:off x="731520" y="731520"/>
-            <a:ext cx="7772400" cy="5486400"/>
+            <a:ext cx="5663795" cy="5021888"/>
           </a:xfrm>
           <a:prstGeom prst="rect">
             <a:avLst/>
@@ -3428,7 +3471,7 @@
           </a:bodyPr>
           <a:lstStyle/>
           <a:p>
-            <a:endParaRPr/>
+            <a:endParaRPr dirty="0"/>
           </a:p>
           <a:p>
             <a:pPr>
@@ -3439,11 +3482,12 @@
               </a:defRPr>
             </a:pPr>
             <a:r>
+              <a:rPr dirty="0"/>
               <a:t>Data &amp; Methods</a:t>
             </a:r>
           </a:p>
           <a:p>
-            <a:endParaRPr/>
+            <a:endParaRPr dirty="0"/>
           </a:p>
           <a:p>
             <a:pPr>
@@ -3453,44 +3497,100 @@
               <a:defRPr sz="2000"/>
             </a:pPr>
             <a:r>
+              <a:rPr dirty="0"/>
               <a:t>Datasets:</a:t>
             </a:r>
-            <a:br/>
-            <a:r>
-              <a:t>- CRU TS v4.09 (Temperature, 1950–present)</a:t>
-            </a:r>
-            <a:br/>
-            <a:r>
-              <a:t>- CUR Dataset (Drought anomaly, global)</a:t>
-            </a:r>
-            <a:br/>
-            <a:br/>
-            <a:r>
+            <a:br>
+              <a:rPr dirty="0"/>
+            </a:br>
+            <a:r>
+              <a:rPr dirty="0"/>
+              <a:t>- CRU TS v4.09 (Temperature, 1950</a:t>
+            </a:r>
+            <a:r>
+              <a:rPr lang="en-US" dirty="0"/>
+              <a:t> - </a:t>
+            </a:r>
+            <a:r>
+              <a:rPr dirty="0"/>
+              <a:t>present)</a:t>
+            </a:r>
+            <a:br>
+              <a:rPr dirty="0"/>
+            </a:br>
+            <a:r>
+              <a:rPr dirty="0"/>
+              <a:t>- C</a:t>
+            </a:r>
+            <a:r>
+              <a:rPr lang="en-US" dirty="0"/>
+              <a:t>RU</a:t>
+            </a:r>
+            <a:r>
+              <a:rPr dirty="0"/>
+              <a:t> Dataset (Drought anomaly, global)</a:t>
+            </a:r>
+            <a:br>
+              <a:rPr dirty="0"/>
+            </a:br>
+            <a:br>
+              <a:rPr dirty="0"/>
+            </a:br>
+            <a:r>
+              <a:rPr dirty="0"/>
               <a:t>Tech Stack:</a:t>
             </a:r>
-            <a:br/>
-            <a:r>
+            <a:br>
+              <a:rPr dirty="0"/>
+            </a:br>
+            <a:r>
+              <a:rPr dirty="0"/>
               <a:t>- D3.js (Interactive visualization)</a:t>
             </a:r>
-            <a:br/>
-            <a:r>
-              <a:t>- JS / HTML / NetCDF / CSV data</a:t>
-            </a:r>
-            <a:br/>
-            <a:br/>
-            <a:r>
+            <a:br>
+              <a:rPr dirty="0"/>
+            </a:br>
+            <a:r>
+              <a:rPr dirty="0"/>
+              <a:t>- JS / HTML / </a:t>
+            </a:r>
+            <a:r>
+              <a:rPr dirty="0" err="1"/>
+              <a:t>NetCDF</a:t>
+            </a:r>
+            <a:r>
+              <a:rPr dirty="0"/>
+              <a:t> / CSV data</a:t>
+            </a:r>
+            <a:br>
+              <a:rPr dirty="0"/>
+            </a:br>
+            <a:br>
+              <a:rPr dirty="0"/>
+            </a:br>
+            <a:r>
+              <a:rPr dirty="0"/>
               <a:t>Processing Steps:</a:t>
             </a:r>
-            <a:br/>
-            <a:r>
+            <a:br>
+              <a:rPr dirty="0"/>
+            </a:br>
+            <a:r>
+              <a:rPr dirty="0"/>
               <a:t>- Aggregate by country-level averages</a:t>
             </a:r>
-            <a:br/>
-            <a:r>
+            <a:br>
+              <a:rPr dirty="0"/>
+            </a:br>
+            <a:r>
+              <a:rPr dirty="0"/>
               <a:t>- Compute temperature anomaly, standard deviation</a:t>
             </a:r>
-            <a:br/>
-            <a:r>
+            <a:br>
+              <a:rPr dirty="0"/>
+            </a:br>
+            <a:r>
+              <a:rPr dirty="0"/>
               <a:t>- Map to color scales + spiral timelines</a:t>
             </a:r>
           </a:p>

--- a/jsaktMidterm_projectProposalPPT.pptx
+++ b/jsaktMidterm_projectProposalPPT.pptx
@@ -1,24 +1,28 @@
 
 <file path=ppt/presentation.xml><?xml version="1.0" encoding="utf-8"?>
-<p:presentation xmlns:a="http://schemas.openxmlformats.org/drawingml/2006/main" xmlns:r="http://schemas.openxmlformats.org/officeDocument/2006/relationships" xmlns:p="http://schemas.openxmlformats.org/presentationml/2006/main" saveSubsetFonts="1" autoCompressPictures="0">
+<p:presentation xmlns:a="http://schemas.openxmlformats.org/drawingml/2006/main" xmlns:r="http://schemas.openxmlformats.org/officeDocument/2006/relationships" xmlns:p="http://schemas.openxmlformats.org/presentationml/2006/main" saveSubsetFonts="1">
   <p:sldMasterIdLst>
     <p:sldMasterId id="2147483648" r:id="rId1"/>
   </p:sldMasterIdLst>
+  <p:notesMasterIdLst>
+    <p:notesMasterId r:id="rId9"/>
+  </p:notesMasterIdLst>
   <p:sldIdLst>
     <p:sldId id="256" r:id="rId2"/>
-    <p:sldId id="257" r:id="rId3"/>
+    <p:sldId id="264" r:id="rId3"/>
     <p:sldId id="258" r:id="rId4"/>
-    <p:sldId id="259" r:id="rId5"/>
-    <p:sldId id="260" r:id="rId6"/>
-    <p:sldId id="261" r:id="rId7"/>
+    <p:sldId id="265" r:id="rId5"/>
+    <p:sldId id="262" r:id="rId6"/>
+    <p:sldId id="257" r:id="rId7"/>
+    <p:sldId id="261" r:id="rId8"/>
   </p:sldIdLst>
-  <p:sldSz cx="9144000" cy="6858000" type="screen4x3"/>
+  <p:sldSz cx="12192000" cy="6858000"/>
   <p:notesSz cx="6858000" cy="9144000"/>
   <p:defaultTextStyle>
     <a:defPPr>
       <a:defRPr lang="en-US"/>
     </a:defPPr>
-    <a:lvl1pPr marL="0" algn="l" defTabSz="457200" rtl="0" eaLnBrk="1" latinLnBrk="0" hangingPunct="1">
+    <a:lvl1pPr marL="0" algn="l" defTabSz="914400" rtl="0" eaLnBrk="1" latinLnBrk="0" hangingPunct="1">
       <a:defRPr sz="1800" kern="1200">
         <a:solidFill>
           <a:schemeClr val="tx1"/>
@@ -28,7 +32,7 @@
         <a:cs typeface="+mn-cs"/>
       </a:defRPr>
     </a:lvl1pPr>
-    <a:lvl2pPr marL="457200" algn="l" defTabSz="457200" rtl="0" eaLnBrk="1" latinLnBrk="0" hangingPunct="1">
+    <a:lvl2pPr marL="457200" algn="l" defTabSz="914400" rtl="0" eaLnBrk="1" latinLnBrk="0" hangingPunct="1">
       <a:defRPr sz="1800" kern="1200">
         <a:solidFill>
           <a:schemeClr val="tx1"/>
@@ -38,7 +42,7 @@
         <a:cs typeface="+mn-cs"/>
       </a:defRPr>
     </a:lvl2pPr>
-    <a:lvl3pPr marL="914400" algn="l" defTabSz="457200" rtl="0" eaLnBrk="1" latinLnBrk="0" hangingPunct="1">
+    <a:lvl3pPr marL="914400" algn="l" defTabSz="914400" rtl="0" eaLnBrk="1" latinLnBrk="0" hangingPunct="1">
       <a:defRPr sz="1800" kern="1200">
         <a:solidFill>
           <a:schemeClr val="tx1"/>
@@ -48,7 +52,7 @@
         <a:cs typeface="+mn-cs"/>
       </a:defRPr>
     </a:lvl3pPr>
-    <a:lvl4pPr marL="1371600" algn="l" defTabSz="457200" rtl="0" eaLnBrk="1" latinLnBrk="0" hangingPunct="1">
+    <a:lvl4pPr marL="1371600" algn="l" defTabSz="914400" rtl="0" eaLnBrk="1" latinLnBrk="0" hangingPunct="1">
       <a:defRPr sz="1800" kern="1200">
         <a:solidFill>
           <a:schemeClr val="tx1"/>
@@ -58,7 +62,7 @@
         <a:cs typeface="+mn-cs"/>
       </a:defRPr>
     </a:lvl4pPr>
-    <a:lvl5pPr marL="1828800" algn="l" defTabSz="457200" rtl="0" eaLnBrk="1" latinLnBrk="0" hangingPunct="1">
+    <a:lvl5pPr marL="1828800" algn="l" defTabSz="914400" rtl="0" eaLnBrk="1" latinLnBrk="0" hangingPunct="1">
       <a:defRPr sz="1800" kern="1200">
         <a:solidFill>
           <a:schemeClr val="tx1"/>
@@ -68,7 +72,7 @@
         <a:cs typeface="+mn-cs"/>
       </a:defRPr>
     </a:lvl5pPr>
-    <a:lvl6pPr marL="2286000" algn="l" defTabSz="457200" rtl="0" eaLnBrk="1" latinLnBrk="0" hangingPunct="1">
+    <a:lvl6pPr marL="2286000" algn="l" defTabSz="914400" rtl="0" eaLnBrk="1" latinLnBrk="0" hangingPunct="1">
       <a:defRPr sz="1800" kern="1200">
         <a:solidFill>
           <a:schemeClr val="tx1"/>
@@ -78,7 +82,7 @@
         <a:cs typeface="+mn-cs"/>
       </a:defRPr>
     </a:lvl6pPr>
-    <a:lvl7pPr marL="2743200" algn="l" defTabSz="457200" rtl="0" eaLnBrk="1" latinLnBrk="0" hangingPunct="1">
+    <a:lvl7pPr marL="2743200" algn="l" defTabSz="914400" rtl="0" eaLnBrk="1" latinLnBrk="0" hangingPunct="1">
       <a:defRPr sz="1800" kern="1200">
         <a:solidFill>
           <a:schemeClr val="tx1"/>
@@ -88,7 +92,7 @@
         <a:cs typeface="+mn-cs"/>
       </a:defRPr>
     </a:lvl7pPr>
-    <a:lvl8pPr marL="3200400" algn="l" defTabSz="457200" rtl="0" eaLnBrk="1" latinLnBrk="0" hangingPunct="1">
+    <a:lvl8pPr marL="3200400" algn="l" defTabSz="914400" rtl="0" eaLnBrk="1" latinLnBrk="0" hangingPunct="1">
       <a:defRPr sz="1800" kern="1200">
         <a:solidFill>
           <a:schemeClr val="tx1"/>
@@ -98,7 +102,7 @@
         <a:cs typeface="+mn-cs"/>
       </a:defRPr>
     </a:lvl8pPr>
-    <a:lvl9pPr marL="3657600" algn="l" defTabSz="457200" rtl="0" eaLnBrk="1" latinLnBrk="0" hangingPunct="1">
+    <a:lvl9pPr marL="3657600" algn="l" defTabSz="914400" rtl="0" eaLnBrk="1" latinLnBrk="0" hangingPunct="1">
       <a:defRPr sz="1800" kern="1200">
         <a:solidFill>
           <a:schemeClr val="tx1"/>
@@ -109,23 +113,356 @@
       </a:defRPr>
     </a:lvl9pPr>
   </p:defaultTextStyle>
-  <p:extLst>
-    <p:ext uri="{EFAFB233-063F-42B5-8137-9DF3F51BA10A}">
-      <p15:sldGuideLst xmlns:p15="http://schemas.microsoft.com/office/powerpoint/2012/main">
-        <p15:guide id="1" orient="horz" pos="2160">
-          <p15:clr>
-            <a:srgbClr val="A4A3A4"/>
-          </p15:clr>
-        </p15:guide>
-        <p15:guide id="2" pos="2880">
-          <p15:clr>
-            <a:srgbClr val="A4A3A4"/>
-          </p15:clr>
-        </p15:guide>
-      </p15:sldGuideLst>
-    </p:ext>
-  </p:extLst>
 </p:presentation>
+</file>
+
+<file path=ppt/notesMasters/notesMaster1.xml><?xml version="1.0" encoding="utf-8"?>
+<p:notesMaster xmlns:a="http://schemas.openxmlformats.org/drawingml/2006/main" xmlns:r="http://schemas.openxmlformats.org/officeDocument/2006/relationships" xmlns:p="http://schemas.openxmlformats.org/presentationml/2006/main">
+  <p:cSld>
+    <p:bg>
+      <p:bgRef idx="1001">
+        <a:schemeClr val="bg1"/>
+      </p:bgRef>
+    </p:bg>
+    <p:spTree>
+      <p:nvGrpSpPr>
+        <p:cNvPr id="1" name=""/>
+        <p:cNvGrpSpPr/>
+        <p:nvPr/>
+      </p:nvGrpSpPr>
+      <p:grpSpPr>
+        <a:xfrm>
+          <a:off x="0" y="0"/>
+          <a:ext cx="0" cy="0"/>
+          <a:chOff x="0" y="0"/>
+          <a:chExt cx="0" cy="0"/>
+        </a:xfrm>
+      </p:grpSpPr>
+      <p:sp>
+        <p:nvSpPr>
+          <p:cNvPr id="2" name="Header Placeholder 1"/>
+          <p:cNvSpPr>
+            <a:spLocks noGrp="1"/>
+          </p:cNvSpPr>
+          <p:nvPr>
+            <p:ph type="hdr" sz="quarter"/>
+          </p:nvPr>
+        </p:nvSpPr>
+        <p:spPr>
+          <a:xfrm>
+            <a:off x="0" y="0"/>
+            <a:ext cx="2971800" cy="458788"/>
+          </a:xfrm>
+          <a:prstGeom prst="rect">
+            <a:avLst/>
+          </a:prstGeom>
+        </p:spPr>
+        <p:txBody>
+          <a:bodyPr vert="horz" lIns="91440" tIns="45720" rIns="91440" bIns="45720" rtlCol="0"/>
+          <a:lstStyle>
+            <a:lvl1pPr algn="l">
+              <a:defRPr sz="1200"/>
+            </a:lvl1pPr>
+          </a:lstStyle>
+          <a:p>
+            <a:endParaRPr lang="en-US"/>
+          </a:p>
+        </p:txBody>
+      </p:sp>
+      <p:sp>
+        <p:nvSpPr>
+          <p:cNvPr id="3" name="Date Placeholder 2"/>
+          <p:cNvSpPr>
+            <a:spLocks noGrp="1"/>
+          </p:cNvSpPr>
+          <p:nvPr>
+            <p:ph type="dt" idx="1"/>
+          </p:nvPr>
+        </p:nvSpPr>
+        <p:spPr>
+          <a:xfrm>
+            <a:off x="3884613" y="0"/>
+            <a:ext cx="2971800" cy="458788"/>
+          </a:xfrm>
+          <a:prstGeom prst="rect">
+            <a:avLst/>
+          </a:prstGeom>
+        </p:spPr>
+        <p:txBody>
+          <a:bodyPr vert="horz" lIns="91440" tIns="45720" rIns="91440" bIns="45720" rtlCol="0"/>
+          <a:lstStyle>
+            <a:lvl1pPr algn="r">
+              <a:defRPr sz="1200"/>
+            </a:lvl1pPr>
+          </a:lstStyle>
+          <a:p>
+            <a:fld id="{E630E930-F9C5-4B21-8A86-B7B1AE24E746}" type="datetimeFigureOut">
+              <a:rPr lang="en-US" smtClean="0"/>
+              <a:t>10/14/2025</a:t>
+            </a:fld>
+            <a:endParaRPr lang="en-US"/>
+          </a:p>
+        </p:txBody>
+      </p:sp>
+      <p:sp>
+        <p:nvSpPr>
+          <p:cNvPr id="4" name="Slide Image Placeholder 3"/>
+          <p:cNvSpPr>
+            <a:spLocks noGrp="1" noRot="1" noChangeAspect="1"/>
+          </p:cNvSpPr>
+          <p:nvPr>
+            <p:ph type="sldImg" idx="2"/>
+          </p:nvPr>
+        </p:nvSpPr>
+        <p:spPr>
+          <a:xfrm>
+            <a:off x="685800" y="1143000"/>
+            <a:ext cx="5486400" cy="3086100"/>
+          </a:xfrm>
+          <a:prstGeom prst="rect">
+            <a:avLst/>
+          </a:prstGeom>
+          <a:noFill/>
+          <a:ln w="12700">
+            <a:solidFill>
+              <a:prstClr val="black"/>
+            </a:solidFill>
+          </a:ln>
+        </p:spPr>
+        <p:txBody>
+          <a:bodyPr vert="horz" lIns="91440" tIns="45720" rIns="91440" bIns="45720" rtlCol="0" anchor="ctr"/>
+          <a:lstStyle/>
+          <a:p>
+            <a:endParaRPr lang="en-US"/>
+          </a:p>
+        </p:txBody>
+      </p:sp>
+      <p:sp>
+        <p:nvSpPr>
+          <p:cNvPr id="5" name="Notes Placeholder 4"/>
+          <p:cNvSpPr>
+            <a:spLocks noGrp="1"/>
+          </p:cNvSpPr>
+          <p:nvPr>
+            <p:ph type="body" sz="quarter" idx="3"/>
+          </p:nvPr>
+        </p:nvSpPr>
+        <p:spPr>
+          <a:xfrm>
+            <a:off x="685800" y="4400550"/>
+            <a:ext cx="5486400" cy="3600450"/>
+          </a:xfrm>
+          <a:prstGeom prst="rect">
+            <a:avLst/>
+          </a:prstGeom>
+        </p:spPr>
+        <p:txBody>
+          <a:bodyPr vert="horz" lIns="91440" tIns="45720" rIns="91440" bIns="45720" rtlCol="0"/>
+          <a:lstStyle/>
+          <a:p>
+            <a:pPr lvl="0"/>
+            <a:r>
+              <a:rPr lang="en-US"/>
+              <a:t>Click to edit Master text styles</a:t>
+            </a:r>
+          </a:p>
+          <a:p>
+            <a:pPr lvl="1"/>
+            <a:r>
+              <a:rPr lang="en-US"/>
+              <a:t>Second level</a:t>
+            </a:r>
+          </a:p>
+          <a:p>
+            <a:pPr lvl="2"/>
+            <a:r>
+              <a:rPr lang="en-US"/>
+              <a:t>Third level</a:t>
+            </a:r>
+          </a:p>
+          <a:p>
+            <a:pPr lvl="3"/>
+            <a:r>
+              <a:rPr lang="en-US"/>
+              <a:t>Fourth level</a:t>
+            </a:r>
+          </a:p>
+          <a:p>
+            <a:pPr lvl="4"/>
+            <a:r>
+              <a:rPr lang="en-US"/>
+              <a:t>Fifth level</a:t>
+            </a:r>
+          </a:p>
+        </p:txBody>
+      </p:sp>
+      <p:sp>
+        <p:nvSpPr>
+          <p:cNvPr id="6" name="Footer Placeholder 5"/>
+          <p:cNvSpPr>
+            <a:spLocks noGrp="1"/>
+          </p:cNvSpPr>
+          <p:nvPr>
+            <p:ph type="ftr" sz="quarter" idx="4"/>
+          </p:nvPr>
+        </p:nvSpPr>
+        <p:spPr>
+          <a:xfrm>
+            <a:off x="0" y="8685213"/>
+            <a:ext cx="2971800" cy="458787"/>
+          </a:xfrm>
+          <a:prstGeom prst="rect">
+            <a:avLst/>
+          </a:prstGeom>
+        </p:spPr>
+        <p:txBody>
+          <a:bodyPr vert="horz" lIns="91440" tIns="45720" rIns="91440" bIns="45720" rtlCol="0" anchor="b"/>
+          <a:lstStyle>
+            <a:lvl1pPr algn="l">
+              <a:defRPr sz="1200"/>
+            </a:lvl1pPr>
+          </a:lstStyle>
+          <a:p>
+            <a:endParaRPr lang="en-US"/>
+          </a:p>
+        </p:txBody>
+      </p:sp>
+      <p:sp>
+        <p:nvSpPr>
+          <p:cNvPr id="7" name="Slide Number Placeholder 6"/>
+          <p:cNvSpPr>
+            <a:spLocks noGrp="1"/>
+          </p:cNvSpPr>
+          <p:nvPr>
+            <p:ph type="sldNum" sz="quarter" idx="5"/>
+          </p:nvPr>
+        </p:nvSpPr>
+        <p:spPr>
+          <a:xfrm>
+            <a:off x="3884613" y="8685213"/>
+            <a:ext cx="2971800" cy="458787"/>
+          </a:xfrm>
+          <a:prstGeom prst="rect">
+            <a:avLst/>
+          </a:prstGeom>
+        </p:spPr>
+        <p:txBody>
+          <a:bodyPr vert="horz" lIns="91440" tIns="45720" rIns="91440" bIns="45720" rtlCol="0" anchor="b"/>
+          <a:lstStyle>
+            <a:lvl1pPr algn="r">
+              <a:defRPr sz="1200"/>
+            </a:lvl1pPr>
+          </a:lstStyle>
+          <a:p>
+            <a:fld id="{D7609F5F-5454-412C-91F4-0CE64BF6B7C9}" type="slidenum">
+              <a:rPr lang="en-US" smtClean="0"/>
+              <a:t>‹#›</a:t>
+            </a:fld>
+            <a:endParaRPr lang="en-US"/>
+          </a:p>
+        </p:txBody>
+      </p:sp>
+    </p:spTree>
+    <p:extLst>
+      <p:ext uri="{BB962C8B-B14F-4D97-AF65-F5344CB8AC3E}">
+        <p14:creationId xmlns:p14="http://schemas.microsoft.com/office/powerpoint/2010/main" val="349661985"/>
+      </p:ext>
+    </p:extLst>
+  </p:cSld>
+  <p:clrMap bg1="lt1" tx1="dk1" bg2="lt2" tx2="dk2" accent1="accent1" accent2="accent2" accent3="accent3" accent4="accent4" accent5="accent5" accent6="accent6" hlink="hlink" folHlink="folHlink"/>
+  <p:notesStyle>
+    <a:lvl1pPr marL="0" algn="l" defTabSz="914400" rtl="0" eaLnBrk="1" latinLnBrk="0" hangingPunct="1">
+      <a:defRPr sz="1200" kern="1200">
+        <a:solidFill>
+          <a:schemeClr val="tx1"/>
+        </a:solidFill>
+        <a:latin typeface="+mn-lt"/>
+        <a:ea typeface="+mn-ea"/>
+        <a:cs typeface="+mn-cs"/>
+      </a:defRPr>
+    </a:lvl1pPr>
+    <a:lvl2pPr marL="457200" algn="l" defTabSz="914400" rtl="0" eaLnBrk="1" latinLnBrk="0" hangingPunct="1">
+      <a:defRPr sz="1200" kern="1200">
+        <a:solidFill>
+          <a:schemeClr val="tx1"/>
+        </a:solidFill>
+        <a:latin typeface="+mn-lt"/>
+        <a:ea typeface="+mn-ea"/>
+        <a:cs typeface="+mn-cs"/>
+      </a:defRPr>
+    </a:lvl2pPr>
+    <a:lvl3pPr marL="914400" algn="l" defTabSz="914400" rtl="0" eaLnBrk="1" latinLnBrk="0" hangingPunct="1">
+      <a:defRPr sz="1200" kern="1200">
+        <a:solidFill>
+          <a:schemeClr val="tx1"/>
+        </a:solidFill>
+        <a:latin typeface="+mn-lt"/>
+        <a:ea typeface="+mn-ea"/>
+        <a:cs typeface="+mn-cs"/>
+      </a:defRPr>
+    </a:lvl3pPr>
+    <a:lvl4pPr marL="1371600" algn="l" defTabSz="914400" rtl="0" eaLnBrk="1" latinLnBrk="0" hangingPunct="1">
+      <a:defRPr sz="1200" kern="1200">
+        <a:solidFill>
+          <a:schemeClr val="tx1"/>
+        </a:solidFill>
+        <a:latin typeface="+mn-lt"/>
+        <a:ea typeface="+mn-ea"/>
+        <a:cs typeface="+mn-cs"/>
+      </a:defRPr>
+    </a:lvl4pPr>
+    <a:lvl5pPr marL="1828800" algn="l" defTabSz="914400" rtl="0" eaLnBrk="1" latinLnBrk="0" hangingPunct="1">
+      <a:defRPr sz="1200" kern="1200">
+        <a:solidFill>
+          <a:schemeClr val="tx1"/>
+        </a:solidFill>
+        <a:latin typeface="+mn-lt"/>
+        <a:ea typeface="+mn-ea"/>
+        <a:cs typeface="+mn-cs"/>
+      </a:defRPr>
+    </a:lvl5pPr>
+    <a:lvl6pPr marL="2286000" algn="l" defTabSz="914400" rtl="0" eaLnBrk="1" latinLnBrk="0" hangingPunct="1">
+      <a:defRPr sz="1200" kern="1200">
+        <a:solidFill>
+          <a:schemeClr val="tx1"/>
+        </a:solidFill>
+        <a:latin typeface="+mn-lt"/>
+        <a:ea typeface="+mn-ea"/>
+        <a:cs typeface="+mn-cs"/>
+      </a:defRPr>
+    </a:lvl6pPr>
+    <a:lvl7pPr marL="2743200" algn="l" defTabSz="914400" rtl="0" eaLnBrk="1" latinLnBrk="0" hangingPunct="1">
+      <a:defRPr sz="1200" kern="1200">
+        <a:solidFill>
+          <a:schemeClr val="tx1"/>
+        </a:solidFill>
+        <a:latin typeface="+mn-lt"/>
+        <a:ea typeface="+mn-ea"/>
+        <a:cs typeface="+mn-cs"/>
+      </a:defRPr>
+    </a:lvl7pPr>
+    <a:lvl8pPr marL="3200400" algn="l" defTabSz="914400" rtl="0" eaLnBrk="1" latinLnBrk="0" hangingPunct="1">
+      <a:defRPr sz="1200" kern="1200">
+        <a:solidFill>
+          <a:schemeClr val="tx1"/>
+        </a:solidFill>
+        <a:latin typeface="+mn-lt"/>
+        <a:ea typeface="+mn-ea"/>
+        <a:cs typeface="+mn-cs"/>
+      </a:defRPr>
+    </a:lvl8pPr>
+    <a:lvl9pPr marL="3657600" algn="l" defTabSz="914400" rtl="0" eaLnBrk="1" latinLnBrk="0" hangingPunct="1">
+      <a:defRPr sz="1200" kern="1200">
+        <a:solidFill>
+          <a:schemeClr val="tx1"/>
+        </a:solidFill>
+        <a:latin typeface="+mn-lt"/>
+        <a:ea typeface="+mn-ea"/>
+        <a:cs typeface="+mn-cs"/>
+      </a:defRPr>
+    </a:lvl9pPr>
+  </p:notesStyle>
+</p:notesMaster>
 </file>
 
 <file path=ppt/slideLayouts/slideLayout1.xml><?xml version="1.0" encoding="utf-8"?>
@@ -147,7 +484,13 @@
       </p:grpSpPr>
       <p:sp>
         <p:nvSpPr>
-          <p:cNvPr id="2" name="Title 1"/>
+          <p:cNvPr id="2" name="Title 1">
+            <a:extLst>
+              <a:ext uri="{FF2B5EF4-FFF2-40B4-BE49-F238E27FC236}">
+                <a16:creationId xmlns:a16="http://schemas.microsoft.com/office/drawing/2014/main" id="{B986E2AF-0EA6-359B-4259-59A2266B6A3A}"/>
+              </a:ext>
+            </a:extLst>
+          </p:cNvPr>
           <p:cNvSpPr>
             <a:spLocks noGrp="1"/>
           </p:cNvSpPr>
@@ -157,13 +500,17 @@
         </p:nvSpPr>
         <p:spPr>
           <a:xfrm>
-            <a:off x="685800" y="2130425"/>
-            <a:ext cx="7772400" cy="1470025"/>
+            <a:off x="1524000" y="1122363"/>
+            <a:ext cx="9144000" cy="2387600"/>
           </a:xfrm>
         </p:spPr>
         <p:txBody>
-          <a:bodyPr/>
-          <a:lstStyle/>
+          <a:bodyPr anchor="b"/>
+          <a:lstStyle>
+            <a:lvl1pPr algn="ctr">
+              <a:defRPr sz="6000"/>
+            </a:lvl1pPr>
+          </a:lstStyle>
           <a:p>
             <a:r>
               <a:rPr lang="en-US"/>
@@ -174,7 +521,13 @@
       </p:sp>
       <p:sp>
         <p:nvSpPr>
-          <p:cNvPr id="3" name="Subtitle 2"/>
+          <p:cNvPr id="3" name="Subtitle 2">
+            <a:extLst>
+              <a:ext uri="{FF2B5EF4-FFF2-40B4-BE49-F238E27FC236}">
+                <a16:creationId xmlns:a16="http://schemas.microsoft.com/office/drawing/2014/main" id="{EEBF8B52-5A67-F016-B3F0-9F01639ED677}"/>
+              </a:ext>
+            </a:extLst>
+          </p:cNvPr>
           <p:cNvSpPr>
             <a:spLocks noGrp="1"/>
           </p:cNvSpPr>
@@ -184,8 +537,8 @@
         </p:nvSpPr>
         <p:spPr>
           <a:xfrm>
-            <a:off x="1371600" y="3886200"/>
-            <a:ext cx="6400800" cy="1752600"/>
+            <a:off x="1524000" y="3602038"/>
+            <a:ext cx="9144000" cy="1655762"/>
           </a:xfrm>
         </p:spPr>
         <p:txBody>
@@ -193,93 +546,39 @@
           <a:lstStyle>
             <a:lvl1pPr marL="0" indent="0" algn="ctr">
               <a:buNone/>
-              <a:defRPr>
-                <a:solidFill>
-                  <a:schemeClr val="tx1">
-                    <a:tint val="75000"/>
-                  </a:schemeClr>
-                </a:solidFill>
-              </a:defRPr>
+              <a:defRPr sz="2400"/>
             </a:lvl1pPr>
             <a:lvl2pPr marL="457200" indent="0" algn="ctr">
               <a:buNone/>
-              <a:defRPr>
-                <a:solidFill>
-                  <a:schemeClr val="tx1">
-                    <a:tint val="75000"/>
-                  </a:schemeClr>
-                </a:solidFill>
-              </a:defRPr>
+              <a:defRPr sz="2000"/>
             </a:lvl2pPr>
             <a:lvl3pPr marL="914400" indent="0" algn="ctr">
               <a:buNone/>
-              <a:defRPr>
-                <a:solidFill>
-                  <a:schemeClr val="tx1">
-                    <a:tint val="75000"/>
-                  </a:schemeClr>
-                </a:solidFill>
-              </a:defRPr>
+              <a:defRPr sz="1800"/>
             </a:lvl3pPr>
             <a:lvl4pPr marL="1371600" indent="0" algn="ctr">
               <a:buNone/>
-              <a:defRPr>
-                <a:solidFill>
-                  <a:schemeClr val="tx1">
-                    <a:tint val="75000"/>
-                  </a:schemeClr>
-                </a:solidFill>
-              </a:defRPr>
+              <a:defRPr sz="1600"/>
             </a:lvl4pPr>
             <a:lvl5pPr marL="1828800" indent="0" algn="ctr">
               <a:buNone/>
-              <a:defRPr>
-                <a:solidFill>
-                  <a:schemeClr val="tx1">
-                    <a:tint val="75000"/>
-                  </a:schemeClr>
-                </a:solidFill>
-              </a:defRPr>
+              <a:defRPr sz="1600"/>
             </a:lvl5pPr>
             <a:lvl6pPr marL="2286000" indent="0" algn="ctr">
               <a:buNone/>
-              <a:defRPr>
-                <a:solidFill>
-                  <a:schemeClr val="tx1">
-                    <a:tint val="75000"/>
-                  </a:schemeClr>
-                </a:solidFill>
-              </a:defRPr>
+              <a:defRPr sz="1600"/>
             </a:lvl6pPr>
             <a:lvl7pPr marL="2743200" indent="0" algn="ctr">
               <a:buNone/>
-              <a:defRPr>
-                <a:solidFill>
-                  <a:schemeClr val="tx1">
-                    <a:tint val="75000"/>
-                  </a:schemeClr>
-                </a:solidFill>
-              </a:defRPr>
+              <a:defRPr sz="1600"/>
             </a:lvl7pPr>
             <a:lvl8pPr marL="3200400" indent="0" algn="ctr">
               <a:buNone/>
-              <a:defRPr>
-                <a:solidFill>
-                  <a:schemeClr val="tx1">
-                    <a:tint val="75000"/>
-                  </a:schemeClr>
-                </a:solidFill>
-              </a:defRPr>
+              <a:defRPr sz="1600"/>
             </a:lvl8pPr>
             <a:lvl9pPr marL="3657600" indent="0" algn="ctr">
               <a:buNone/>
-              <a:defRPr>
-                <a:solidFill>
-                  <a:schemeClr val="tx1">
-                    <a:tint val="75000"/>
-                  </a:schemeClr>
-                </a:solidFill>
-              </a:defRPr>
+              <a:defRPr sz="1600"/>
             </a:lvl9pPr>
           </a:lstStyle>
           <a:p>
@@ -292,7 +591,13 @@
       </p:sp>
       <p:sp>
         <p:nvSpPr>
-          <p:cNvPr id="4" name="Date Placeholder 3"/>
+          <p:cNvPr id="4" name="Date Placeholder 3">
+            <a:extLst>
+              <a:ext uri="{FF2B5EF4-FFF2-40B4-BE49-F238E27FC236}">
+                <a16:creationId xmlns:a16="http://schemas.microsoft.com/office/drawing/2014/main" id="{F3B8D2B1-A085-6786-4107-5802F2744D0A}"/>
+              </a:ext>
+            </a:extLst>
+          </p:cNvPr>
           <p:cNvSpPr>
             <a:spLocks noGrp="1"/>
           </p:cNvSpPr>
@@ -305,7 +610,7 @@
           <a:bodyPr/>
           <a:lstStyle/>
           <a:p>
-            <a:fld id="{5BCAD085-E8A6-8845-BD4E-CB4CCA059FC4}" type="datetimeFigureOut">
+            <a:fld id="{05672BBC-10CE-4B2D-837C-5D6A28B8C453}" type="datetime1">
               <a:rPr lang="en-US" smtClean="0"/>
               <a:t>10/14/2025</a:t>
             </a:fld>
@@ -315,7 +620,13 @@
       </p:sp>
       <p:sp>
         <p:nvSpPr>
-          <p:cNvPr id="5" name="Footer Placeholder 4"/>
+          <p:cNvPr id="5" name="Footer Placeholder 4">
+            <a:extLst>
+              <a:ext uri="{FF2B5EF4-FFF2-40B4-BE49-F238E27FC236}">
+                <a16:creationId xmlns:a16="http://schemas.microsoft.com/office/drawing/2014/main" id="{0FD9A0E4-7A79-5A21-53F8-4DE573780EFC}"/>
+              </a:ext>
+            </a:extLst>
+          </p:cNvPr>
           <p:cNvSpPr>
             <a:spLocks noGrp="1"/>
           </p:cNvSpPr>
@@ -334,7 +645,13 @@
       </p:sp>
       <p:sp>
         <p:nvSpPr>
-          <p:cNvPr id="6" name="Slide Number Placeholder 5"/>
+          <p:cNvPr id="6" name="Slide Number Placeholder 5">
+            <a:extLst>
+              <a:ext uri="{FF2B5EF4-FFF2-40B4-BE49-F238E27FC236}">
+                <a16:creationId xmlns:a16="http://schemas.microsoft.com/office/drawing/2014/main" id="{A9492277-46E8-1E89-CA1F-A2B90BA522F6}"/>
+              </a:ext>
+            </a:extLst>
+          </p:cNvPr>
           <p:cNvSpPr>
             <a:spLocks noGrp="1"/>
           </p:cNvSpPr>
@@ -347,7 +664,7 @@
           <a:bodyPr/>
           <a:lstStyle/>
           <a:p>
-            <a:fld id="{C1FF6DA9-008F-8B48-92A6-B652298478BF}" type="slidenum">
+            <a:fld id="{E64C7690-F1FD-4FEA-BC1E-71D5D599DE8E}" type="slidenum">
               <a:rPr lang="en-US" smtClean="0"/>
               <a:t>‹#›</a:t>
             </a:fld>
@@ -358,7 +675,7 @@
     </p:spTree>
     <p:extLst>
       <p:ext uri="{BB962C8B-B14F-4D97-AF65-F5344CB8AC3E}">
-        <p14:creationId xmlns:p14="http://schemas.microsoft.com/office/powerpoint/2010/main" val="3168075583"/>
+        <p14:creationId xmlns:p14="http://schemas.microsoft.com/office/powerpoint/2010/main" val="3491540532"/>
       </p:ext>
     </p:extLst>
   </p:cSld>
@@ -387,7 +704,13 @@
       </p:grpSpPr>
       <p:sp>
         <p:nvSpPr>
-          <p:cNvPr id="2" name="Title 1"/>
+          <p:cNvPr id="2" name="Title 1">
+            <a:extLst>
+              <a:ext uri="{FF2B5EF4-FFF2-40B4-BE49-F238E27FC236}">
+                <a16:creationId xmlns:a16="http://schemas.microsoft.com/office/drawing/2014/main" id="{91468121-55DE-3CBF-8662-6C3746D8C2DB}"/>
+              </a:ext>
+            </a:extLst>
+          </p:cNvPr>
           <p:cNvSpPr>
             <a:spLocks noGrp="1"/>
           </p:cNvSpPr>
@@ -409,7 +732,13 @@
       </p:sp>
       <p:sp>
         <p:nvSpPr>
-          <p:cNvPr id="3" name="Vertical Text Placeholder 2"/>
+          <p:cNvPr id="3" name="Vertical Text Placeholder 2">
+            <a:extLst>
+              <a:ext uri="{FF2B5EF4-FFF2-40B4-BE49-F238E27FC236}">
+                <a16:creationId xmlns:a16="http://schemas.microsoft.com/office/drawing/2014/main" id="{D1332877-DDB6-00EA-409C-7DE8A34C123F}"/>
+              </a:ext>
+            </a:extLst>
+          </p:cNvPr>
           <p:cNvSpPr>
             <a:spLocks noGrp="1"/>
           </p:cNvSpPr>
@@ -460,7 +789,13 @@
       </p:sp>
       <p:sp>
         <p:nvSpPr>
-          <p:cNvPr id="4" name="Date Placeholder 3"/>
+          <p:cNvPr id="4" name="Date Placeholder 3">
+            <a:extLst>
+              <a:ext uri="{FF2B5EF4-FFF2-40B4-BE49-F238E27FC236}">
+                <a16:creationId xmlns:a16="http://schemas.microsoft.com/office/drawing/2014/main" id="{DE771828-0785-3A84-6A70-3861AFBABA96}"/>
+              </a:ext>
+            </a:extLst>
+          </p:cNvPr>
           <p:cNvSpPr>
             <a:spLocks noGrp="1"/>
           </p:cNvSpPr>
@@ -473,7 +808,7 @@
           <a:bodyPr/>
           <a:lstStyle/>
           <a:p>
-            <a:fld id="{5BCAD085-E8A6-8845-BD4E-CB4CCA059FC4}" type="datetimeFigureOut">
+            <a:fld id="{F184B0F0-8E6B-4F30-B08D-360F32D36984}" type="datetime1">
               <a:rPr lang="en-US" smtClean="0"/>
               <a:t>10/14/2025</a:t>
             </a:fld>
@@ -483,7 +818,13 @@
       </p:sp>
       <p:sp>
         <p:nvSpPr>
-          <p:cNvPr id="5" name="Footer Placeholder 4"/>
+          <p:cNvPr id="5" name="Footer Placeholder 4">
+            <a:extLst>
+              <a:ext uri="{FF2B5EF4-FFF2-40B4-BE49-F238E27FC236}">
+                <a16:creationId xmlns:a16="http://schemas.microsoft.com/office/drawing/2014/main" id="{21E4CED4-F31E-0991-FACC-F670D347BA3E}"/>
+              </a:ext>
+            </a:extLst>
+          </p:cNvPr>
           <p:cNvSpPr>
             <a:spLocks noGrp="1"/>
           </p:cNvSpPr>
@@ -502,7 +843,13 @@
       </p:sp>
       <p:sp>
         <p:nvSpPr>
-          <p:cNvPr id="6" name="Slide Number Placeholder 5"/>
+          <p:cNvPr id="6" name="Slide Number Placeholder 5">
+            <a:extLst>
+              <a:ext uri="{FF2B5EF4-FFF2-40B4-BE49-F238E27FC236}">
+                <a16:creationId xmlns:a16="http://schemas.microsoft.com/office/drawing/2014/main" id="{B6869BBF-BB6A-3657-C955-BEAC8FE8B5F6}"/>
+              </a:ext>
+            </a:extLst>
+          </p:cNvPr>
           <p:cNvSpPr>
             <a:spLocks noGrp="1"/>
           </p:cNvSpPr>
@@ -515,7 +862,7 @@
           <a:bodyPr/>
           <a:lstStyle/>
           <a:p>
-            <a:fld id="{C1FF6DA9-008F-8B48-92A6-B652298478BF}" type="slidenum">
+            <a:fld id="{E64C7690-F1FD-4FEA-BC1E-71D5D599DE8E}" type="slidenum">
               <a:rPr lang="en-US" smtClean="0"/>
               <a:t>‹#›</a:t>
             </a:fld>
@@ -526,7 +873,7 @@
     </p:spTree>
     <p:extLst>
       <p:ext uri="{BB962C8B-B14F-4D97-AF65-F5344CB8AC3E}">
-        <p14:creationId xmlns:p14="http://schemas.microsoft.com/office/powerpoint/2010/main" val="2910927964"/>
+        <p14:creationId xmlns:p14="http://schemas.microsoft.com/office/powerpoint/2010/main" val="4000062076"/>
       </p:ext>
     </p:extLst>
   </p:cSld>
@@ -555,7 +902,13 @@
       </p:grpSpPr>
       <p:sp>
         <p:nvSpPr>
-          <p:cNvPr id="2" name="Vertical Title 1"/>
+          <p:cNvPr id="2" name="Vertical Title 1">
+            <a:extLst>
+              <a:ext uri="{FF2B5EF4-FFF2-40B4-BE49-F238E27FC236}">
+                <a16:creationId xmlns:a16="http://schemas.microsoft.com/office/drawing/2014/main" id="{31F1B6E4-D9E2-68FB-57AD-3F1276C9C6A1}"/>
+              </a:ext>
+            </a:extLst>
+          </p:cNvPr>
           <p:cNvSpPr>
             <a:spLocks noGrp="1"/>
           </p:cNvSpPr>
@@ -565,8 +918,8 @@
         </p:nvSpPr>
         <p:spPr>
           <a:xfrm>
-            <a:off x="6629400" y="274638"/>
-            <a:ext cx="2057400" cy="5851525"/>
+            <a:off x="8724900" y="365125"/>
+            <a:ext cx="2628900" cy="5811838"/>
           </a:xfrm>
         </p:spPr>
         <p:txBody>
@@ -582,7 +935,13 @@
       </p:sp>
       <p:sp>
         <p:nvSpPr>
-          <p:cNvPr id="3" name="Vertical Text Placeholder 2"/>
+          <p:cNvPr id="3" name="Vertical Text Placeholder 2">
+            <a:extLst>
+              <a:ext uri="{FF2B5EF4-FFF2-40B4-BE49-F238E27FC236}">
+                <a16:creationId xmlns:a16="http://schemas.microsoft.com/office/drawing/2014/main" id="{0291D9C4-A803-1E2A-870B-E2647914D478}"/>
+              </a:ext>
+            </a:extLst>
+          </p:cNvPr>
           <p:cNvSpPr>
             <a:spLocks noGrp="1"/>
           </p:cNvSpPr>
@@ -592,8 +951,8 @@
         </p:nvSpPr>
         <p:spPr>
           <a:xfrm>
-            <a:off x="457200" y="274638"/>
-            <a:ext cx="6019800" cy="5851525"/>
+            <a:off x="838200" y="365125"/>
+            <a:ext cx="7734300" cy="5811838"/>
           </a:xfrm>
         </p:spPr>
         <p:txBody>
@@ -638,7 +997,13 @@
       </p:sp>
       <p:sp>
         <p:nvSpPr>
-          <p:cNvPr id="4" name="Date Placeholder 3"/>
+          <p:cNvPr id="4" name="Date Placeholder 3">
+            <a:extLst>
+              <a:ext uri="{FF2B5EF4-FFF2-40B4-BE49-F238E27FC236}">
+                <a16:creationId xmlns:a16="http://schemas.microsoft.com/office/drawing/2014/main" id="{DC339EAA-9B6B-2295-1785-45D20BA6E7AA}"/>
+              </a:ext>
+            </a:extLst>
+          </p:cNvPr>
           <p:cNvSpPr>
             <a:spLocks noGrp="1"/>
           </p:cNvSpPr>
@@ -651,7 +1016,7 @@
           <a:bodyPr/>
           <a:lstStyle/>
           <a:p>
-            <a:fld id="{5BCAD085-E8A6-8845-BD4E-CB4CCA059FC4}" type="datetimeFigureOut">
+            <a:fld id="{38F486A3-B428-4E1F-818C-8F9F26462551}" type="datetime1">
               <a:rPr lang="en-US" smtClean="0"/>
               <a:t>10/14/2025</a:t>
             </a:fld>
@@ -661,7 +1026,13 @@
       </p:sp>
       <p:sp>
         <p:nvSpPr>
-          <p:cNvPr id="5" name="Footer Placeholder 4"/>
+          <p:cNvPr id="5" name="Footer Placeholder 4">
+            <a:extLst>
+              <a:ext uri="{FF2B5EF4-FFF2-40B4-BE49-F238E27FC236}">
+                <a16:creationId xmlns:a16="http://schemas.microsoft.com/office/drawing/2014/main" id="{3273409C-84DD-5FE8-69A3-DB3A9530D20F}"/>
+              </a:ext>
+            </a:extLst>
+          </p:cNvPr>
           <p:cNvSpPr>
             <a:spLocks noGrp="1"/>
           </p:cNvSpPr>
@@ -680,7 +1051,13 @@
       </p:sp>
       <p:sp>
         <p:nvSpPr>
-          <p:cNvPr id="6" name="Slide Number Placeholder 5"/>
+          <p:cNvPr id="6" name="Slide Number Placeholder 5">
+            <a:extLst>
+              <a:ext uri="{FF2B5EF4-FFF2-40B4-BE49-F238E27FC236}">
+                <a16:creationId xmlns:a16="http://schemas.microsoft.com/office/drawing/2014/main" id="{C1869706-BB19-EB3D-2665-9E2BCDCB9DA3}"/>
+              </a:ext>
+            </a:extLst>
+          </p:cNvPr>
           <p:cNvSpPr>
             <a:spLocks noGrp="1"/>
           </p:cNvSpPr>
@@ -693,7 +1070,7 @@
           <a:bodyPr/>
           <a:lstStyle/>
           <a:p>
-            <a:fld id="{C1FF6DA9-008F-8B48-92A6-B652298478BF}" type="slidenum">
+            <a:fld id="{E64C7690-F1FD-4FEA-BC1E-71D5D599DE8E}" type="slidenum">
               <a:rPr lang="en-US" smtClean="0"/>
               <a:t>‹#›</a:t>
             </a:fld>
@@ -704,7 +1081,7 @@
     </p:spTree>
     <p:extLst>
       <p:ext uri="{BB962C8B-B14F-4D97-AF65-F5344CB8AC3E}">
-        <p14:creationId xmlns:p14="http://schemas.microsoft.com/office/powerpoint/2010/main" val="3612223792"/>
+        <p14:creationId xmlns:p14="http://schemas.microsoft.com/office/powerpoint/2010/main" val="2729921816"/>
       </p:ext>
     </p:extLst>
   </p:cSld>
@@ -733,7 +1110,13 @@
       </p:grpSpPr>
       <p:sp>
         <p:nvSpPr>
-          <p:cNvPr id="2" name="Title 1"/>
+          <p:cNvPr id="2" name="Title 1">
+            <a:extLst>
+              <a:ext uri="{FF2B5EF4-FFF2-40B4-BE49-F238E27FC236}">
+                <a16:creationId xmlns:a16="http://schemas.microsoft.com/office/drawing/2014/main" id="{78CB666D-A624-B58F-3A68-7E3FE69911D8}"/>
+              </a:ext>
+            </a:extLst>
+          </p:cNvPr>
           <p:cNvSpPr>
             <a:spLocks noGrp="1"/>
           </p:cNvSpPr>
@@ -755,7 +1138,13 @@
       </p:sp>
       <p:sp>
         <p:nvSpPr>
-          <p:cNvPr id="3" name="Content Placeholder 2"/>
+          <p:cNvPr id="3" name="Content Placeholder 2">
+            <a:extLst>
+              <a:ext uri="{FF2B5EF4-FFF2-40B4-BE49-F238E27FC236}">
+                <a16:creationId xmlns:a16="http://schemas.microsoft.com/office/drawing/2014/main" id="{7EB66B46-61C8-59B3-3CB2-74D10837A925}"/>
+              </a:ext>
+            </a:extLst>
+          </p:cNvPr>
           <p:cNvSpPr>
             <a:spLocks noGrp="1"/>
           </p:cNvSpPr>
@@ -806,7 +1195,13 @@
       </p:sp>
       <p:sp>
         <p:nvSpPr>
-          <p:cNvPr id="4" name="Date Placeholder 3"/>
+          <p:cNvPr id="4" name="Date Placeholder 3">
+            <a:extLst>
+              <a:ext uri="{FF2B5EF4-FFF2-40B4-BE49-F238E27FC236}">
+                <a16:creationId xmlns:a16="http://schemas.microsoft.com/office/drawing/2014/main" id="{8D4F1F8C-8C10-F68B-C2B0-1AA4782FC89B}"/>
+              </a:ext>
+            </a:extLst>
+          </p:cNvPr>
           <p:cNvSpPr>
             <a:spLocks noGrp="1"/>
           </p:cNvSpPr>
@@ -819,7 +1214,7 @@
           <a:bodyPr/>
           <a:lstStyle/>
           <a:p>
-            <a:fld id="{5BCAD085-E8A6-8845-BD4E-CB4CCA059FC4}" type="datetimeFigureOut">
+            <a:fld id="{7F21123E-389C-478C-A0A1-5A9CA1CD0F7A}" type="datetime1">
               <a:rPr lang="en-US" smtClean="0"/>
               <a:t>10/14/2025</a:t>
             </a:fld>
@@ -829,7 +1224,13 @@
       </p:sp>
       <p:sp>
         <p:nvSpPr>
-          <p:cNvPr id="5" name="Footer Placeholder 4"/>
+          <p:cNvPr id="5" name="Footer Placeholder 4">
+            <a:extLst>
+              <a:ext uri="{FF2B5EF4-FFF2-40B4-BE49-F238E27FC236}">
+                <a16:creationId xmlns:a16="http://schemas.microsoft.com/office/drawing/2014/main" id="{1D69264D-EB90-7D3F-C022-570198E69933}"/>
+              </a:ext>
+            </a:extLst>
+          </p:cNvPr>
           <p:cNvSpPr>
             <a:spLocks noGrp="1"/>
           </p:cNvSpPr>
@@ -848,7 +1249,13 @@
       </p:sp>
       <p:sp>
         <p:nvSpPr>
-          <p:cNvPr id="6" name="Slide Number Placeholder 5"/>
+          <p:cNvPr id="6" name="Slide Number Placeholder 5">
+            <a:extLst>
+              <a:ext uri="{FF2B5EF4-FFF2-40B4-BE49-F238E27FC236}">
+                <a16:creationId xmlns:a16="http://schemas.microsoft.com/office/drawing/2014/main" id="{1D276D2D-8D83-27A8-0FB7-38E60A2748AF}"/>
+              </a:ext>
+            </a:extLst>
+          </p:cNvPr>
           <p:cNvSpPr>
             <a:spLocks noGrp="1"/>
           </p:cNvSpPr>
@@ -861,7 +1268,7 @@
           <a:bodyPr/>
           <a:lstStyle/>
           <a:p>
-            <a:fld id="{C1FF6DA9-008F-8B48-92A6-B652298478BF}" type="slidenum">
+            <a:fld id="{E64C7690-F1FD-4FEA-BC1E-71D5D599DE8E}" type="slidenum">
               <a:rPr lang="en-US" smtClean="0"/>
               <a:t>‹#›</a:t>
             </a:fld>
@@ -872,7 +1279,7 @@
     </p:spTree>
     <p:extLst>
       <p:ext uri="{BB962C8B-B14F-4D97-AF65-F5344CB8AC3E}">
-        <p14:creationId xmlns:p14="http://schemas.microsoft.com/office/powerpoint/2010/main" val="2614314258"/>
+        <p14:creationId xmlns:p14="http://schemas.microsoft.com/office/powerpoint/2010/main" val="581950907"/>
       </p:ext>
     </p:extLst>
   </p:cSld>
@@ -901,7 +1308,13 @@
       </p:grpSpPr>
       <p:sp>
         <p:nvSpPr>
-          <p:cNvPr id="2" name="Title 1"/>
+          <p:cNvPr id="2" name="Title 1">
+            <a:extLst>
+              <a:ext uri="{FF2B5EF4-FFF2-40B4-BE49-F238E27FC236}">
+                <a16:creationId xmlns:a16="http://schemas.microsoft.com/office/drawing/2014/main" id="{F76211A7-D286-8F3C-4F6F-2D88ECC7A8F5}"/>
+              </a:ext>
+            </a:extLst>
+          </p:cNvPr>
           <p:cNvSpPr>
             <a:spLocks noGrp="1"/>
           </p:cNvSpPr>
@@ -911,15 +1324,15 @@
         </p:nvSpPr>
         <p:spPr>
           <a:xfrm>
-            <a:off x="722313" y="4406900"/>
-            <a:ext cx="7772400" cy="1362075"/>
+            <a:off x="831850" y="1709738"/>
+            <a:ext cx="10515600" cy="2852737"/>
           </a:xfrm>
         </p:spPr>
         <p:txBody>
-          <a:bodyPr anchor="t"/>
+          <a:bodyPr anchor="b"/>
           <a:lstStyle>
-            <a:lvl1pPr algn="l">
-              <a:defRPr sz="4000" b="1" cap="all"/>
+            <a:lvl1pPr>
+              <a:defRPr sz="6000"/>
             </a:lvl1pPr>
           </a:lstStyle>
           <a:p>
@@ -932,7 +1345,13 @@
       </p:sp>
       <p:sp>
         <p:nvSpPr>
-          <p:cNvPr id="3" name="Text Placeholder 2"/>
+          <p:cNvPr id="3" name="Text Placeholder 2">
+            <a:extLst>
+              <a:ext uri="{FF2B5EF4-FFF2-40B4-BE49-F238E27FC236}">
+                <a16:creationId xmlns:a16="http://schemas.microsoft.com/office/drawing/2014/main" id="{CDE9276E-11B4-5F0B-AD13-B456FAF8CFAD}"/>
+              </a:ext>
+            </a:extLst>
+          </p:cNvPr>
           <p:cNvSpPr>
             <a:spLocks noGrp="1"/>
           </p:cNvSpPr>
@@ -942,99 +1361,99 @@
         </p:nvSpPr>
         <p:spPr>
           <a:xfrm>
-            <a:off x="722313" y="2906713"/>
-            <a:ext cx="7772400" cy="1500187"/>
+            <a:off x="831850" y="4589463"/>
+            <a:ext cx="10515600" cy="1500187"/>
           </a:xfrm>
         </p:spPr>
         <p:txBody>
-          <a:bodyPr anchor="b"/>
+          <a:bodyPr/>
           <a:lstStyle>
             <a:lvl1pPr marL="0" indent="0">
               <a:buNone/>
-              <a:defRPr sz="2000">
+              <a:defRPr sz="2400">
                 <a:solidFill>
                   <a:schemeClr val="tx1">
-                    <a:tint val="75000"/>
+                    <a:tint val="82000"/>
                   </a:schemeClr>
                 </a:solidFill>
               </a:defRPr>
             </a:lvl1pPr>
             <a:lvl2pPr marL="457200" indent="0">
               <a:buNone/>
-              <a:defRPr sz="1800">
+              <a:defRPr sz="2000">
                 <a:solidFill>
                   <a:schemeClr val="tx1">
-                    <a:tint val="75000"/>
+                    <a:tint val="82000"/>
                   </a:schemeClr>
                 </a:solidFill>
               </a:defRPr>
             </a:lvl2pPr>
             <a:lvl3pPr marL="914400" indent="0">
               <a:buNone/>
-              <a:defRPr sz="1600">
+              <a:defRPr sz="1800">
                 <a:solidFill>
                   <a:schemeClr val="tx1">
-                    <a:tint val="75000"/>
+                    <a:tint val="82000"/>
                   </a:schemeClr>
                 </a:solidFill>
               </a:defRPr>
             </a:lvl3pPr>
             <a:lvl4pPr marL="1371600" indent="0">
               <a:buNone/>
-              <a:defRPr sz="1400">
+              <a:defRPr sz="1600">
                 <a:solidFill>
                   <a:schemeClr val="tx1">
-                    <a:tint val="75000"/>
+                    <a:tint val="82000"/>
                   </a:schemeClr>
                 </a:solidFill>
               </a:defRPr>
             </a:lvl4pPr>
             <a:lvl5pPr marL="1828800" indent="0">
               <a:buNone/>
-              <a:defRPr sz="1400">
+              <a:defRPr sz="1600">
                 <a:solidFill>
                   <a:schemeClr val="tx1">
-                    <a:tint val="75000"/>
+                    <a:tint val="82000"/>
                   </a:schemeClr>
                 </a:solidFill>
               </a:defRPr>
             </a:lvl5pPr>
             <a:lvl6pPr marL="2286000" indent="0">
               <a:buNone/>
-              <a:defRPr sz="1400">
+              <a:defRPr sz="1600">
                 <a:solidFill>
                   <a:schemeClr val="tx1">
-                    <a:tint val="75000"/>
+                    <a:tint val="82000"/>
                   </a:schemeClr>
                 </a:solidFill>
               </a:defRPr>
             </a:lvl6pPr>
             <a:lvl7pPr marL="2743200" indent="0">
               <a:buNone/>
-              <a:defRPr sz="1400">
+              <a:defRPr sz="1600">
                 <a:solidFill>
                   <a:schemeClr val="tx1">
-                    <a:tint val="75000"/>
+                    <a:tint val="82000"/>
                   </a:schemeClr>
                 </a:solidFill>
               </a:defRPr>
             </a:lvl7pPr>
             <a:lvl8pPr marL="3200400" indent="0">
               <a:buNone/>
-              <a:defRPr sz="1400">
+              <a:defRPr sz="1600">
                 <a:solidFill>
                   <a:schemeClr val="tx1">
-                    <a:tint val="75000"/>
+                    <a:tint val="82000"/>
                   </a:schemeClr>
                 </a:solidFill>
               </a:defRPr>
             </a:lvl8pPr>
             <a:lvl9pPr marL="3657600" indent="0">
               <a:buNone/>
-              <a:defRPr sz="1400">
+              <a:defRPr sz="1600">
                 <a:solidFill>
                   <a:schemeClr val="tx1">
-                    <a:tint val="75000"/>
+                    <a:tint val="82000"/>
                   </a:schemeClr>
                 </a:solidFill>
               </a:defRPr>
@@ -1051,7 +1470,13 @@
       </p:sp>
       <p:sp>
         <p:nvSpPr>
-          <p:cNvPr id="4" name="Date Placeholder 3"/>
+          <p:cNvPr id="4" name="Date Placeholder 3">
+            <a:extLst>
+              <a:ext uri="{FF2B5EF4-FFF2-40B4-BE49-F238E27FC236}">
+                <a16:creationId xmlns:a16="http://schemas.microsoft.com/office/drawing/2014/main" id="{D456909B-D026-619A-A882-84DBA4F28209}"/>
+              </a:ext>
+            </a:extLst>
+          </p:cNvPr>
           <p:cNvSpPr>
             <a:spLocks noGrp="1"/>
           </p:cNvSpPr>
@@ -1064,7 +1489,7 @@
           <a:bodyPr/>
           <a:lstStyle/>
           <a:p>
-            <a:fld id="{5BCAD085-E8A6-8845-BD4E-CB4CCA059FC4}" type="datetimeFigureOut">
+            <a:fld id="{93D0C5FE-8B71-4684-ABA9-942DC359F332}" type="datetime1">
               <a:rPr lang="en-US" smtClean="0"/>
               <a:t>10/14/2025</a:t>
             </a:fld>
@@ -1074,7 +1499,13 @@
       </p:sp>
       <p:sp>
         <p:nvSpPr>
-          <p:cNvPr id="5" name="Footer Placeholder 4"/>
+          <p:cNvPr id="5" name="Footer Placeholder 4">
+            <a:extLst>
+              <a:ext uri="{FF2B5EF4-FFF2-40B4-BE49-F238E27FC236}">
+                <a16:creationId xmlns:a16="http://schemas.microsoft.com/office/drawing/2014/main" id="{C080DACE-8C68-6142-B13F-176E6A921503}"/>
+              </a:ext>
+            </a:extLst>
+          </p:cNvPr>
           <p:cNvSpPr>
             <a:spLocks noGrp="1"/>
           </p:cNvSpPr>
@@ -1093,7 +1524,13 @@
       </p:sp>
       <p:sp>
         <p:nvSpPr>
-          <p:cNvPr id="6" name="Slide Number Placeholder 5"/>
+          <p:cNvPr id="6" name="Slide Number Placeholder 5">
+            <a:extLst>
+              <a:ext uri="{FF2B5EF4-FFF2-40B4-BE49-F238E27FC236}">
+                <a16:creationId xmlns:a16="http://schemas.microsoft.com/office/drawing/2014/main" id="{F3287BA9-4DED-E950-77C3-E373A587CB0B}"/>
+              </a:ext>
+            </a:extLst>
+          </p:cNvPr>
           <p:cNvSpPr>
             <a:spLocks noGrp="1"/>
           </p:cNvSpPr>
@@ -1106,7 +1543,7 @@
           <a:bodyPr/>
           <a:lstStyle/>
           <a:p>
-            <a:fld id="{C1FF6DA9-008F-8B48-92A6-B652298478BF}" type="slidenum">
+            <a:fld id="{E64C7690-F1FD-4FEA-BC1E-71D5D599DE8E}" type="slidenum">
               <a:rPr lang="en-US" smtClean="0"/>
               <a:t>‹#›</a:t>
             </a:fld>
@@ -1117,7 +1554,7 @@
     </p:spTree>
     <p:extLst>
       <p:ext uri="{BB962C8B-B14F-4D97-AF65-F5344CB8AC3E}">
-        <p14:creationId xmlns:p14="http://schemas.microsoft.com/office/powerpoint/2010/main" val="960648375"/>
+        <p14:creationId xmlns:p14="http://schemas.microsoft.com/office/powerpoint/2010/main" val="230455804"/>
       </p:ext>
     </p:extLst>
   </p:cSld>
@@ -1146,7 +1583,13 @@
       </p:grpSpPr>
       <p:sp>
         <p:nvSpPr>
-          <p:cNvPr id="2" name="Title 1"/>
+          <p:cNvPr id="2" name="Title 1">
+            <a:extLst>
+              <a:ext uri="{FF2B5EF4-FFF2-40B4-BE49-F238E27FC236}">
+                <a16:creationId xmlns:a16="http://schemas.microsoft.com/office/drawing/2014/main" id="{BB0F4C02-664A-71A3-3A2E-888F06E37D52}"/>
+              </a:ext>
+            </a:extLst>
+          </p:cNvPr>
           <p:cNvSpPr>
             <a:spLocks noGrp="1"/>
           </p:cNvSpPr>
@@ -1168,7 +1611,13 @@
       </p:sp>
       <p:sp>
         <p:nvSpPr>
-          <p:cNvPr id="3" name="Content Placeholder 2"/>
+          <p:cNvPr id="3" name="Content Placeholder 2">
+            <a:extLst>
+              <a:ext uri="{FF2B5EF4-FFF2-40B4-BE49-F238E27FC236}">
+                <a16:creationId xmlns:a16="http://schemas.microsoft.com/office/drawing/2014/main" id="{720D6C95-5C43-EC3D-6CF2-6A6B415A678C}"/>
+              </a:ext>
+            </a:extLst>
+          </p:cNvPr>
           <p:cNvSpPr>
             <a:spLocks noGrp="1"/>
           </p:cNvSpPr>
@@ -1178,41 +1627,13 @@
         </p:nvSpPr>
         <p:spPr>
           <a:xfrm>
-            <a:off x="457200" y="1600200"/>
-            <a:ext cx="4038600" cy="4525963"/>
+            <a:off x="838200" y="1825625"/>
+            <a:ext cx="5181600" cy="4351338"/>
           </a:xfrm>
         </p:spPr>
         <p:txBody>
           <a:bodyPr/>
-          <a:lstStyle>
-            <a:lvl1pPr>
-              <a:defRPr sz="2800"/>
-            </a:lvl1pPr>
-            <a:lvl2pPr>
-              <a:defRPr sz="2400"/>
-            </a:lvl2pPr>
-            <a:lvl3pPr>
-              <a:defRPr sz="2000"/>
-            </a:lvl3pPr>
-            <a:lvl4pPr>
-              <a:defRPr sz="1800"/>
-            </a:lvl4pPr>
-            <a:lvl5pPr>
-              <a:defRPr sz="1800"/>
-            </a:lvl5pPr>
-            <a:lvl6pPr>
-              <a:defRPr sz="1800"/>
-            </a:lvl6pPr>
-            <a:lvl7pPr>
-              <a:defRPr sz="1800"/>
-            </a:lvl7pPr>
-            <a:lvl8pPr>
-              <a:defRPr sz="1800"/>
-            </a:lvl8pPr>
-            <a:lvl9pPr>
-              <a:defRPr sz="1800"/>
-            </a:lvl9pPr>
-          </a:lstStyle>
+          <a:lstStyle/>
           <a:p>
             <a:pPr lvl="0"/>
             <a:r>
@@ -1252,7 +1673,13 @@
       </p:sp>
       <p:sp>
         <p:nvSpPr>
-          <p:cNvPr id="4" name="Content Placeholder 3"/>
+          <p:cNvPr id="4" name="Content Placeholder 3">
+            <a:extLst>
+              <a:ext uri="{FF2B5EF4-FFF2-40B4-BE49-F238E27FC236}">
+                <a16:creationId xmlns:a16="http://schemas.microsoft.com/office/drawing/2014/main" id="{1DCC13A1-1DA8-ED6C-5609-D390908A173F}"/>
+              </a:ext>
+            </a:extLst>
+          </p:cNvPr>
           <p:cNvSpPr>
             <a:spLocks noGrp="1"/>
           </p:cNvSpPr>
@@ -1262,41 +1689,13 @@
         </p:nvSpPr>
         <p:spPr>
           <a:xfrm>
-            <a:off x="4648200" y="1600200"/>
-            <a:ext cx="4038600" cy="4525963"/>
+            <a:off x="6172200" y="1825625"/>
+            <a:ext cx="5181600" cy="4351338"/>
           </a:xfrm>
         </p:spPr>
         <p:txBody>
           <a:bodyPr/>
-          <a:lstStyle>
-            <a:lvl1pPr>
-              <a:defRPr sz="2800"/>
-            </a:lvl1pPr>
-            <a:lvl2pPr>
-              <a:defRPr sz="2400"/>
-            </a:lvl2pPr>
-            <a:lvl3pPr>
-              <a:defRPr sz="2000"/>
-            </a:lvl3pPr>
-            <a:lvl4pPr>
-              <a:defRPr sz="1800"/>
-            </a:lvl4pPr>
-            <a:lvl5pPr>
-              <a:defRPr sz="1800"/>
-            </a:lvl5pPr>
-            <a:lvl6pPr>
-              <a:defRPr sz="1800"/>
-            </a:lvl6pPr>
-            <a:lvl7pPr>
-              <a:defRPr sz="1800"/>
-            </a:lvl7pPr>
-            <a:lvl8pPr>
-              <a:defRPr sz="1800"/>
-            </a:lvl8pPr>
-            <a:lvl9pPr>
-              <a:defRPr sz="1800"/>
-            </a:lvl9pPr>
-          </a:lstStyle>
+          <a:lstStyle/>
           <a:p>
             <a:pPr lvl="0"/>
             <a:r>
@@ -1336,7 +1735,13 @@
       </p:sp>
       <p:sp>
         <p:nvSpPr>
-          <p:cNvPr id="5" name="Date Placeholder 4"/>
+          <p:cNvPr id="5" name="Date Placeholder 4">
+            <a:extLst>
+              <a:ext uri="{FF2B5EF4-FFF2-40B4-BE49-F238E27FC236}">
+                <a16:creationId xmlns:a16="http://schemas.microsoft.com/office/drawing/2014/main" id="{288A847C-16FD-6D14-D811-E2060F4E25DA}"/>
+              </a:ext>
+            </a:extLst>
+          </p:cNvPr>
           <p:cNvSpPr>
             <a:spLocks noGrp="1"/>
           </p:cNvSpPr>
@@ -1349,7 +1754,7 @@
           <a:bodyPr/>
           <a:lstStyle/>
           <a:p>
-            <a:fld id="{5BCAD085-E8A6-8845-BD4E-CB4CCA059FC4}" type="datetimeFigureOut">
+            <a:fld id="{D2BAEA10-7957-4D2A-9933-ACA63BDA2AC4}" type="datetime1">
               <a:rPr lang="en-US" smtClean="0"/>
               <a:t>10/14/2025</a:t>
             </a:fld>
@@ -1359,7 +1764,13 @@
       </p:sp>
       <p:sp>
         <p:nvSpPr>
-          <p:cNvPr id="6" name="Footer Placeholder 5"/>
+          <p:cNvPr id="6" name="Footer Placeholder 5">
+            <a:extLst>
+              <a:ext uri="{FF2B5EF4-FFF2-40B4-BE49-F238E27FC236}">
+                <a16:creationId xmlns:a16="http://schemas.microsoft.com/office/drawing/2014/main" id="{A25AA25E-DB2B-56EF-A557-F9A5BE64D5A8}"/>
+              </a:ext>
+            </a:extLst>
+          </p:cNvPr>
           <p:cNvSpPr>
             <a:spLocks noGrp="1"/>
           </p:cNvSpPr>
@@ -1378,7 +1789,13 @@
       </p:sp>
       <p:sp>
         <p:nvSpPr>
-          <p:cNvPr id="7" name="Slide Number Placeholder 6"/>
+          <p:cNvPr id="7" name="Slide Number Placeholder 6">
+            <a:extLst>
+              <a:ext uri="{FF2B5EF4-FFF2-40B4-BE49-F238E27FC236}">
+                <a16:creationId xmlns:a16="http://schemas.microsoft.com/office/drawing/2014/main" id="{F4E9C021-9E04-2777-3FFF-880B35BB1926}"/>
+              </a:ext>
+            </a:extLst>
+          </p:cNvPr>
           <p:cNvSpPr>
             <a:spLocks noGrp="1"/>
           </p:cNvSpPr>
@@ -1391,7 +1808,7 @@
           <a:bodyPr/>
           <a:lstStyle/>
           <a:p>
-            <a:fld id="{C1FF6DA9-008F-8B48-92A6-B652298478BF}" type="slidenum">
+            <a:fld id="{E64C7690-F1FD-4FEA-BC1E-71D5D599DE8E}" type="slidenum">
               <a:rPr lang="en-US" smtClean="0"/>
               <a:t>‹#›</a:t>
             </a:fld>
@@ -1402,7 +1819,7 @@
     </p:spTree>
     <p:extLst>
       <p:ext uri="{BB962C8B-B14F-4D97-AF65-F5344CB8AC3E}">
-        <p14:creationId xmlns:p14="http://schemas.microsoft.com/office/powerpoint/2010/main" val="2782244947"/>
+        <p14:creationId xmlns:p14="http://schemas.microsoft.com/office/powerpoint/2010/main" val="2486799202"/>
       </p:ext>
     </p:extLst>
   </p:cSld>
@@ -1431,7 +1848,13 @@
       </p:grpSpPr>
       <p:sp>
         <p:nvSpPr>
-          <p:cNvPr id="2" name="Title 1"/>
+          <p:cNvPr id="2" name="Title 1">
+            <a:extLst>
+              <a:ext uri="{FF2B5EF4-FFF2-40B4-BE49-F238E27FC236}">
+                <a16:creationId xmlns:a16="http://schemas.microsoft.com/office/drawing/2014/main" id="{61038576-04FB-7F5E-2780-9E2B49FCA183}"/>
+              </a:ext>
+            </a:extLst>
+          </p:cNvPr>
           <p:cNvSpPr>
             <a:spLocks noGrp="1"/>
           </p:cNvSpPr>
@@ -1439,14 +1862,15 @@
             <p:ph type="title"/>
           </p:nvPr>
         </p:nvSpPr>
-        <p:spPr/>
+        <p:spPr>
+          <a:xfrm>
+            <a:off x="839788" y="365125"/>
+            <a:ext cx="10515600" cy="1325563"/>
+          </a:xfrm>
+        </p:spPr>
         <p:txBody>
           <a:bodyPr/>
-          <a:lstStyle>
-            <a:lvl1pPr>
-              <a:defRPr/>
-            </a:lvl1pPr>
-          </a:lstStyle>
+          <a:lstStyle/>
           <a:p>
             <a:r>
               <a:rPr lang="en-US"/>
@@ -1457,7 +1881,13 @@
       </p:sp>
       <p:sp>
         <p:nvSpPr>
-          <p:cNvPr id="3" name="Text Placeholder 2"/>
+          <p:cNvPr id="3" name="Text Placeholder 2">
+            <a:extLst>
+              <a:ext uri="{FF2B5EF4-FFF2-40B4-BE49-F238E27FC236}">
+                <a16:creationId xmlns:a16="http://schemas.microsoft.com/office/drawing/2014/main" id="{334EB817-3271-FBE4-7268-956BAB7B28E9}"/>
+              </a:ext>
+            </a:extLst>
+          </p:cNvPr>
           <p:cNvSpPr>
             <a:spLocks noGrp="1"/>
           </p:cNvSpPr>
@@ -1467,8 +1897,8 @@
         </p:nvSpPr>
         <p:spPr>
           <a:xfrm>
-            <a:off x="457200" y="1535113"/>
-            <a:ext cx="4040188" cy="639762"/>
+            <a:off x="839788" y="1681163"/>
+            <a:ext cx="5157787" cy="823912"/>
           </a:xfrm>
         </p:spPr>
         <p:txBody>
@@ -1522,7 +1952,13 @@
       </p:sp>
       <p:sp>
         <p:nvSpPr>
-          <p:cNvPr id="4" name="Content Placeholder 3"/>
+          <p:cNvPr id="4" name="Content Placeholder 3">
+            <a:extLst>
+              <a:ext uri="{FF2B5EF4-FFF2-40B4-BE49-F238E27FC236}">
+                <a16:creationId xmlns:a16="http://schemas.microsoft.com/office/drawing/2014/main" id="{02B5B044-4F57-75DB-CEA4-547DD240F15E}"/>
+              </a:ext>
+            </a:extLst>
+          </p:cNvPr>
           <p:cNvSpPr>
             <a:spLocks noGrp="1"/>
           </p:cNvSpPr>
@@ -1532,41 +1968,13 @@
         </p:nvSpPr>
         <p:spPr>
           <a:xfrm>
-            <a:off x="457200" y="2174875"/>
-            <a:ext cx="4040188" cy="3951288"/>
+            <a:off x="839788" y="2505075"/>
+            <a:ext cx="5157787" cy="3684588"/>
           </a:xfrm>
         </p:spPr>
         <p:txBody>
           <a:bodyPr/>
-          <a:lstStyle>
-            <a:lvl1pPr>
-              <a:defRPr sz="2400"/>
-            </a:lvl1pPr>
-            <a:lvl2pPr>
-              <a:defRPr sz="2000"/>
-            </a:lvl2pPr>
-            <a:lvl3pPr>
-              <a:defRPr sz="1800"/>
-            </a:lvl3pPr>
-            <a:lvl4pPr>
-              <a:defRPr sz="1600"/>
-            </a:lvl4pPr>
-            <a:lvl5pPr>
-              <a:defRPr sz="1600"/>
-            </a:lvl5pPr>
-            <a:lvl6pPr>
-              <a:defRPr sz="1600"/>
-            </a:lvl6pPr>
-            <a:lvl7pPr>
-              <a:defRPr sz="1600"/>
-            </a:lvl7pPr>
-            <a:lvl8pPr>
-              <a:defRPr sz="1600"/>
-            </a:lvl8pPr>
-            <a:lvl9pPr>
-              <a:defRPr sz="1600"/>
-            </a:lvl9pPr>
-          </a:lstStyle>
+          <a:lstStyle/>
           <a:p>
             <a:pPr lvl="0"/>
             <a:r>
@@ -1606,7 +2014,13 @@
       </p:sp>
       <p:sp>
         <p:nvSpPr>
-          <p:cNvPr id="5" name="Text Placeholder 4"/>
+          <p:cNvPr id="5" name="Text Placeholder 4">
+            <a:extLst>
+              <a:ext uri="{FF2B5EF4-FFF2-40B4-BE49-F238E27FC236}">
+                <a16:creationId xmlns:a16="http://schemas.microsoft.com/office/drawing/2014/main" id="{E85CF25B-0B11-C4EA-274C-CEA358EC5FF9}"/>
+              </a:ext>
+            </a:extLst>
+          </p:cNvPr>
           <p:cNvSpPr>
             <a:spLocks noGrp="1"/>
           </p:cNvSpPr>
@@ -1616,8 +2030,8 @@
         </p:nvSpPr>
         <p:spPr>
           <a:xfrm>
-            <a:off x="4645025" y="1535113"/>
-            <a:ext cx="4041775" cy="639762"/>
+            <a:off x="6172200" y="1681163"/>
+            <a:ext cx="5183188" cy="823912"/>
           </a:xfrm>
         </p:spPr>
         <p:txBody>
@@ -1671,7 +2085,13 @@
       </p:sp>
       <p:sp>
         <p:nvSpPr>
-          <p:cNvPr id="6" name="Content Placeholder 5"/>
+          <p:cNvPr id="6" name="Content Placeholder 5">
+            <a:extLst>
+              <a:ext uri="{FF2B5EF4-FFF2-40B4-BE49-F238E27FC236}">
+                <a16:creationId xmlns:a16="http://schemas.microsoft.com/office/drawing/2014/main" id="{C292F12D-1FD3-67B5-0D86-B1BC5BD3B8AA}"/>
+              </a:ext>
+            </a:extLst>
+          </p:cNvPr>
           <p:cNvSpPr>
             <a:spLocks noGrp="1"/>
           </p:cNvSpPr>
@@ -1681,41 +2101,13 @@
         </p:nvSpPr>
         <p:spPr>
           <a:xfrm>
-            <a:off x="4645025" y="2174875"/>
-            <a:ext cx="4041775" cy="3951288"/>
+            <a:off x="6172200" y="2505075"/>
+            <a:ext cx="5183188" cy="3684588"/>
           </a:xfrm>
         </p:spPr>
         <p:txBody>
           <a:bodyPr/>
-          <a:lstStyle>
-            <a:lvl1pPr>
-              <a:defRPr sz="2400"/>
-            </a:lvl1pPr>
-            <a:lvl2pPr>
-              <a:defRPr sz="2000"/>
-            </a:lvl2pPr>
-            <a:lvl3pPr>
-              <a:defRPr sz="1800"/>
-            </a:lvl3pPr>
-            <a:lvl4pPr>
-              <a:defRPr sz="1600"/>
-            </a:lvl4pPr>
-            <a:lvl5pPr>
-              <a:defRPr sz="1600"/>
-            </a:lvl5pPr>
-            <a:lvl6pPr>
-              <a:defRPr sz="1600"/>
-            </a:lvl6pPr>
-            <a:lvl7pPr>
-              <a:defRPr sz="1600"/>
-            </a:lvl7pPr>
-            <a:lvl8pPr>
-              <a:defRPr sz="1600"/>
-            </a:lvl8pPr>
-            <a:lvl9pPr>
-              <a:defRPr sz="1600"/>
-            </a:lvl9pPr>
-          </a:lstStyle>
+          <a:lstStyle/>
           <a:p>
             <a:pPr lvl="0"/>
             <a:r>
@@ -1755,7 +2147,13 @@
       </p:sp>
       <p:sp>
         <p:nvSpPr>
-          <p:cNvPr id="7" name="Date Placeholder 6"/>
+          <p:cNvPr id="7" name="Date Placeholder 6">
+            <a:extLst>
+              <a:ext uri="{FF2B5EF4-FFF2-40B4-BE49-F238E27FC236}">
+                <a16:creationId xmlns:a16="http://schemas.microsoft.com/office/drawing/2014/main" id="{BD9DB1B2-68BB-70C2-4FEE-FCA4DAB7AC2D}"/>
+              </a:ext>
+            </a:extLst>
+          </p:cNvPr>
           <p:cNvSpPr>
             <a:spLocks noGrp="1"/>
           </p:cNvSpPr>
@@ -1768,7 +2166,7 @@
           <a:bodyPr/>
           <a:lstStyle/>
           <a:p>
-            <a:fld id="{5BCAD085-E8A6-8845-BD4E-CB4CCA059FC4}" type="datetimeFigureOut">
+            <a:fld id="{775BEDE3-E849-4A77-A87B-1DA995DACD64}" type="datetime1">
               <a:rPr lang="en-US" smtClean="0"/>
               <a:t>10/14/2025</a:t>
             </a:fld>
@@ -1778,7 +2176,13 @@
       </p:sp>
       <p:sp>
         <p:nvSpPr>
-          <p:cNvPr id="8" name="Footer Placeholder 7"/>
+          <p:cNvPr id="8" name="Footer Placeholder 7">
+            <a:extLst>
+              <a:ext uri="{FF2B5EF4-FFF2-40B4-BE49-F238E27FC236}">
+                <a16:creationId xmlns:a16="http://schemas.microsoft.com/office/drawing/2014/main" id="{5E8DC0CD-2A72-1711-3AE8-D72F676B92E1}"/>
+              </a:ext>
+            </a:extLst>
+          </p:cNvPr>
           <p:cNvSpPr>
             <a:spLocks noGrp="1"/>
           </p:cNvSpPr>
@@ -1797,7 +2201,13 @@
       </p:sp>
       <p:sp>
         <p:nvSpPr>
-          <p:cNvPr id="9" name="Slide Number Placeholder 8"/>
+          <p:cNvPr id="9" name="Slide Number Placeholder 8">
+            <a:extLst>
+              <a:ext uri="{FF2B5EF4-FFF2-40B4-BE49-F238E27FC236}">
+                <a16:creationId xmlns:a16="http://schemas.microsoft.com/office/drawing/2014/main" id="{75E54196-2B56-FB09-A49D-8DC26D32B52F}"/>
+              </a:ext>
+            </a:extLst>
+          </p:cNvPr>
           <p:cNvSpPr>
             <a:spLocks noGrp="1"/>
           </p:cNvSpPr>
@@ -1810,7 +2220,7 @@
           <a:bodyPr/>
           <a:lstStyle/>
           <a:p>
-            <a:fld id="{C1FF6DA9-008F-8B48-92A6-B652298478BF}" type="slidenum">
+            <a:fld id="{E64C7690-F1FD-4FEA-BC1E-71D5D599DE8E}" type="slidenum">
               <a:rPr lang="en-US" smtClean="0"/>
               <a:t>‹#›</a:t>
             </a:fld>
@@ -1821,7 +2231,7 @@
     </p:spTree>
     <p:extLst>
       <p:ext uri="{BB962C8B-B14F-4D97-AF65-F5344CB8AC3E}">
-        <p14:creationId xmlns:p14="http://schemas.microsoft.com/office/powerpoint/2010/main" val="990158736"/>
+        <p14:creationId xmlns:p14="http://schemas.microsoft.com/office/powerpoint/2010/main" val="795085031"/>
       </p:ext>
     </p:extLst>
   </p:cSld>
@@ -1850,7 +2260,13 @@
       </p:grpSpPr>
       <p:sp>
         <p:nvSpPr>
-          <p:cNvPr id="2" name="Title 1"/>
+          <p:cNvPr id="2" name="Title 1">
+            <a:extLst>
+              <a:ext uri="{FF2B5EF4-FFF2-40B4-BE49-F238E27FC236}">
+                <a16:creationId xmlns:a16="http://schemas.microsoft.com/office/drawing/2014/main" id="{7BF35234-55E0-F84C-39E5-B99AAC3F6920}"/>
+              </a:ext>
+            </a:extLst>
+          </p:cNvPr>
           <p:cNvSpPr>
             <a:spLocks noGrp="1"/>
           </p:cNvSpPr>
@@ -1872,7 +2288,13 @@
       </p:sp>
       <p:sp>
         <p:nvSpPr>
-          <p:cNvPr id="3" name="Date Placeholder 2"/>
+          <p:cNvPr id="3" name="Date Placeholder 2">
+            <a:extLst>
+              <a:ext uri="{FF2B5EF4-FFF2-40B4-BE49-F238E27FC236}">
+                <a16:creationId xmlns:a16="http://schemas.microsoft.com/office/drawing/2014/main" id="{4758FD6F-CE17-5B85-B3FB-1F1C4DA2634C}"/>
+              </a:ext>
+            </a:extLst>
+          </p:cNvPr>
           <p:cNvSpPr>
             <a:spLocks noGrp="1"/>
           </p:cNvSpPr>
@@ -1885,7 +2307,7 @@
           <a:bodyPr/>
           <a:lstStyle/>
           <a:p>
-            <a:fld id="{5BCAD085-E8A6-8845-BD4E-CB4CCA059FC4}" type="datetimeFigureOut">
+            <a:fld id="{AEA16E61-BB89-4242-86EF-D859E7ED11C5}" type="datetime1">
               <a:rPr lang="en-US" smtClean="0"/>
               <a:t>10/14/2025</a:t>
             </a:fld>
@@ -1895,7 +2317,13 @@
       </p:sp>
       <p:sp>
         <p:nvSpPr>
-          <p:cNvPr id="4" name="Footer Placeholder 3"/>
+          <p:cNvPr id="4" name="Footer Placeholder 3">
+            <a:extLst>
+              <a:ext uri="{FF2B5EF4-FFF2-40B4-BE49-F238E27FC236}">
+                <a16:creationId xmlns:a16="http://schemas.microsoft.com/office/drawing/2014/main" id="{3241FC07-28DC-9663-AAFC-ACC959F86848}"/>
+              </a:ext>
+            </a:extLst>
+          </p:cNvPr>
           <p:cNvSpPr>
             <a:spLocks noGrp="1"/>
           </p:cNvSpPr>
@@ -1914,7 +2342,13 @@
       </p:sp>
       <p:sp>
         <p:nvSpPr>
-          <p:cNvPr id="5" name="Slide Number Placeholder 4"/>
+          <p:cNvPr id="5" name="Slide Number Placeholder 4">
+            <a:extLst>
+              <a:ext uri="{FF2B5EF4-FFF2-40B4-BE49-F238E27FC236}">
+                <a16:creationId xmlns:a16="http://schemas.microsoft.com/office/drawing/2014/main" id="{50951438-7F7C-E372-0D8F-6C0981964358}"/>
+              </a:ext>
+            </a:extLst>
+          </p:cNvPr>
           <p:cNvSpPr>
             <a:spLocks noGrp="1"/>
           </p:cNvSpPr>
@@ -1927,7 +2361,7 @@
           <a:bodyPr/>
           <a:lstStyle/>
           <a:p>
-            <a:fld id="{C1FF6DA9-008F-8B48-92A6-B652298478BF}" type="slidenum">
+            <a:fld id="{E64C7690-F1FD-4FEA-BC1E-71D5D599DE8E}" type="slidenum">
               <a:rPr lang="en-US" smtClean="0"/>
               <a:t>‹#›</a:t>
             </a:fld>
@@ -1938,7 +2372,7 @@
     </p:spTree>
     <p:extLst>
       <p:ext uri="{BB962C8B-B14F-4D97-AF65-F5344CB8AC3E}">
-        <p14:creationId xmlns:p14="http://schemas.microsoft.com/office/powerpoint/2010/main" val="727027711"/>
+        <p14:creationId xmlns:p14="http://schemas.microsoft.com/office/powerpoint/2010/main" val="1351321980"/>
       </p:ext>
     </p:extLst>
   </p:cSld>
@@ -1967,7 +2401,13 @@
       </p:grpSpPr>
       <p:sp>
         <p:nvSpPr>
-          <p:cNvPr id="2" name="Date Placeholder 1"/>
+          <p:cNvPr id="2" name="Date Placeholder 1">
+            <a:extLst>
+              <a:ext uri="{FF2B5EF4-FFF2-40B4-BE49-F238E27FC236}">
+                <a16:creationId xmlns:a16="http://schemas.microsoft.com/office/drawing/2014/main" id="{0BBAF1D1-149A-DB28-CB1E-62F93A8F1D4F}"/>
+              </a:ext>
+            </a:extLst>
+          </p:cNvPr>
           <p:cNvSpPr>
             <a:spLocks noGrp="1"/>
           </p:cNvSpPr>
@@ -1980,7 +2420,7 @@
           <a:bodyPr/>
           <a:lstStyle/>
           <a:p>
-            <a:fld id="{5BCAD085-E8A6-8845-BD4E-CB4CCA059FC4}" type="datetimeFigureOut">
+            <a:fld id="{05BEB467-AE23-44AB-829E-3A3002FB520C}" type="datetime1">
               <a:rPr lang="en-US" smtClean="0"/>
               <a:t>10/14/2025</a:t>
             </a:fld>
@@ -1990,7 +2430,13 @@
       </p:sp>
       <p:sp>
         <p:nvSpPr>
-          <p:cNvPr id="3" name="Footer Placeholder 2"/>
+          <p:cNvPr id="3" name="Footer Placeholder 2">
+            <a:extLst>
+              <a:ext uri="{FF2B5EF4-FFF2-40B4-BE49-F238E27FC236}">
+                <a16:creationId xmlns:a16="http://schemas.microsoft.com/office/drawing/2014/main" id="{FCC80405-9AD6-0FEC-26D5-A3A2068F7763}"/>
+              </a:ext>
+            </a:extLst>
+          </p:cNvPr>
           <p:cNvSpPr>
             <a:spLocks noGrp="1"/>
           </p:cNvSpPr>
@@ -2009,7 +2455,13 @@
       </p:sp>
       <p:sp>
         <p:nvSpPr>
-          <p:cNvPr id="4" name="Slide Number Placeholder 3"/>
+          <p:cNvPr id="4" name="Slide Number Placeholder 3">
+            <a:extLst>
+              <a:ext uri="{FF2B5EF4-FFF2-40B4-BE49-F238E27FC236}">
+                <a16:creationId xmlns:a16="http://schemas.microsoft.com/office/drawing/2014/main" id="{10280948-28F5-0711-D4E1-00472D1BA8E5}"/>
+              </a:ext>
+            </a:extLst>
+          </p:cNvPr>
           <p:cNvSpPr>
             <a:spLocks noGrp="1"/>
           </p:cNvSpPr>
@@ -2022,7 +2474,7 @@
           <a:bodyPr/>
           <a:lstStyle/>
           <a:p>
-            <a:fld id="{C1FF6DA9-008F-8B48-92A6-B652298478BF}" type="slidenum">
+            <a:fld id="{E64C7690-F1FD-4FEA-BC1E-71D5D599DE8E}" type="slidenum">
               <a:rPr lang="en-US" smtClean="0"/>
               <a:t>‹#›</a:t>
             </a:fld>
@@ -2033,7 +2485,7 @@
     </p:spTree>
     <p:extLst>
       <p:ext uri="{BB962C8B-B14F-4D97-AF65-F5344CB8AC3E}">
-        <p14:creationId xmlns:p14="http://schemas.microsoft.com/office/powerpoint/2010/main" val="1212999818"/>
+        <p14:creationId xmlns:p14="http://schemas.microsoft.com/office/powerpoint/2010/main" val="2069246179"/>
       </p:ext>
     </p:extLst>
   </p:cSld>
@@ -2062,7 +2514,13 @@
       </p:grpSpPr>
       <p:sp>
         <p:nvSpPr>
-          <p:cNvPr id="2" name="Title 1"/>
+          <p:cNvPr id="2" name="Title 1">
+            <a:extLst>
+              <a:ext uri="{FF2B5EF4-FFF2-40B4-BE49-F238E27FC236}">
+                <a16:creationId xmlns:a16="http://schemas.microsoft.com/office/drawing/2014/main" id="{B089546C-1BE8-17AA-6D17-6A3899484888}"/>
+              </a:ext>
+            </a:extLst>
+          </p:cNvPr>
           <p:cNvSpPr>
             <a:spLocks noGrp="1"/>
           </p:cNvSpPr>
@@ -2072,15 +2530,15 @@
         </p:nvSpPr>
         <p:spPr>
           <a:xfrm>
-            <a:off x="457200" y="273050"/>
-            <a:ext cx="3008313" cy="1162050"/>
+            <a:off x="839788" y="457200"/>
+            <a:ext cx="3932237" cy="1600200"/>
           </a:xfrm>
         </p:spPr>
         <p:txBody>
           <a:bodyPr anchor="b"/>
           <a:lstStyle>
-            <a:lvl1pPr algn="l">
-              <a:defRPr sz="2000" b="1"/>
+            <a:lvl1pPr>
+              <a:defRPr sz="3200"/>
             </a:lvl1pPr>
           </a:lstStyle>
           <a:p>
@@ -2093,7 +2551,13 @@
       </p:sp>
       <p:sp>
         <p:nvSpPr>
-          <p:cNvPr id="3" name="Content Placeholder 2"/>
+          <p:cNvPr id="3" name="Content Placeholder 2">
+            <a:extLst>
+              <a:ext uri="{FF2B5EF4-FFF2-40B4-BE49-F238E27FC236}">
+                <a16:creationId xmlns:a16="http://schemas.microsoft.com/office/drawing/2014/main" id="{C344C86F-00B0-344E-938F-E39D7FC5ED3E}"/>
+              </a:ext>
+            </a:extLst>
+          </p:cNvPr>
           <p:cNvSpPr>
             <a:spLocks noGrp="1"/>
           </p:cNvSpPr>
@@ -2103,8 +2567,8 @@
         </p:nvSpPr>
         <p:spPr>
           <a:xfrm>
-            <a:off x="3575050" y="273050"/>
-            <a:ext cx="5111750" cy="5853113"/>
+            <a:off x="5183188" y="987425"/>
+            <a:ext cx="6172200" cy="4873625"/>
           </a:xfrm>
         </p:spPr>
         <p:txBody>
@@ -2177,7 +2641,13 @@
       </p:sp>
       <p:sp>
         <p:nvSpPr>
-          <p:cNvPr id="4" name="Text Placeholder 3"/>
+          <p:cNvPr id="4" name="Text Placeholder 3">
+            <a:extLst>
+              <a:ext uri="{FF2B5EF4-FFF2-40B4-BE49-F238E27FC236}">
+                <a16:creationId xmlns:a16="http://schemas.microsoft.com/office/drawing/2014/main" id="{D7D1D8F0-A981-B745-98EA-0F679F307536}"/>
+              </a:ext>
+            </a:extLst>
+          </p:cNvPr>
           <p:cNvSpPr>
             <a:spLocks noGrp="1"/>
           </p:cNvSpPr>
@@ -2187,8 +2657,8 @@
         </p:nvSpPr>
         <p:spPr>
           <a:xfrm>
-            <a:off x="457200" y="1435100"/>
-            <a:ext cx="3008313" cy="4691063"/>
+            <a:off x="839788" y="2057400"/>
+            <a:ext cx="3932237" cy="3811588"/>
           </a:xfrm>
         </p:spPr>
         <p:txBody>
@@ -2196,39 +2666,39 @@
           <a:lstStyle>
             <a:lvl1pPr marL="0" indent="0">
               <a:buNone/>
-              <a:defRPr sz="1400"/>
+              <a:defRPr sz="1600"/>
             </a:lvl1pPr>
             <a:lvl2pPr marL="457200" indent="0">
               <a:buNone/>
-              <a:defRPr sz="1200"/>
+              <a:defRPr sz="1400"/>
             </a:lvl2pPr>
             <a:lvl3pPr marL="914400" indent="0">
               <a:buNone/>
-              <a:defRPr sz="1000"/>
+              <a:defRPr sz="1200"/>
             </a:lvl3pPr>
             <a:lvl4pPr marL="1371600" indent="0">
               <a:buNone/>
-              <a:defRPr sz="900"/>
+              <a:defRPr sz="1000"/>
             </a:lvl4pPr>
             <a:lvl5pPr marL="1828800" indent="0">
               <a:buNone/>
-              <a:defRPr sz="900"/>
+              <a:defRPr sz="1000"/>
             </a:lvl5pPr>
             <a:lvl6pPr marL="2286000" indent="0">
               <a:buNone/>
-              <a:defRPr sz="900"/>
+              <a:defRPr sz="1000"/>
             </a:lvl6pPr>
             <a:lvl7pPr marL="2743200" indent="0">
               <a:buNone/>
-              <a:defRPr sz="900"/>
+              <a:defRPr sz="1000"/>
             </a:lvl7pPr>
             <a:lvl8pPr marL="3200400" indent="0">
               <a:buNone/>
-              <a:defRPr sz="900"/>
+              <a:defRPr sz="1000"/>
             </a:lvl8pPr>
             <a:lvl9pPr marL="3657600" indent="0">
               <a:buNone/>
-              <a:defRPr sz="900"/>
+              <a:defRPr sz="1000"/>
             </a:lvl9pPr>
           </a:lstStyle>
           <a:p>
@@ -2242,7 +2712,13 @@
       </p:sp>
       <p:sp>
         <p:nvSpPr>
-          <p:cNvPr id="5" name="Date Placeholder 4"/>
+          <p:cNvPr id="5" name="Date Placeholder 4">
+            <a:extLst>
+              <a:ext uri="{FF2B5EF4-FFF2-40B4-BE49-F238E27FC236}">
+                <a16:creationId xmlns:a16="http://schemas.microsoft.com/office/drawing/2014/main" id="{62145BEA-ED6B-C5AA-4E6C-00E514B13F61}"/>
+              </a:ext>
+            </a:extLst>
+          </p:cNvPr>
           <p:cNvSpPr>
             <a:spLocks noGrp="1"/>
           </p:cNvSpPr>
@@ -2255,7 +2731,7 @@
           <a:bodyPr/>
           <a:lstStyle/>
           <a:p>
-            <a:fld id="{5BCAD085-E8A6-8845-BD4E-CB4CCA059FC4}" type="datetimeFigureOut">
+            <a:fld id="{95D222FC-4D97-4BB6-B6A8-6EE4C351A0C6}" type="datetime1">
               <a:rPr lang="en-US" smtClean="0"/>
               <a:t>10/14/2025</a:t>
             </a:fld>
@@ -2265,7 +2741,13 @@
       </p:sp>
       <p:sp>
         <p:nvSpPr>
-          <p:cNvPr id="6" name="Footer Placeholder 5"/>
+          <p:cNvPr id="6" name="Footer Placeholder 5">
+            <a:extLst>
+              <a:ext uri="{FF2B5EF4-FFF2-40B4-BE49-F238E27FC236}">
+                <a16:creationId xmlns:a16="http://schemas.microsoft.com/office/drawing/2014/main" id="{7646987F-3898-A37E-2A13-20A9F1DE75B4}"/>
+              </a:ext>
+            </a:extLst>
+          </p:cNvPr>
           <p:cNvSpPr>
             <a:spLocks noGrp="1"/>
           </p:cNvSpPr>
@@ -2284,7 +2766,13 @@
       </p:sp>
       <p:sp>
         <p:nvSpPr>
-          <p:cNvPr id="7" name="Slide Number Placeholder 6"/>
+          <p:cNvPr id="7" name="Slide Number Placeholder 6">
+            <a:extLst>
+              <a:ext uri="{FF2B5EF4-FFF2-40B4-BE49-F238E27FC236}">
+                <a16:creationId xmlns:a16="http://schemas.microsoft.com/office/drawing/2014/main" id="{819AB1A3-4669-AFE0-F6C5-3DC0DEDDABE0}"/>
+              </a:ext>
+            </a:extLst>
+          </p:cNvPr>
           <p:cNvSpPr>
             <a:spLocks noGrp="1"/>
           </p:cNvSpPr>
@@ -2297,7 +2785,7 @@
           <a:bodyPr/>
           <a:lstStyle/>
           <a:p>
-            <a:fld id="{C1FF6DA9-008F-8B48-92A6-B652298478BF}" type="slidenum">
+            <a:fld id="{E64C7690-F1FD-4FEA-BC1E-71D5D599DE8E}" type="slidenum">
               <a:rPr lang="en-US" smtClean="0"/>
               <a:t>‹#›</a:t>
             </a:fld>
@@ -2308,7 +2796,7 @@
     </p:spTree>
     <p:extLst>
       <p:ext uri="{BB962C8B-B14F-4D97-AF65-F5344CB8AC3E}">
-        <p14:creationId xmlns:p14="http://schemas.microsoft.com/office/powerpoint/2010/main" val="1840726560"/>
+        <p14:creationId xmlns:p14="http://schemas.microsoft.com/office/powerpoint/2010/main" val="1335580676"/>
       </p:ext>
     </p:extLst>
   </p:cSld>
@@ -2337,7 +2825,13 @@
       </p:grpSpPr>
       <p:sp>
         <p:nvSpPr>
-          <p:cNvPr id="2" name="Title 1"/>
+          <p:cNvPr id="2" name="Title 1">
+            <a:extLst>
+              <a:ext uri="{FF2B5EF4-FFF2-40B4-BE49-F238E27FC236}">
+                <a16:creationId xmlns:a16="http://schemas.microsoft.com/office/drawing/2014/main" id="{1D0EE576-015E-B5F9-424F-C59AF48B1712}"/>
+              </a:ext>
+            </a:extLst>
+          </p:cNvPr>
           <p:cNvSpPr>
             <a:spLocks noGrp="1"/>
           </p:cNvSpPr>
@@ -2347,15 +2841,15 @@
         </p:nvSpPr>
         <p:spPr>
           <a:xfrm>
-            <a:off x="1792288" y="4800600"/>
-            <a:ext cx="5486400" cy="566738"/>
+            <a:off x="839788" y="457200"/>
+            <a:ext cx="3932237" cy="1600200"/>
           </a:xfrm>
         </p:spPr>
         <p:txBody>
           <a:bodyPr anchor="b"/>
           <a:lstStyle>
-            <a:lvl1pPr algn="l">
-              <a:defRPr sz="2000" b="1"/>
+            <a:lvl1pPr>
+              <a:defRPr sz="3200"/>
             </a:lvl1pPr>
           </a:lstStyle>
           <a:p>
@@ -2368,7 +2862,13 @@
       </p:sp>
       <p:sp>
         <p:nvSpPr>
-          <p:cNvPr id="3" name="Picture Placeholder 2"/>
+          <p:cNvPr id="3" name="Picture Placeholder 2">
+            <a:extLst>
+              <a:ext uri="{FF2B5EF4-FFF2-40B4-BE49-F238E27FC236}">
+                <a16:creationId xmlns:a16="http://schemas.microsoft.com/office/drawing/2014/main" id="{CBA204E0-43F5-30A6-15FE-95CA09809985}"/>
+              </a:ext>
+            </a:extLst>
+          </p:cNvPr>
           <p:cNvSpPr>
             <a:spLocks noGrp="1"/>
           </p:cNvSpPr>
@@ -2378,8 +2878,8 @@
         </p:nvSpPr>
         <p:spPr>
           <a:xfrm>
-            <a:off x="1792288" y="612775"/>
-            <a:ext cx="5486400" cy="4114800"/>
+            <a:off x="5183188" y="987425"/>
+            <a:ext cx="6172200" cy="4873625"/>
           </a:xfrm>
         </p:spPr>
         <p:txBody>
@@ -2429,7 +2929,13 @@
       </p:sp>
       <p:sp>
         <p:nvSpPr>
-          <p:cNvPr id="4" name="Text Placeholder 3"/>
+          <p:cNvPr id="4" name="Text Placeholder 3">
+            <a:extLst>
+              <a:ext uri="{FF2B5EF4-FFF2-40B4-BE49-F238E27FC236}">
+                <a16:creationId xmlns:a16="http://schemas.microsoft.com/office/drawing/2014/main" id="{A6A55FD8-5D11-C884-0116-B01572873D96}"/>
+              </a:ext>
+            </a:extLst>
+          </p:cNvPr>
           <p:cNvSpPr>
             <a:spLocks noGrp="1"/>
           </p:cNvSpPr>
@@ -2439,8 +2945,8 @@
         </p:nvSpPr>
         <p:spPr>
           <a:xfrm>
-            <a:off x="1792288" y="5367338"/>
-            <a:ext cx="5486400" cy="804862"/>
+            <a:off x="839788" y="2057400"/>
+            <a:ext cx="3932237" cy="3811588"/>
           </a:xfrm>
         </p:spPr>
         <p:txBody>
@@ -2448,39 +2954,39 @@
           <a:lstStyle>
             <a:lvl1pPr marL="0" indent="0">
               <a:buNone/>
-              <a:defRPr sz="1400"/>
+              <a:defRPr sz="1600"/>
             </a:lvl1pPr>
             <a:lvl2pPr marL="457200" indent="0">
               <a:buNone/>
-              <a:defRPr sz="1200"/>
+              <a:defRPr sz="1400"/>
             </a:lvl2pPr>
             <a:lvl3pPr marL="914400" indent="0">
               <a:buNone/>
-              <a:defRPr sz="1000"/>
+              <a:defRPr sz="1200"/>
             </a:lvl3pPr>
             <a:lvl4pPr marL="1371600" indent="0">
               <a:buNone/>
-              <a:defRPr sz="900"/>
+              <a:defRPr sz="1000"/>
             </a:lvl4pPr>
             <a:lvl5pPr marL="1828800" indent="0">
               <a:buNone/>
-              <a:defRPr sz="900"/>
+              <a:defRPr sz="1000"/>
             </a:lvl5pPr>
             <a:lvl6pPr marL="2286000" indent="0">
               <a:buNone/>
-              <a:defRPr sz="900"/>
+              <a:defRPr sz="1000"/>
             </a:lvl6pPr>
             <a:lvl7pPr marL="2743200" indent="0">
               <a:buNone/>
-              <a:defRPr sz="900"/>
+              <a:defRPr sz="1000"/>
             </a:lvl7pPr>
             <a:lvl8pPr marL="3200400" indent="0">
               <a:buNone/>
-              <a:defRPr sz="900"/>
+              <a:defRPr sz="1000"/>
             </a:lvl8pPr>
             <a:lvl9pPr marL="3657600" indent="0">
               <a:buNone/>
-              <a:defRPr sz="900"/>
+              <a:defRPr sz="1000"/>
             </a:lvl9pPr>
           </a:lstStyle>
           <a:p>
@@ -2494,7 +3000,13 @@
       </p:sp>
       <p:sp>
         <p:nvSpPr>
-          <p:cNvPr id="5" name="Date Placeholder 4"/>
+          <p:cNvPr id="5" name="Date Placeholder 4">
+            <a:extLst>
+              <a:ext uri="{FF2B5EF4-FFF2-40B4-BE49-F238E27FC236}">
+                <a16:creationId xmlns:a16="http://schemas.microsoft.com/office/drawing/2014/main" id="{5A7DFE76-5002-467C-BC80-9D66799B18F8}"/>
+              </a:ext>
+            </a:extLst>
+          </p:cNvPr>
           <p:cNvSpPr>
             <a:spLocks noGrp="1"/>
           </p:cNvSpPr>
@@ -2507,7 +3019,7 @@
           <a:bodyPr/>
           <a:lstStyle/>
           <a:p>
-            <a:fld id="{5BCAD085-E8A6-8845-BD4E-CB4CCA059FC4}" type="datetimeFigureOut">
+            <a:fld id="{ECDB94AD-7053-427C-8C29-C1D8414E408C}" type="datetime1">
               <a:rPr lang="en-US" smtClean="0"/>
               <a:t>10/14/2025</a:t>
             </a:fld>
@@ -2517,7 +3029,13 @@
       </p:sp>
       <p:sp>
         <p:nvSpPr>
-          <p:cNvPr id="6" name="Footer Placeholder 5"/>
+          <p:cNvPr id="6" name="Footer Placeholder 5">
+            <a:extLst>
+              <a:ext uri="{FF2B5EF4-FFF2-40B4-BE49-F238E27FC236}">
+                <a16:creationId xmlns:a16="http://schemas.microsoft.com/office/drawing/2014/main" id="{E449E125-2E98-4DB2-5AE2-8F28D81B10AC}"/>
+              </a:ext>
+            </a:extLst>
+          </p:cNvPr>
           <p:cNvSpPr>
             <a:spLocks noGrp="1"/>
           </p:cNvSpPr>
@@ -2536,7 +3054,13 @@
       </p:sp>
       <p:sp>
         <p:nvSpPr>
-          <p:cNvPr id="7" name="Slide Number Placeholder 6"/>
+          <p:cNvPr id="7" name="Slide Number Placeholder 6">
+            <a:extLst>
+              <a:ext uri="{FF2B5EF4-FFF2-40B4-BE49-F238E27FC236}">
+                <a16:creationId xmlns:a16="http://schemas.microsoft.com/office/drawing/2014/main" id="{077A7C03-3ED3-81EE-E9B5-9C354A8B1C05}"/>
+              </a:ext>
+            </a:extLst>
+          </p:cNvPr>
           <p:cNvSpPr>
             <a:spLocks noGrp="1"/>
           </p:cNvSpPr>
@@ -2549,7 +3073,7 @@
           <a:bodyPr/>
           <a:lstStyle/>
           <a:p>
-            <a:fld id="{C1FF6DA9-008F-8B48-92A6-B652298478BF}" type="slidenum">
+            <a:fld id="{E64C7690-F1FD-4FEA-BC1E-71D5D599DE8E}" type="slidenum">
               <a:rPr lang="en-US" smtClean="0"/>
               <a:t>‹#›</a:t>
             </a:fld>
@@ -2560,7 +3084,7 @@
     </p:spTree>
     <p:extLst>
       <p:ext uri="{BB962C8B-B14F-4D97-AF65-F5344CB8AC3E}">
-        <p14:creationId xmlns:p14="http://schemas.microsoft.com/office/powerpoint/2010/main" val="3889236939"/>
+        <p14:creationId xmlns:p14="http://schemas.microsoft.com/office/powerpoint/2010/main" val="1234132215"/>
       </p:ext>
     </p:extLst>
   </p:cSld>
@@ -2594,7 +3118,13 @@
       </p:grpSpPr>
       <p:sp>
         <p:nvSpPr>
-          <p:cNvPr id="2" name="Title Placeholder 1"/>
+          <p:cNvPr id="2" name="Title Placeholder 1">
+            <a:extLst>
+              <a:ext uri="{FF2B5EF4-FFF2-40B4-BE49-F238E27FC236}">
+                <a16:creationId xmlns:a16="http://schemas.microsoft.com/office/drawing/2014/main" id="{9F24C972-5ADF-99DA-6B7B-518D4B4B44CB}"/>
+              </a:ext>
+            </a:extLst>
+          </p:cNvPr>
           <p:cNvSpPr>
             <a:spLocks noGrp="1"/>
           </p:cNvSpPr>
@@ -2604,8 +3134,8 @@
         </p:nvSpPr>
         <p:spPr>
           <a:xfrm>
-            <a:off x="457200" y="274638"/>
-            <a:ext cx="8229600" cy="1143000"/>
+            <a:off x="838200" y="365125"/>
+            <a:ext cx="10515600" cy="1325563"/>
           </a:xfrm>
           <a:prstGeom prst="rect">
             <a:avLst/>
@@ -2626,7 +3156,13 @@
       </p:sp>
       <p:sp>
         <p:nvSpPr>
-          <p:cNvPr id="3" name="Text Placeholder 2"/>
+          <p:cNvPr id="3" name="Text Placeholder 2">
+            <a:extLst>
+              <a:ext uri="{FF2B5EF4-FFF2-40B4-BE49-F238E27FC236}">
+                <a16:creationId xmlns:a16="http://schemas.microsoft.com/office/drawing/2014/main" id="{B5C3B604-98D3-05B0-1CA4-CE0DBC2095B4}"/>
+              </a:ext>
+            </a:extLst>
+          </p:cNvPr>
           <p:cNvSpPr>
             <a:spLocks noGrp="1"/>
           </p:cNvSpPr>
@@ -2636,8 +3172,8 @@
         </p:nvSpPr>
         <p:spPr>
           <a:xfrm>
-            <a:off x="457200" y="1600200"/>
-            <a:ext cx="8229600" cy="4525963"/>
+            <a:off x="838200" y="1825625"/>
+            <a:ext cx="10515600" cy="4351338"/>
           </a:xfrm>
           <a:prstGeom prst="rect">
             <a:avLst/>
@@ -2687,7 +3223,13 @@
       </p:sp>
       <p:sp>
         <p:nvSpPr>
-          <p:cNvPr id="4" name="Date Placeholder 3"/>
+          <p:cNvPr id="4" name="Date Placeholder 3">
+            <a:extLst>
+              <a:ext uri="{FF2B5EF4-FFF2-40B4-BE49-F238E27FC236}">
+                <a16:creationId xmlns:a16="http://schemas.microsoft.com/office/drawing/2014/main" id="{C508BF74-D1A5-1D23-E5C8-F8FE05D1DBE5}"/>
+              </a:ext>
+            </a:extLst>
+          </p:cNvPr>
           <p:cNvSpPr>
             <a:spLocks noGrp="1"/>
           </p:cNvSpPr>
@@ -2697,8 +3239,8 @@
         </p:nvSpPr>
         <p:spPr>
           <a:xfrm>
-            <a:off x="457200" y="6356350"/>
-            <a:ext cx="2133600" cy="365125"/>
+            <a:off x="838200" y="6356350"/>
+            <a:ext cx="2743200" cy="365125"/>
           </a:xfrm>
           <a:prstGeom prst="rect">
             <a:avLst/>
@@ -2711,14 +3253,14 @@
               <a:defRPr sz="1200">
                 <a:solidFill>
                   <a:schemeClr val="tx1">
-                    <a:tint val="75000"/>
+                    <a:tint val="82000"/>
                   </a:schemeClr>
                 </a:solidFill>
               </a:defRPr>
             </a:lvl1pPr>
           </a:lstStyle>
           <a:p>
-            <a:fld id="{5BCAD085-E8A6-8845-BD4E-CB4CCA059FC4}" type="datetimeFigureOut">
+            <a:fld id="{C0080D01-43EB-43AF-852E-42F5F7176188}" type="datetime1">
               <a:rPr lang="en-US" smtClean="0"/>
               <a:t>10/14/2025</a:t>
             </a:fld>
@@ -2728,7 +3270,13 @@
       </p:sp>
       <p:sp>
         <p:nvSpPr>
-          <p:cNvPr id="5" name="Footer Placeholder 4"/>
+          <p:cNvPr id="5" name="Footer Placeholder 4">
+            <a:extLst>
+              <a:ext uri="{FF2B5EF4-FFF2-40B4-BE49-F238E27FC236}">
+                <a16:creationId xmlns:a16="http://schemas.microsoft.com/office/drawing/2014/main" id="{E50E5ED0-1FE8-CDBE-6E9A-54059D7AEDE1}"/>
+              </a:ext>
+            </a:extLst>
+          </p:cNvPr>
           <p:cNvSpPr>
             <a:spLocks noGrp="1"/>
           </p:cNvSpPr>
@@ -2738,8 +3286,8 @@
         </p:nvSpPr>
         <p:spPr>
           <a:xfrm>
-            <a:off x="3124200" y="6356350"/>
-            <a:ext cx="2895600" cy="365125"/>
+            <a:off x="4038600" y="6356350"/>
+            <a:ext cx="4114800" cy="365125"/>
           </a:xfrm>
           <a:prstGeom prst="rect">
             <a:avLst/>
@@ -2752,7 +3300,7 @@
               <a:defRPr sz="1200">
                 <a:solidFill>
                   <a:schemeClr val="tx1">
-                    <a:tint val="75000"/>
+                    <a:tint val="82000"/>
                   </a:schemeClr>
                 </a:solidFill>
               </a:defRPr>
@@ -2765,7 +3313,13 @@
       </p:sp>
       <p:sp>
         <p:nvSpPr>
-          <p:cNvPr id="6" name="Slide Number Placeholder 5"/>
+          <p:cNvPr id="6" name="Slide Number Placeholder 5">
+            <a:extLst>
+              <a:ext uri="{FF2B5EF4-FFF2-40B4-BE49-F238E27FC236}">
+                <a16:creationId xmlns:a16="http://schemas.microsoft.com/office/drawing/2014/main" id="{1616D4DC-3F90-EA5F-70D3-B7513041112C}"/>
+              </a:ext>
+            </a:extLst>
+          </p:cNvPr>
           <p:cNvSpPr>
             <a:spLocks noGrp="1"/>
           </p:cNvSpPr>
@@ -2775,8 +3329,8 @@
         </p:nvSpPr>
         <p:spPr>
           <a:xfrm>
-            <a:off x="6553200" y="6356350"/>
-            <a:ext cx="2133600" cy="365125"/>
+            <a:off x="8610600" y="6356350"/>
+            <a:ext cx="2743200" cy="365125"/>
           </a:xfrm>
           <a:prstGeom prst="rect">
             <a:avLst/>
@@ -2789,14 +3343,14 @@
               <a:defRPr sz="1200">
                 <a:solidFill>
                   <a:schemeClr val="tx1">
-                    <a:tint val="75000"/>
+                    <a:tint val="82000"/>
                   </a:schemeClr>
                 </a:solidFill>
               </a:defRPr>
             </a:lvl1pPr>
           </a:lstStyle>
           <a:p>
-            <a:fld id="{C1FF6DA9-008F-8B48-92A6-B652298478BF}" type="slidenum">
+            <a:fld id="{E64C7690-F1FD-4FEA-BC1E-71D5D599DE8E}" type="slidenum">
               <a:rPr lang="en-US" smtClean="0"/>
               <a:t>‹#›</a:t>
             </a:fld>
@@ -2807,7 +3361,7 @@
     </p:spTree>
     <p:extLst>
       <p:ext uri="{BB962C8B-B14F-4D97-AF65-F5344CB8AC3E}">
-        <p14:creationId xmlns:p14="http://schemas.microsoft.com/office/powerpoint/2010/main" val="2209977519"/>
+        <p14:creationId xmlns:p14="http://schemas.microsoft.com/office/powerpoint/2010/main" val="2576875801"/>
       </p:ext>
     </p:extLst>
   </p:cSld>
@@ -2825,9 +3379,13 @@
     <p:sldLayoutId id="2147483658" r:id="rId10"/>
     <p:sldLayoutId id="2147483659" r:id="rId11"/>
   </p:sldLayoutIdLst>
+  <p:hf hdr="0" ftr="0" dt="0"/>
   <p:txStyles>
     <p:titleStyle>
-      <a:lvl1pPr algn="ctr" defTabSz="457200" rtl="0" eaLnBrk="1" latinLnBrk="0" hangingPunct="1">
+      <a:lvl1pPr algn="l" defTabSz="914400" rtl="0" eaLnBrk="1" latinLnBrk="0" hangingPunct="1">
+        <a:lnSpc>
+          <a:spcPct val="90000"/>
+        </a:lnSpc>
         <a:spcBef>
           <a:spcPct val="0"/>
         </a:spcBef>
@@ -2843,13 +3401,16 @@
       </a:lvl1pPr>
     </p:titleStyle>
     <p:bodyStyle>
-      <a:lvl1pPr marL="342900" indent="-342900" algn="l" defTabSz="457200" rtl="0" eaLnBrk="1" latinLnBrk="0" hangingPunct="1">
+      <a:lvl1pPr marL="228600" indent="-228600" algn="l" defTabSz="914400" rtl="0" eaLnBrk="1" latinLnBrk="0" hangingPunct="1">
+        <a:lnSpc>
+          <a:spcPct val="90000"/>
+        </a:lnSpc>
         <a:spcBef>
-          <a:spcPct val="20000"/>
+          <a:spcPts val="1000"/>
         </a:spcBef>
-        <a:buFont typeface="Arial"/>
+        <a:buFont typeface="Arial" panose="020B0604020202020204" pitchFamily="34" charset="0"/>
         <a:buChar char="•"/>
-        <a:defRPr sz="3200" kern="1200">
+        <a:defRPr sz="2800" kern="1200">
           <a:solidFill>
             <a:schemeClr val="tx1"/>
           </a:solidFill>
@@ -2858,26 +3419,14 @@
           <a:cs typeface="+mn-cs"/>
         </a:defRPr>
       </a:lvl1pPr>
-      <a:lvl2pPr marL="742950" indent="-285750" algn="l" defTabSz="457200" rtl="0" eaLnBrk="1" latinLnBrk="0" hangingPunct="1">
+      <a:lvl2pPr marL="685800" indent="-228600" algn="l" defTabSz="914400" rtl="0" eaLnBrk="1" latinLnBrk="0" hangingPunct="1">
+        <a:lnSpc>
+          <a:spcPct val="90000"/>
+        </a:lnSpc>
         <a:spcBef>
-          <a:spcPct val="20000"/>
+          <a:spcPts val="500"/>
         </a:spcBef>
-        <a:buFont typeface="Arial"/>
-        <a:buChar char="–"/>
-        <a:defRPr sz="2800" kern="1200">
-          <a:solidFill>
-            <a:schemeClr val="tx1"/>
-          </a:solidFill>
-          <a:latin typeface="+mn-lt"/>
-          <a:ea typeface="+mn-ea"/>
-          <a:cs typeface="+mn-cs"/>
-        </a:defRPr>
-      </a:lvl2pPr>
-      <a:lvl3pPr marL="1143000" indent="-228600" algn="l" defTabSz="457200" rtl="0" eaLnBrk="1" latinLnBrk="0" hangingPunct="1">
-        <a:spcBef>
-          <a:spcPct val="20000"/>
-        </a:spcBef>
-        <a:buFont typeface="Arial"/>
+        <a:buFont typeface="Arial" panose="020B0604020202020204" pitchFamily="34" charset="0"/>
         <a:buChar char="•"/>
         <a:defRPr sz="2400" kern="1200">
           <a:solidFill>
@@ -2887,42 +3436,15 @@
           <a:ea typeface="+mn-ea"/>
           <a:cs typeface="+mn-cs"/>
         </a:defRPr>
-      </a:lvl3pPr>
-      <a:lvl4pPr marL="1600200" indent="-228600" algn="l" defTabSz="457200" rtl="0" eaLnBrk="1" latinLnBrk="0" hangingPunct="1">
+      </a:lvl2pPr>
+      <a:lvl3pPr marL="1143000" indent="-228600" algn="l" defTabSz="914400" rtl="0" eaLnBrk="1" latinLnBrk="0" hangingPunct="1">
+        <a:lnSpc>
+          <a:spcPct val="90000"/>
+        </a:lnSpc>
         <a:spcBef>
-          <a:spcPct val="20000"/>
+          <a:spcPts val="500"/>
         </a:spcBef>
-        <a:buFont typeface="Arial"/>
-        <a:buChar char="–"/>
-        <a:defRPr sz="2000" kern="1200">
-          <a:solidFill>
-            <a:schemeClr val="tx1"/>
-          </a:solidFill>
-          <a:latin typeface="+mn-lt"/>
-          <a:ea typeface="+mn-ea"/>
-          <a:cs typeface="+mn-cs"/>
-        </a:defRPr>
-      </a:lvl4pPr>
-      <a:lvl5pPr marL="2057400" indent="-228600" algn="l" defTabSz="457200" rtl="0" eaLnBrk="1" latinLnBrk="0" hangingPunct="1">
-        <a:spcBef>
-          <a:spcPct val="20000"/>
-        </a:spcBef>
-        <a:buFont typeface="Arial"/>
-        <a:buChar char="»"/>
-        <a:defRPr sz="2000" kern="1200">
-          <a:solidFill>
-            <a:schemeClr val="tx1"/>
-          </a:solidFill>
-          <a:latin typeface="+mn-lt"/>
-          <a:ea typeface="+mn-ea"/>
-          <a:cs typeface="+mn-cs"/>
-        </a:defRPr>
-      </a:lvl5pPr>
-      <a:lvl6pPr marL="2514600" indent="-228600" algn="l" defTabSz="457200" rtl="0" eaLnBrk="1" latinLnBrk="0" hangingPunct="1">
-        <a:spcBef>
-          <a:spcPct val="20000"/>
-        </a:spcBef>
-        <a:buFont typeface="Arial"/>
+        <a:buFont typeface="Arial" panose="020B0604020202020204" pitchFamily="34" charset="0"/>
         <a:buChar char="•"/>
         <a:defRPr sz="2000" kern="1200">
           <a:solidFill>
@@ -2932,14 +3454,71 @@
           <a:ea typeface="+mn-ea"/>
           <a:cs typeface="+mn-cs"/>
         </a:defRPr>
+      </a:lvl3pPr>
+      <a:lvl4pPr marL="1600200" indent="-228600" algn="l" defTabSz="914400" rtl="0" eaLnBrk="1" latinLnBrk="0" hangingPunct="1">
+        <a:lnSpc>
+          <a:spcPct val="90000"/>
+        </a:lnSpc>
+        <a:spcBef>
+          <a:spcPts val="500"/>
+        </a:spcBef>
+        <a:buFont typeface="Arial" panose="020B0604020202020204" pitchFamily="34" charset="0"/>
+        <a:buChar char="•"/>
+        <a:defRPr sz="1800" kern="1200">
+          <a:solidFill>
+            <a:schemeClr val="tx1"/>
+          </a:solidFill>
+          <a:latin typeface="+mn-lt"/>
+          <a:ea typeface="+mn-ea"/>
+          <a:cs typeface="+mn-cs"/>
+        </a:defRPr>
+      </a:lvl4pPr>
+      <a:lvl5pPr marL="2057400" indent="-228600" algn="l" defTabSz="914400" rtl="0" eaLnBrk="1" latinLnBrk="0" hangingPunct="1">
+        <a:lnSpc>
+          <a:spcPct val="90000"/>
+        </a:lnSpc>
+        <a:spcBef>
+          <a:spcPts val="500"/>
+        </a:spcBef>
+        <a:buFont typeface="Arial" panose="020B0604020202020204" pitchFamily="34" charset="0"/>
+        <a:buChar char="•"/>
+        <a:defRPr sz="1800" kern="1200">
+          <a:solidFill>
+            <a:schemeClr val="tx1"/>
+          </a:solidFill>
+          <a:latin typeface="+mn-lt"/>
+          <a:ea typeface="+mn-ea"/>
+          <a:cs typeface="+mn-cs"/>
+        </a:defRPr>
+      </a:lvl5pPr>
+      <a:lvl6pPr marL="2514600" indent="-228600" algn="l" defTabSz="914400" rtl="0" eaLnBrk="1" latinLnBrk="0" hangingPunct="1">
+        <a:lnSpc>
+          <a:spcPct val="90000"/>
+        </a:lnSpc>
+        <a:spcBef>
+          <a:spcPts val="500"/>
+        </a:spcBef>
+        <a:buFont typeface="Arial" panose="020B0604020202020204" pitchFamily="34" charset="0"/>
+        <a:buChar char="•"/>
+        <a:defRPr sz="1800" kern="1200">
+          <a:solidFill>
+            <a:schemeClr val="tx1"/>
+          </a:solidFill>
+          <a:latin typeface="+mn-lt"/>
+          <a:ea typeface="+mn-ea"/>
+          <a:cs typeface="+mn-cs"/>
+        </a:defRPr>
       </a:lvl6pPr>
-      <a:lvl7pPr marL="2971800" indent="-228600" algn="l" defTabSz="457200" rtl="0" eaLnBrk="1" latinLnBrk="0" hangingPunct="1">
+      <a:lvl7pPr marL="2971800" indent="-228600" algn="l" defTabSz="914400" rtl="0" eaLnBrk="1" latinLnBrk="0" hangingPunct="1">
+        <a:lnSpc>
+          <a:spcPct val="90000"/>
+        </a:lnSpc>
         <a:spcBef>
-          <a:spcPct val="20000"/>
+          <a:spcPts val="500"/>
         </a:spcBef>
-        <a:buFont typeface="Arial"/>
+        <a:buFont typeface="Arial" panose="020B0604020202020204" pitchFamily="34" charset="0"/>
         <a:buChar char="•"/>
-        <a:defRPr sz="2000" kern="1200">
+        <a:defRPr sz="1800" kern="1200">
           <a:solidFill>
             <a:schemeClr val="tx1"/>
           </a:solidFill>
@@ -2948,13 +3527,16 @@
           <a:cs typeface="+mn-cs"/>
         </a:defRPr>
       </a:lvl7pPr>
-      <a:lvl8pPr marL="3429000" indent="-228600" algn="l" defTabSz="457200" rtl="0" eaLnBrk="1" latinLnBrk="0" hangingPunct="1">
+      <a:lvl8pPr marL="3429000" indent="-228600" algn="l" defTabSz="914400" rtl="0" eaLnBrk="1" latinLnBrk="0" hangingPunct="1">
+        <a:lnSpc>
+          <a:spcPct val="90000"/>
+        </a:lnSpc>
         <a:spcBef>
-          <a:spcPct val="20000"/>
+          <a:spcPts val="500"/>
         </a:spcBef>
-        <a:buFont typeface="Arial"/>
+        <a:buFont typeface="Arial" panose="020B0604020202020204" pitchFamily="34" charset="0"/>
         <a:buChar char="•"/>
-        <a:defRPr sz="2000" kern="1200">
+        <a:defRPr sz="1800" kern="1200">
           <a:solidFill>
             <a:schemeClr val="tx1"/>
           </a:solidFill>
@@ -2963,13 +3545,16 @@
           <a:cs typeface="+mn-cs"/>
         </a:defRPr>
       </a:lvl8pPr>
-      <a:lvl9pPr marL="3886200" indent="-228600" algn="l" defTabSz="457200" rtl="0" eaLnBrk="1" latinLnBrk="0" hangingPunct="1">
+      <a:lvl9pPr marL="3886200" indent="-228600" algn="l" defTabSz="914400" rtl="0" eaLnBrk="1" latinLnBrk="0" hangingPunct="1">
+        <a:lnSpc>
+          <a:spcPct val="90000"/>
+        </a:lnSpc>
         <a:spcBef>
-          <a:spcPct val="20000"/>
+          <a:spcPts val="500"/>
         </a:spcBef>
-        <a:buFont typeface="Arial"/>
+        <a:buFont typeface="Arial" panose="020B0604020202020204" pitchFamily="34" charset="0"/>
         <a:buChar char="•"/>
-        <a:defRPr sz="2000" kern="1200">
+        <a:defRPr sz="1800" kern="1200">
           <a:solidFill>
             <a:schemeClr val="tx1"/>
           </a:solidFill>
@@ -2983,7 +3568,7 @@
       <a:defPPr>
         <a:defRPr lang="en-US"/>
       </a:defPPr>
-      <a:lvl1pPr marL="0" algn="l" defTabSz="457200" rtl="0" eaLnBrk="1" latinLnBrk="0" hangingPunct="1">
+      <a:lvl1pPr marL="0" algn="l" defTabSz="914400" rtl="0" eaLnBrk="1" latinLnBrk="0" hangingPunct="1">
         <a:defRPr sz="1800" kern="1200">
           <a:solidFill>
             <a:schemeClr val="tx1"/>
@@ -2993,7 +3578,7 @@
           <a:cs typeface="+mn-cs"/>
         </a:defRPr>
       </a:lvl1pPr>
-      <a:lvl2pPr marL="457200" algn="l" defTabSz="457200" rtl="0" eaLnBrk="1" latinLnBrk="0" hangingPunct="1">
+      <a:lvl2pPr marL="457200" algn="l" defTabSz="914400" rtl="0" eaLnBrk="1" latinLnBrk="0" hangingPunct="1">
         <a:defRPr sz="1800" kern="1200">
           <a:solidFill>
             <a:schemeClr val="tx1"/>
@@ -3003,7 +3588,7 @@
           <a:cs typeface="+mn-cs"/>
         </a:defRPr>
       </a:lvl2pPr>
-      <a:lvl3pPr marL="914400" algn="l" defTabSz="457200" rtl="0" eaLnBrk="1" latinLnBrk="0" hangingPunct="1">
+      <a:lvl3pPr marL="914400" algn="l" defTabSz="914400" rtl="0" eaLnBrk="1" latinLnBrk="0" hangingPunct="1">
         <a:defRPr sz="1800" kern="1200">
           <a:solidFill>
             <a:schemeClr val="tx1"/>
@@ -3013,7 +3598,7 @@
           <a:cs typeface="+mn-cs"/>
         </a:defRPr>
       </a:lvl3pPr>
-      <a:lvl4pPr marL="1371600" algn="l" defTabSz="457200" rtl="0" eaLnBrk="1" latinLnBrk="0" hangingPunct="1">
+      <a:lvl4pPr marL="1371600" algn="l" defTabSz="914400" rtl="0" eaLnBrk="1" latinLnBrk="0" hangingPunct="1">
         <a:defRPr sz="1800" kern="1200">
           <a:solidFill>
             <a:schemeClr val="tx1"/>
@@ -3023,7 +3608,7 @@
           <a:cs typeface="+mn-cs"/>
         </a:defRPr>
       </a:lvl4pPr>
-      <a:lvl5pPr marL="1828800" algn="l" defTabSz="457200" rtl="0" eaLnBrk="1" latinLnBrk="0" hangingPunct="1">
+      <a:lvl5pPr marL="1828800" algn="l" defTabSz="914400" rtl="0" eaLnBrk="1" latinLnBrk="0" hangingPunct="1">
         <a:defRPr sz="1800" kern="1200">
           <a:solidFill>
             <a:schemeClr val="tx1"/>
@@ -3033,7 +3618,7 @@
           <a:cs typeface="+mn-cs"/>
         </a:defRPr>
       </a:lvl5pPr>
-      <a:lvl6pPr marL="2286000" algn="l" defTabSz="457200" rtl="0" eaLnBrk="1" latinLnBrk="0" hangingPunct="1">
+      <a:lvl6pPr marL="2286000" algn="l" defTabSz="914400" rtl="0" eaLnBrk="1" latinLnBrk="0" hangingPunct="1">
         <a:defRPr sz="1800" kern="1200">
           <a:solidFill>
             <a:schemeClr val="tx1"/>
@@ -3043,7 +3628,7 @@
           <a:cs typeface="+mn-cs"/>
         </a:defRPr>
       </a:lvl6pPr>
-      <a:lvl7pPr marL="2743200" algn="l" defTabSz="457200" rtl="0" eaLnBrk="1" latinLnBrk="0" hangingPunct="1">
+      <a:lvl7pPr marL="2743200" algn="l" defTabSz="914400" rtl="0" eaLnBrk="1" latinLnBrk="0" hangingPunct="1">
         <a:defRPr sz="1800" kern="1200">
           <a:solidFill>
             <a:schemeClr val="tx1"/>
@@ -3053,7 +3638,7 @@
           <a:cs typeface="+mn-cs"/>
         </a:defRPr>
       </a:lvl7pPr>
-      <a:lvl8pPr marL="3200400" algn="l" defTabSz="457200" rtl="0" eaLnBrk="1" latinLnBrk="0" hangingPunct="1">
+      <a:lvl8pPr marL="3200400" algn="l" defTabSz="914400" rtl="0" eaLnBrk="1" latinLnBrk="0" hangingPunct="1">
         <a:defRPr sz="1800" kern="1200">
           <a:solidFill>
             <a:schemeClr val="tx1"/>
@@ -3063,7 +3648,7 @@
           <a:cs typeface="+mn-cs"/>
         </a:defRPr>
       </a:lvl8pPr>
-      <a:lvl9pPr marL="3657600" algn="l" defTabSz="457200" rtl="0" eaLnBrk="1" latinLnBrk="0" hangingPunct="1">
+      <a:lvl9pPr marL="3657600" algn="l" defTabSz="914400" rtl="0" eaLnBrk="1" latinLnBrk="0" hangingPunct="1">
         <a:defRPr sz="1800" kern="1200">
           <a:solidFill>
             <a:schemeClr val="tx1"/>
@@ -3097,14 +3682,20 @@
       </p:grpSpPr>
       <p:sp>
         <p:nvSpPr>
-          <p:cNvPr id="2" name="TextBox 1"/>
+          <p:cNvPr id="4" name="TextBox 3">
+            <a:extLst>
+              <a:ext uri="{FF2B5EF4-FFF2-40B4-BE49-F238E27FC236}">
+                <a16:creationId xmlns:a16="http://schemas.microsoft.com/office/drawing/2014/main" id="{E5A0C4D0-FAED-4D45-DAD9-4278BFA2F95A}"/>
+              </a:ext>
+            </a:extLst>
+          </p:cNvPr>
           <p:cNvSpPr txBox="1"/>
           <p:nvPr/>
         </p:nvSpPr>
         <p:spPr>
           <a:xfrm>
-            <a:off x="299720" y="490220"/>
-            <a:ext cx="8677247" cy="2805896"/>
+            <a:off x="696959" y="812508"/>
+            <a:ext cx="9225026" cy="2805896"/>
           </a:xfrm>
           <a:prstGeom prst="rect">
             <a:avLst/>
@@ -3183,12 +3774,106 @@
             </a:br>
             <a:r>
               <a:rPr dirty="0"/>
-              <a:t>Course: CS 529 – Visual Data Science | Oct 2025</a:t>
-            </a:r>
+              <a:t>Course: CS 529 </a:t>
+            </a:r>
+            <a:r>
+              <a:rPr lang="en-US" dirty="0"/>
+              <a:t>-</a:t>
+            </a:r>
+            <a:r>
+              <a:rPr dirty="0"/>
+              <a:t> Visual Data Science | Oct 2025</a:t>
+            </a:r>
+          </a:p>
+        </p:txBody>
+      </p:sp>
+      <p:pic>
+        <p:nvPicPr>
+          <p:cNvPr id="1026" name="Picture 2" descr="Compound Droughts and Heat Waves over the Huai River Basin of China: From a  Perspective of the Magnitude Index in: Journal of Hydrometeorology Volume  22 Issue 11 (2021)">
+            <a:extLst>
+              <a:ext uri="{FF2B5EF4-FFF2-40B4-BE49-F238E27FC236}">
+                <a16:creationId xmlns:a16="http://schemas.microsoft.com/office/drawing/2014/main" id="{9B7C4AE4-5B98-FA9F-A2A6-8E21D2149CB5}"/>
+              </a:ext>
+            </a:extLst>
+          </p:cNvPr>
+          <p:cNvPicPr>
+            <a:picLocks noChangeAspect="1" noChangeArrowheads="1"/>
+          </p:cNvPicPr>
+          <p:nvPr/>
+        </p:nvPicPr>
+        <p:blipFill rotWithShape="1">
+          <a:blip r:embed="rId2">
+            <a:extLst>
+              <a:ext uri="{28A0092B-C50C-407E-A947-70E740481C1C}">
+                <a14:useLocalDpi xmlns:a14="http://schemas.microsoft.com/office/drawing/2010/main" val="0"/>
+              </a:ext>
+            </a:extLst>
+          </a:blip>
+          <a:srcRect r="15724" b="12511"/>
+          <a:stretch>
+            <a:fillRect/>
+          </a:stretch>
+        </p:blipFill>
+        <p:spPr bwMode="auto">
+          <a:xfrm>
+            <a:off x="8085667" y="3211358"/>
+            <a:ext cx="4106334" cy="3646643"/>
+          </a:xfrm>
+          <a:prstGeom prst="rect">
+            <a:avLst/>
+          </a:prstGeom>
+          <a:noFill/>
+          <a:extLst>
+            <a:ext uri="{909E8E84-426E-40DD-AFC4-6F175D3DCCD1}">
+              <a14:hiddenFill xmlns:a14="http://schemas.microsoft.com/office/drawing/2010/main">
+                <a:solidFill>
+                  <a:srgbClr val="FFFFFF"/>
+                </a:solidFill>
+              </a14:hiddenFill>
+            </a:ext>
+          </a:extLst>
+        </p:spPr>
+      </p:pic>
+      <p:sp>
+        <p:nvSpPr>
+          <p:cNvPr id="6" name="Slide Number Placeholder 5">
+            <a:extLst>
+              <a:ext uri="{FF2B5EF4-FFF2-40B4-BE49-F238E27FC236}">
+                <a16:creationId xmlns:a16="http://schemas.microsoft.com/office/drawing/2014/main" id="{000AF305-88C2-FBF2-C41F-E24B0710B19A}"/>
+              </a:ext>
+            </a:extLst>
+          </p:cNvPr>
+          <p:cNvSpPr>
+            <a:spLocks noGrp="1"/>
+          </p:cNvSpPr>
+          <p:nvPr>
+            <p:ph type="sldNum" sz="quarter" idx="12"/>
+          </p:nvPr>
+        </p:nvSpPr>
+        <p:spPr>
+          <a:xfrm>
+            <a:off x="9008534" y="243417"/>
+            <a:ext cx="2743200" cy="365125"/>
+          </a:xfrm>
+        </p:spPr>
+        <p:txBody>
+          <a:bodyPr/>
+          <a:lstStyle/>
+          <a:p>
+            <a:fld id="{E64C7690-F1FD-4FEA-BC1E-71D5D599DE8E}" type="slidenum">
+              <a:rPr lang="en-US" smtClean="0"/>
+              <a:t>1</a:t>
+            </a:fld>
+            <a:endParaRPr lang="en-US" dirty="0"/>
           </a:p>
         </p:txBody>
       </p:sp>
     </p:spTree>
+    <p:extLst>
+      <p:ext uri="{BB962C8B-B14F-4D97-AF65-F5344CB8AC3E}">
+        <p14:creationId xmlns:p14="http://schemas.microsoft.com/office/powerpoint/2010/main" val="9626425"/>
+      </p:ext>
+    </p:extLst>
   </p:cSld>
   <p:clrMapOvr>
     <a:masterClrMapping/>
@@ -3201,7 +3886,13 @@
   <p:cSld>
     <p:spTree>
       <p:nvGrpSpPr>
-        <p:cNvPr id="1" name=""/>
+        <p:cNvPr id="1" name="">
+          <a:extLst>
+            <a:ext uri="{FF2B5EF4-FFF2-40B4-BE49-F238E27FC236}">
+              <a16:creationId xmlns:a16="http://schemas.microsoft.com/office/drawing/2014/main" id="{295B5EDB-C6E1-403B-0BB3-C10BEE384619}"/>
+            </a:ext>
+          </a:extLst>
+        </p:cNvPr>
         <p:cNvGrpSpPr/>
         <p:nvPr/>
       </p:nvGrpSpPr>
@@ -3215,99 +3906,437 @@
       </p:grpSpPr>
       <p:sp>
         <p:nvSpPr>
-          <p:cNvPr id="2" name="TextBox 1"/>
-          <p:cNvSpPr txBox="1"/>
+          <p:cNvPr id="2" name="Title 1">
+            <a:extLst>
+              <a:ext uri="{FF2B5EF4-FFF2-40B4-BE49-F238E27FC236}">
+                <a16:creationId xmlns:a16="http://schemas.microsoft.com/office/drawing/2014/main" id="{5701EF7D-53FC-8103-6A02-710E319FA17E}"/>
+              </a:ext>
+            </a:extLst>
+          </p:cNvPr>
+          <p:cNvSpPr>
+            <a:spLocks noGrp="1"/>
+          </p:cNvSpPr>
+          <p:nvPr>
+            <p:ph type="title"/>
+          </p:nvPr>
+        </p:nvSpPr>
+        <p:spPr/>
+        <p:txBody>
+          <a:bodyPr/>
+          <a:lstStyle/>
+          <a:p>
+            <a:r>
+              <a:rPr lang="en-US" dirty="0"/>
+              <a:t>Problem and motivation</a:t>
+            </a:r>
+          </a:p>
+        </p:txBody>
+      </p:sp>
+      <p:sp>
+        <p:nvSpPr>
+          <p:cNvPr id="5" name="Slide Number Placeholder 5">
+            <a:extLst>
+              <a:ext uri="{FF2B5EF4-FFF2-40B4-BE49-F238E27FC236}">
+                <a16:creationId xmlns:a16="http://schemas.microsoft.com/office/drawing/2014/main" id="{8A0D6FE3-7D03-6F53-C6ED-EEBAE4D31FB1}"/>
+              </a:ext>
+            </a:extLst>
+          </p:cNvPr>
+          <p:cNvSpPr txBox="1">
+            <a:spLocks/>
+          </p:cNvSpPr>
           <p:nvPr/>
         </p:nvSpPr>
         <p:spPr>
           <a:xfrm>
-            <a:off x="731520" y="731520"/>
-            <a:ext cx="6584880" cy="2867452"/>
+            <a:off x="9008534" y="243417"/>
+            <a:ext cx="2743200" cy="365125"/>
           </a:xfrm>
           <a:prstGeom prst="rect">
             <a:avLst/>
           </a:prstGeom>
-          <a:noFill/>
         </p:spPr>
         <p:txBody>
-          <a:bodyPr wrap="none">
-            <a:spAutoFit/>
-          </a:bodyPr>
-          <a:lstStyle/>
-          <a:p>
-            <a:endParaRPr dirty="0"/>
-          </a:p>
-          <a:p>
-            <a:pPr>
-              <a:defRPr sz="3600" b="1">
-                <a:solidFill>
-                  <a:srgbClr val="003366"/>
-                </a:solidFill>
+          <a:bodyPr vert="horz" lIns="91440" tIns="45720" rIns="91440" bIns="45720" rtlCol="0" anchor="ctr"/>
+          <a:lstStyle>
+            <a:defPPr>
+              <a:defRPr lang="en-US"/>
+            </a:defPPr>
+            <a:lvl1pPr marL="0" algn="r" defTabSz="914400" rtl="0" eaLnBrk="1" latinLnBrk="0" hangingPunct="1">
+              <a:defRPr sz="1200" kern="1200">
+                <a:solidFill>
+                  <a:schemeClr val="tx1">
+                    <a:tint val="82000"/>
+                  </a:schemeClr>
+                </a:solidFill>
+                <a:latin typeface="+mn-lt"/>
+                <a:ea typeface="+mn-ea"/>
+                <a:cs typeface="+mn-cs"/>
               </a:defRPr>
-            </a:pPr>
-            <a:r>
-              <a:rPr dirty="0"/>
-              <a:t>Problem &amp; Motivation</a:t>
-            </a:r>
-          </a:p>
-          <a:p>
-            <a:endParaRPr dirty="0"/>
-          </a:p>
-          <a:p>
-            <a:pPr>
-              <a:spcBef>
-                <a:spcPts val="1000"/>
-              </a:spcBef>
-              <a:defRPr sz="2000"/>
-            </a:pPr>
-            <a:r>
-              <a:rPr dirty="0"/>
-              <a:t>- </a:t>
-            </a:r>
-            <a:r>
-              <a:rPr lang="en-US" dirty="0"/>
-              <a:t>H</a:t>
-            </a:r>
-            <a:r>
-              <a:rPr dirty="0"/>
-              <a:t>eatwaves are intensifying with climate change.</a:t>
-            </a:r>
-            <a:br>
-              <a:rPr dirty="0"/>
-            </a:br>
-            <a:r>
-              <a:rPr dirty="0"/>
-              <a:t>- Understanding long-term patterns is difficult from raw data.</a:t>
-            </a:r>
-            <a:br>
-              <a:rPr dirty="0"/>
-            </a:br>
-            <a:r>
-              <a:rPr dirty="0"/>
-              <a:t>- Visualizing 70+ years (1950–present) of CRU TS data can </a:t>
-            </a:r>
-            <a:br>
-              <a:rPr lang="en-US" dirty="0"/>
-            </a:br>
-            <a:r>
-              <a:rPr lang="en-US" dirty="0"/>
-              <a:t>   </a:t>
-            </a:r>
-            <a:r>
-              <a:rPr dirty="0"/>
-              <a:t>reveal hidden regional and temporal trends.</a:t>
-            </a:r>
-            <a:br>
-              <a:rPr dirty="0"/>
-            </a:br>
-            <a:r>
-              <a:rPr dirty="0"/>
-              <a:t>- Goal: make climate data intuitive, interactive, and insightful.</a:t>
-            </a:r>
-          </a:p>
-        </p:txBody>
-      </p:sp>
+            </a:lvl1pPr>
+            <a:lvl2pPr marL="457200" algn="l" defTabSz="914400" rtl="0" eaLnBrk="1" latinLnBrk="0" hangingPunct="1">
+              <a:defRPr sz="1800" kern="1200">
+                <a:solidFill>
+                  <a:schemeClr val="tx1"/>
+                </a:solidFill>
+                <a:latin typeface="+mn-lt"/>
+                <a:ea typeface="+mn-ea"/>
+                <a:cs typeface="+mn-cs"/>
+              </a:defRPr>
+            </a:lvl2pPr>
+            <a:lvl3pPr marL="914400" algn="l" defTabSz="914400" rtl="0" eaLnBrk="1" latinLnBrk="0" hangingPunct="1">
+              <a:defRPr sz="1800" kern="1200">
+                <a:solidFill>
+                  <a:schemeClr val="tx1"/>
+                </a:solidFill>
+                <a:latin typeface="+mn-lt"/>
+                <a:ea typeface="+mn-ea"/>
+                <a:cs typeface="+mn-cs"/>
+              </a:defRPr>
+            </a:lvl3pPr>
+            <a:lvl4pPr marL="1371600" algn="l" defTabSz="914400" rtl="0" eaLnBrk="1" latinLnBrk="0" hangingPunct="1">
+              <a:defRPr sz="1800" kern="1200">
+                <a:solidFill>
+                  <a:schemeClr val="tx1"/>
+                </a:solidFill>
+                <a:latin typeface="+mn-lt"/>
+                <a:ea typeface="+mn-ea"/>
+                <a:cs typeface="+mn-cs"/>
+              </a:defRPr>
+            </a:lvl4pPr>
+            <a:lvl5pPr marL="1828800" algn="l" defTabSz="914400" rtl="0" eaLnBrk="1" latinLnBrk="0" hangingPunct="1">
+              <a:defRPr sz="1800" kern="1200">
+                <a:solidFill>
+                  <a:schemeClr val="tx1"/>
+                </a:solidFill>
+                <a:latin typeface="+mn-lt"/>
+                <a:ea typeface="+mn-ea"/>
+                <a:cs typeface="+mn-cs"/>
+              </a:defRPr>
+            </a:lvl5pPr>
+            <a:lvl6pPr marL="2286000" algn="l" defTabSz="914400" rtl="0" eaLnBrk="1" latinLnBrk="0" hangingPunct="1">
+              <a:defRPr sz="1800" kern="1200">
+                <a:solidFill>
+                  <a:schemeClr val="tx1"/>
+                </a:solidFill>
+                <a:latin typeface="+mn-lt"/>
+                <a:ea typeface="+mn-ea"/>
+                <a:cs typeface="+mn-cs"/>
+              </a:defRPr>
+            </a:lvl6pPr>
+            <a:lvl7pPr marL="2743200" algn="l" defTabSz="914400" rtl="0" eaLnBrk="1" latinLnBrk="0" hangingPunct="1">
+              <a:defRPr sz="1800" kern="1200">
+                <a:solidFill>
+                  <a:schemeClr val="tx1"/>
+                </a:solidFill>
+                <a:latin typeface="+mn-lt"/>
+                <a:ea typeface="+mn-ea"/>
+                <a:cs typeface="+mn-cs"/>
+              </a:defRPr>
+            </a:lvl7pPr>
+            <a:lvl8pPr marL="3200400" algn="l" defTabSz="914400" rtl="0" eaLnBrk="1" latinLnBrk="0" hangingPunct="1">
+              <a:defRPr sz="1800" kern="1200">
+                <a:solidFill>
+                  <a:schemeClr val="tx1"/>
+                </a:solidFill>
+                <a:latin typeface="+mn-lt"/>
+                <a:ea typeface="+mn-ea"/>
+                <a:cs typeface="+mn-cs"/>
+              </a:defRPr>
+            </a:lvl8pPr>
+            <a:lvl9pPr marL="3657600" algn="l" defTabSz="914400" rtl="0" eaLnBrk="1" latinLnBrk="0" hangingPunct="1">
+              <a:defRPr sz="1800" kern="1200">
+                <a:solidFill>
+                  <a:schemeClr val="tx1"/>
+                </a:solidFill>
+                <a:latin typeface="+mn-lt"/>
+                <a:ea typeface="+mn-ea"/>
+                <a:cs typeface="+mn-cs"/>
+              </a:defRPr>
+            </a:lvl9pPr>
+          </a:lstStyle>
+          <a:p>
+            <a:fld id="{E64C7690-F1FD-4FEA-BC1E-71D5D599DE8E}" type="slidenum">
+              <a:rPr lang="en-US" smtClean="0"/>
+              <a:pPr/>
+              <a:t>2</a:t>
+            </a:fld>
+            <a:endParaRPr lang="en-US" dirty="0"/>
+          </a:p>
+        </p:txBody>
+      </p:sp>
+      <p:sp>
+        <p:nvSpPr>
+          <p:cNvPr id="7" name="Rectangle: Rounded Corners 6">
+            <a:extLst>
+              <a:ext uri="{FF2B5EF4-FFF2-40B4-BE49-F238E27FC236}">
+                <a16:creationId xmlns:a16="http://schemas.microsoft.com/office/drawing/2014/main" id="{6143DB5D-3D60-5DC6-2758-C99C9CB94585}"/>
+              </a:ext>
+            </a:extLst>
+          </p:cNvPr>
+          <p:cNvSpPr/>
+          <p:nvPr/>
+        </p:nvSpPr>
+        <p:spPr>
+          <a:xfrm>
+            <a:off x="2286001" y="1724556"/>
+            <a:ext cx="7662332" cy="967845"/>
+          </a:xfrm>
+          <a:prstGeom prst="roundRect">
+            <a:avLst/>
+          </a:prstGeom>
+          <a:solidFill>
+            <a:schemeClr val="accent3">
+              <a:lumMod val="20000"/>
+              <a:lumOff val="80000"/>
+            </a:schemeClr>
+          </a:solidFill>
+        </p:spPr>
+        <p:style>
+          <a:lnRef idx="2">
+            <a:schemeClr val="accent1">
+              <a:shade val="15000"/>
+            </a:schemeClr>
+          </a:lnRef>
+          <a:fillRef idx="1">
+            <a:schemeClr val="accent1"/>
+          </a:fillRef>
+          <a:effectRef idx="0">
+            <a:schemeClr val="accent1"/>
+          </a:effectRef>
+          <a:fontRef idx="minor">
+            <a:schemeClr val="lt1"/>
+          </a:fontRef>
+        </p:style>
+        <p:txBody>
+          <a:bodyPr rtlCol="0" anchor="ctr"/>
+          <a:lstStyle/>
+          <a:p>
+            <a:pPr algn="ctr"/>
+            <a:r>
+              <a:rPr lang="en-US" dirty="0">
+                <a:solidFill>
+                  <a:schemeClr val="tx1"/>
+                </a:solidFill>
+              </a:rPr>
+              <a:t>Understanding long-term patterns is very difficult from raw data.</a:t>
+            </a:r>
+          </a:p>
+        </p:txBody>
+      </p:sp>
+      <p:sp>
+        <p:nvSpPr>
+          <p:cNvPr id="8" name="Rectangle: Rounded Corners 7">
+            <a:extLst>
+              <a:ext uri="{FF2B5EF4-FFF2-40B4-BE49-F238E27FC236}">
+                <a16:creationId xmlns:a16="http://schemas.microsoft.com/office/drawing/2014/main" id="{554EE384-43C2-2E43-226E-7BD7D9C7972B}"/>
+              </a:ext>
+            </a:extLst>
+          </p:cNvPr>
+          <p:cNvSpPr/>
+          <p:nvPr/>
+        </p:nvSpPr>
+        <p:spPr>
+          <a:xfrm>
+            <a:off x="2142067" y="3248550"/>
+            <a:ext cx="7806265" cy="1035581"/>
+          </a:xfrm>
+          <a:prstGeom prst="roundRect">
+            <a:avLst/>
+          </a:prstGeom>
+          <a:solidFill>
+            <a:schemeClr val="accent4">
+              <a:lumMod val="20000"/>
+              <a:lumOff val="80000"/>
+            </a:schemeClr>
+          </a:solidFill>
+        </p:spPr>
+        <p:style>
+          <a:lnRef idx="2">
+            <a:schemeClr val="accent1">
+              <a:shade val="15000"/>
+            </a:schemeClr>
+          </a:lnRef>
+          <a:fillRef idx="1">
+            <a:schemeClr val="accent1"/>
+          </a:fillRef>
+          <a:effectRef idx="0">
+            <a:schemeClr val="accent1"/>
+          </a:effectRef>
+          <a:fontRef idx="minor">
+            <a:schemeClr val="lt1"/>
+          </a:fontRef>
+        </p:style>
+        <p:txBody>
+          <a:bodyPr rtlCol="0" anchor="ctr"/>
+          <a:lstStyle/>
+          <a:p>
+            <a:pPr algn="ctr"/>
+            <a:r>
+              <a:rPr lang="en-US" dirty="0">
+                <a:solidFill>
+                  <a:schemeClr val="tx1"/>
+                </a:solidFill>
+              </a:rPr>
+              <a:t>             Current visualizations are static, global, &amp; hard to interpret regionally.</a:t>
+            </a:r>
+          </a:p>
+        </p:txBody>
+      </p:sp>
+      <p:sp>
+        <p:nvSpPr>
+          <p:cNvPr id="9" name="Rectangle: Rounded Corners 8">
+            <a:extLst>
+              <a:ext uri="{FF2B5EF4-FFF2-40B4-BE49-F238E27FC236}">
+                <a16:creationId xmlns:a16="http://schemas.microsoft.com/office/drawing/2014/main" id="{76886F49-CCF2-F2AE-0387-16B1E425A845}"/>
+              </a:ext>
+            </a:extLst>
+          </p:cNvPr>
+          <p:cNvSpPr/>
+          <p:nvPr/>
+        </p:nvSpPr>
+        <p:spPr>
+          <a:xfrm>
+            <a:off x="1854201" y="4799541"/>
+            <a:ext cx="8094132" cy="967846"/>
+          </a:xfrm>
+          <a:prstGeom prst="roundRect">
+            <a:avLst/>
+          </a:prstGeom>
+          <a:solidFill>
+            <a:schemeClr val="accent2">
+              <a:lumMod val="20000"/>
+              <a:lumOff val="80000"/>
+            </a:schemeClr>
+          </a:solidFill>
+        </p:spPr>
+        <p:style>
+          <a:lnRef idx="2">
+            <a:schemeClr val="accent1">
+              <a:shade val="15000"/>
+            </a:schemeClr>
+          </a:lnRef>
+          <a:fillRef idx="1">
+            <a:schemeClr val="accent1"/>
+          </a:fillRef>
+          <a:effectRef idx="0">
+            <a:schemeClr val="accent1"/>
+          </a:effectRef>
+          <a:fontRef idx="minor">
+            <a:schemeClr val="lt1"/>
+          </a:fontRef>
+        </p:style>
+        <p:txBody>
+          <a:bodyPr rtlCol="0" anchor="ctr"/>
+          <a:lstStyle/>
+          <a:p>
+            <a:pPr algn="ctr"/>
+            <a:r>
+              <a:rPr lang="en-US" dirty="0">
+                <a:solidFill>
+                  <a:schemeClr val="tx1"/>
+                </a:solidFill>
+              </a:rPr>
+              <a:t>Limited interactive tools focused on global climate trends.</a:t>
+            </a:r>
+          </a:p>
+        </p:txBody>
+      </p:sp>
+      <p:pic>
+        <p:nvPicPr>
+          <p:cNvPr id="13" name="Picture 12">
+            <a:extLst>
+              <a:ext uri="{FF2B5EF4-FFF2-40B4-BE49-F238E27FC236}">
+                <a16:creationId xmlns:a16="http://schemas.microsoft.com/office/drawing/2014/main" id="{C4BA53FF-7F1E-2ED8-11F0-5D0A9AA56465}"/>
+              </a:ext>
+            </a:extLst>
+          </p:cNvPr>
+          <p:cNvPicPr>
+            <a:picLocks noChangeAspect="1"/>
+          </p:cNvPicPr>
+          <p:nvPr/>
+        </p:nvPicPr>
+        <p:blipFill>
+          <a:blip r:embed="rId2"/>
+          <a:stretch>
+            <a:fillRect/>
+          </a:stretch>
+        </p:blipFill>
+        <p:spPr>
+          <a:xfrm>
+            <a:off x="1540933" y="1560178"/>
+            <a:ext cx="1397000" cy="1333836"/>
+          </a:xfrm>
+          <a:prstGeom prst="rect">
+            <a:avLst/>
+          </a:prstGeom>
+        </p:spPr>
+      </p:pic>
+      <p:pic>
+        <p:nvPicPr>
+          <p:cNvPr id="15" name="Picture 14">
+            <a:extLst>
+              <a:ext uri="{FF2B5EF4-FFF2-40B4-BE49-F238E27FC236}">
+                <a16:creationId xmlns:a16="http://schemas.microsoft.com/office/drawing/2014/main" id="{AA4FF7CB-790F-3CFC-ACC0-D2C6A84C8380}"/>
+              </a:ext>
+            </a:extLst>
+          </p:cNvPr>
+          <p:cNvPicPr>
+            <a:picLocks noChangeAspect="1"/>
+          </p:cNvPicPr>
+          <p:nvPr/>
+        </p:nvPicPr>
+        <p:blipFill>
+          <a:blip r:embed="rId3"/>
+          <a:stretch>
+            <a:fillRect/>
+          </a:stretch>
+        </p:blipFill>
+        <p:spPr>
+          <a:xfrm>
+            <a:off x="1540933" y="3170691"/>
+            <a:ext cx="1205178" cy="1205178"/>
+          </a:xfrm>
+          <a:prstGeom prst="rect">
+            <a:avLst/>
+          </a:prstGeom>
+        </p:spPr>
+      </p:pic>
+      <p:pic>
+        <p:nvPicPr>
+          <p:cNvPr id="17" name="Picture 16">
+            <a:extLst>
+              <a:ext uri="{FF2B5EF4-FFF2-40B4-BE49-F238E27FC236}">
+                <a16:creationId xmlns:a16="http://schemas.microsoft.com/office/drawing/2014/main" id="{7A136438-785C-B0B0-A198-D777069DE2D5}"/>
+              </a:ext>
+            </a:extLst>
+          </p:cNvPr>
+          <p:cNvPicPr>
+            <a:picLocks noChangeAspect="1"/>
+          </p:cNvPicPr>
+          <p:nvPr/>
+        </p:nvPicPr>
+        <p:blipFill>
+          <a:blip r:embed="rId4"/>
+          <a:stretch>
+            <a:fillRect/>
+          </a:stretch>
+        </p:blipFill>
+        <p:spPr>
+          <a:xfrm>
+            <a:off x="1636091" y="4785967"/>
+            <a:ext cx="1084619" cy="1205178"/>
+          </a:xfrm>
+          <a:prstGeom prst="rect">
+            <a:avLst/>
+          </a:prstGeom>
+        </p:spPr>
+      </p:pic>
     </p:spTree>
+    <p:extLst>
+      <p:ext uri="{BB962C8B-B14F-4D97-AF65-F5344CB8AC3E}">
+        <p14:creationId xmlns:p14="http://schemas.microsoft.com/office/powerpoint/2010/main" val="3012267753"/>
+      </p:ext>
+    </p:extLst>
   </p:cSld>
   <p:clrMapOvr>
     <a:masterClrMapping/>
@@ -3334,97 +4363,399 @@
       </p:grpSpPr>
       <p:sp>
         <p:nvSpPr>
-          <p:cNvPr id="2" name="TextBox 1"/>
-          <p:cNvSpPr txBox="1"/>
-          <p:nvPr/>
+          <p:cNvPr id="2" name="Title 1">
+            <a:extLst>
+              <a:ext uri="{FF2B5EF4-FFF2-40B4-BE49-F238E27FC236}">
+                <a16:creationId xmlns:a16="http://schemas.microsoft.com/office/drawing/2014/main" id="{9121CC23-B6D5-8615-D588-9373594DFB62}"/>
+              </a:ext>
+            </a:extLst>
+          </p:cNvPr>
+          <p:cNvSpPr>
+            <a:spLocks noGrp="1"/>
+          </p:cNvSpPr>
+          <p:nvPr>
+            <p:ph type="title"/>
+          </p:nvPr>
+        </p:nvSpPr>
+        <p:spPr/>
+        <p:txBody>
+          <a:bodyPr/>
+          <a:lstStyle/>
+          <a:p>
+            <a:r>
+              <a:rPr lang="en-US" dirty="0"/>
+              <a:t>Data and Processing</a:t>
+            </a:r>
+          </a:p>
+        </p:txBody>
+      </p:sp>
+      <p:sp>
+        <p:nvSpPr>
+          <p:cNvPr id="3" name="Content Placeholder 2">
+            <a:extLst>
+              <a:ext uri="{FF2B5EF4-FFF2-40B4-BE49-F238E27FC236}">
+                <a16:creationId xmlns:a16="http://schemas.microsoft.com/office/drawing/2014/main" id="{0AE238F1-DC9C-6EA4-A03E-3E0FE90E60A4}"/>
+              </a:ext>
+            </a:extLst>
+          </p:cNvPr>
+          <p:cNvSpPr>
+            <a:spLocks noGrp="1"/>
+          </p:cNvSpPr>
+          <p:nvPr>
+            <p:ph idx="1"/>
+          </p:nvPr>
         </p:nvSpPr>
         <p:spPr>
           <a:xfrm>
-            <a:off x="731520" y="731520"/>
-            <a:ext cx="7351436" cy="2251899"/>
+            <a:off x="838200" y="1690688"/>
+            <a:ext cx="6637867" cy="4486275"/>
+          </a:xfrm>
+        </p:spPr>
+        <p:txBody>
+          <a:bodyPr>
+            <a:normAutofit/>
+          </a:bodyPr>
+          <a:lstStyle/>
+          <a:p>
+            <a:pPr marL="0" indent="0">
+              <a:buNone/>
+            </a:pPr>
+            <a:r>
+              <a:rPr lang="en-US" dirty="0"/>
+              <a:t>Data:</a:t>
+            </a:r>
+            <a:br>
+              <a:rPr lang="en-US" dirty="0"/>
+            </a:br>
+            <a:r>
+              <a:rPr lang="en-US" dirty="0"/>
+              <a:t>- CRU TS v4.09 (Temp., 1950 - present)</a:t>
+            </a:r>
+          </a:p>
+          <a:p>
+            <a:pPr>
+              <a:buFontTx/>
+              <a:buChar char="-"/>
+            </a:pPr>
+            <a:r>
+              <a:rPr lang="en-US" dirty="0"/>
+              <a:t>CRU Dataset (Drought anomaly, global)</a:t>
+            </a:r>
+          </a:p>
+          <a:p>
+            <a:pPr>
+              <a:buFontTx/>
+              <a:buChar char="-"/>
+            </a:pPr>
+            <a:r>
+              <a:rPr lang="en-US" dirty="0"/>
+              <a:t>Processed data from the client</a:t>
+            </a:r>
+          </a:p>
+          <a:p>
+            <a:pPr>
+              <a:buFontTx/>
+              <a:buChar char="-"/>
+            </a:pPr>
+            <a:endParaRPr lang="en-US" dirty="0"/>
+          </a:p>
+          <a:p>
+            <a:pPr marL="0" indent="0">
+              <a:buNone/>
+            </a:pPr>
+            <a:r>
+              <a:rPr lang="en-US" dirty="0"/>
+              <a:t>Tech Stack:</a:t>
+            </a:r>
+            <a:br>
+              <a:rPr lang="en-US" dirty="0"/>
+            </a:br>
+            <a:r>
+              <a:rPr lang="en-US" dirty="0"/>
+              <a:t>   - D3.js (Interactive visualization)</a:t>
+            </a:r>
+          </a:p>
+          <a:p>
+            <a:pPr marL="0" indent="0">
+              <a:buNone/>
+            </a:pPr>
+            <a:r>
+              <a:rPr lang="en-US" dirty="0"/>
+              <a:t>   - JS / HTML / </a:t>
+            </a:r>
+            <a:r>
+              <a:rPr lang="en-US" dirty="0" err="1"/>
+              <a:t>NetCDF</a:t>
+            </a:r>
+            <a:r>
+              <a:rPr lang="en-US" dirty="0"/>
+              <a:t> / CSV data</a:t>
+            </a:r>
+          </a:p>
+          <a:p>
+            <a:pPr marL="0" indent="0">
+              <a:buNone/>
+            </a:pPr>
+            <a:r>
+              <a:rPr lang="en-US" dirty="0"/>
+              <a:t>   - Python (data preprocessing)</a:t>
+            </a:r>
+          </a:p>
+        </p:txBody>
+      </p:sp>
+      <p:sp>
+        <p:nvSpPr>
+          <p:cNvPr id="5" name="Slide Number Placeholder 5">
+            <a:extLst>
+              <a:ext uri="{FF2B5EF4-FFF2-40B4-BE49-F238E27FC236}">
+                <a16:creationId xmlns:a16="http://schemas.microsoft.com/office/drawing/2014/main" id="{564D88C5-B9C2-F79D-6880-EAF50C0DE654}"/>
+              </a:ext>
+            </a:extLst>
+          </p:cNvPr>
+          <p:cNvSpPr txBox="1">
+            <a:spLocks/>
+          </p:cNvSpPr>
+          <p:nvPr/>
+        </p:nvSpPr>
+        <p:spPr>
+          <a:xfrm>
+            <a:off x="9008534" y="243417"/>
+            <a:ext cx="2743200" cy="365125"/>
           </a:xfrm>
           <a:prstGeom prst="rect">
             <a:avLst/>
           </a:prstGeom>
-          <a:noFill/>
         </p:spPr>
         <p:txBody>
-          <a:bodyPr wrap="none">
-            <a:spAutoFit/>
-          </a:bodyPr>
-          <a:lstStyle/>
-          <a:p>
-            <a:endParaRPr dirty="0"/>
-          </a:p>
-          <a:p>
-            <a:pPr>
-              <a:defRPr sz="3600" b="1">
-                <a:solidFill>
-                  <a:srgbClr val="003366"/>
-                </a:solidFill>
+          <a:bodyPr vert="horz" lIns="91440" tIns="45720" rIns="91440" bIns="45720" rtlCol="0" anchor="ctr"/>
+          <a:lstStyle>
+            <a:defPPr>
+              <a:defRPr lang="en-US"/>
+            </a:defPPr>
+            <a:lvl1pPr marL="0" algn="r" defTabSz="914400" rtl="0" eaLnBrk="1" latinLnBrk="0" hangingPunct="1">
+              <a:defRPr sz="1200" kern="1200">
+                <a:solidFill>
+                  <a:schemeClr val="tx1">
+                    <a:tint val="82000"/>
+                  </a:schemeClr>
+                </a:solidFill>
+                <a:latin typeface="+mn-lt"/>
+                <a:ea typeface="+mn-ea"/>
+                <a:cs typeface="+mn-cs"/>
               </a:defRPr>
-            </a:pPr>
-            <a:r>
-              <a:rPr dirty="0"/>
-              <a:t>Project Goals</a:t>
-            </a:r>
-          </a:p>
-          <a:p>
-            <a:endParaRPr dirty="0"/>
-          </a:p>
-          <a:p>
-            <a:pPr>
-              <a:spcBef>
-                <a:spcPts val="1000"/>
-              </a:spcBef>
-              <a:defRPr sz="2000"/>
-            </a:pPr>
-            <a:r>
-              <a:rPr dirty="0"/>
-              <a:t>1. Interactive </a:t>
-            </a:r>
-            <a:r>
-              <a:rPr lang="en-US" dirty="0"/>
-              <a:t>Map -</a:t>
-            </a:r>
-            <a:r>
-              <a:rPr dirty="0"/>
-              <a:t> Heatwave intensity per country.</a:t>
-            </a:r>
-            <a:br>
-              <a:rPr dirty="0"/>
-            </a:br>
-            <a:r>
-              <a:rPr dirty="0"/>
-              <a:t>2. Temperature Spiral </a:t>
-            </a:r>
-            <a:r>
-              <a:rPr lang="en-US" dirty="0"/>
-              <a:t>-</a:t>
-            </a:r>
-            <a:r>
-              <a:rPr dirty="0"/>
-              <a:t> Regional trend on click.</a:t>
-            </a:r>
-            <a:br>
-              <a:rPr dirty="0"/>
-            </a:br>
-            <a:r>
-              <a:rPr dirty="0"/>
-              <a:t>3. Global Drought Map </a:t>
-            </a:r>
-            <a:r>
-              <a:rPr lang="en-US" dirty="0"/>
-              <a:t>-</a:t>
-            </a:r>
-            <a:r>
-              <a:rPr dirty="0"/>
-              <a:t> Using CUR dataset for intensity &amp; deviation.</a:t>
-            </a:r>
+            </a:lvl1pPr>
+            <a:lvl2pPr marL="457200" algn="l" defTabSz="914400" rtl="0" eaLnBrk="1" latinLnBrk="0" hangingPunct="1">
+              <a:defRPr sz="1800" kern="1200">
+                <a:solidFill>
+                  <a:schemeClr val="tx1"/>
+                </a:solidFill>
+                <a:latin typeface="+mn-lt"/>
+                <a:ea typeface="+mn-ea"/>
+                <a:cs typeface="+mn-cs"/>
+              </a:defRPr>
+            </a:lvl2pPr>
+            <a:lvl3pPr marL="914400" algn="l" defTabSz="914400" rtl="0" eaLnBrk="1" latinLnBrk="0" hangingPunct="1">
+              <a:defRPr sz="1800" kern="1200">
+                <a:solidFill>
+                  <a:schemeClr val="tx1"/>
+                </a:solidFill>
+                <a:latin typeface="+mn-lt"/>
+                <a:ea typeface="+mn-ea"/>
+                <a:cs typeface="+mn-cs"/>
+              </a:defRPr>
+            </a:lvl3pPr>
+            <a:lvl4pPr marL="1371600" algn="l" defTabSz="914400" rtl="0" eaLnBrk="1" latinLnBrk="0" hangingPunct="1">
+              <a:defRPr sz="1800" kern="1200">
+                <a:solidFill>
+                  <a:schemeClr val="tx1"/>
+                </a:solidFill>
+                <a:latin typeface="+mn-lt"/>
+                <a:ea typeface="+mn-ea"/>
+                <a:cs typeface="+mn-cs"/>
+              </a:defRPr>
+            </a:lvl4pPr>
+            <a:lvl5pPr marL="1828800" algn="l" defTabSz="914400" rtl="0" eaLnBrk="1" latinLnBrk="0" hangingPunct="1">
+              <a:defRPr sz="1800" kern="1200">
+                <a:solidFill>
+                  <a:schemeClr val="tx1"/>
+                </a:solidFill>
+                <a:latin typeface="+mn-lt"/>
+                <a:ea typeface="+mn-ea"/>
+                <a:cs typeface="+mn-cs"/>
+              </a:defRPr>
+            </a:lvl5pPr>
+            <a:lvl6pPr marL="2286000" algn="l" defTabSz="914400" rtl="0" eaLnBrk="1" latinLnBrk="0" hangingPunct="1">
+              <a:defRPr sz="1800" kern="1200">
+                <a:solidFill>
+                  <a:schemeClr val="tx1"/>
+                </a:solidFill>
+                <a:latin typeface="+mn-lt"/>
+                <a:ea typeface="+mn-ea"/>
+                <a:cs typeface="+mn-cs"/>
+              </a:defRPr>
+            </a:lvl6pPr>
+            <a:lvl7pPr marL="2743200" algn="l" defTabSz="914400" rtl="0" eaLnBrk="1" latinLnBrk="0" hangingPunct="1">
+              <a:defRPr sz="1800" kern="1200">
+                <a:solidFill>
+                  <a:schemeClr val="tx1"/>
+                </a:solidFill>
+                <a:latin typeface="+mn-lt"/>
+                <a:ea typeface="+mn-ea"/>
+                <a:cs typeface="+mn-cs"/>
+              </a:defRPr>
+            </a:lvl7pPr>
+            <a:lvl8pPr marL="3200400" algn="l" defTabSz="914400" rtl="0" eaLnBrk="1" latinLnBrk="0" hangingPunct="1">
+              <a:defRPr sz="1800" kern="1200">
+                <a:solidFill>
+                  <a:schemeClr val="tx1"/>
+                </a:solidFill>
+                <a:latin typeface="+mn-lt"/>
+                <a:ea typeface="+mn-ea"/>
+                <a:cs typeface="+mn-cs"/>
+              </a:defRPr>
+            </a:lvl8pPr>
+            <a:lvl9pPr marL="3657600" algn="l" defTabSz="914400" rtl="0" eaLnBrk="1" latinLnBrk="0" hangingPunct="1">
+              <a:defRPr sz="1800" kern="1200">
+                <a:solidFill>
+                  <a:schemeClr val="tx1"/>
+                </a:solidFill>
+                <a:latin typeface="+mn-lt"/>
+                <a:ea typeface="+mn-ea"/>
+                <a:cs typeface="+mn-cs"/>
+              </a:defRPr>
+            </a:lvl9pPr>
+          </a:lstStyle>
+          <a:p>
+            <a:fld id="{E64C7690-F1FD-4FEA-BC1E-71D5D599DE8E}" type="slidenum">
+              <a:rPr lang="en-US" smtClean="0"/>
+              <a:pPr/>
+              <a:t>3</a:t>
+            </a:fld>
+            <a:endParaRPr lang="en-US" dirty="0"/>
+          </a:p>
+        </p:txBody>
+      </p:sp>
+      <p:pic>
+        <p:nvPicPr>
+          <p:cNvPr id="9" name="Picture 8">
+            <a:extLst>
+              <a:ext uri="{FF2B5EF4-FFF2-40B4-BE49-F238E27FC236}">
+                <a16:creationId xmlns:a16="http://schemas.microsoft.com/office/drawing/2014/main" id="{0A1FC109-BB2A-2364-AB9A-4C5529ADC0FB}"/>
+              </a:ext>
+            </a:extLst>
+          </p:cNvPr>
+          <p:cNvPicPr>
+            <a:picLocks noChangeAspect="1"/>
+          </p:cNvPicPr>
+          <p:nvPr/>
+        </p:nvPicPr>
+        <p:blipFill>
+          <a:blip r:embed="rId2"/>
+          <a:srcRect r="53857"/>
+          <a:stretch>
+            <a:fillRect/>
+          </a:stretch>
+        </p:blipFill>
+        <p:spPr>
+          <a:xfrm>
+            <a:off x="7599661" y="1315774"/>
+            <a:ext cx="4152073" cy="3549832"/>
+          </a:xfrm>
+          <a:prstGeom prst="rect">
+            <a:avLst/>
+          </a:prstGeom>
+          <a:solidFill>
+            <a:srgbClr val="FFFFFF">
+              <a:shade val="85000"/>
+            </a:srgbClr>
+          </a:solidFill>
+          <a:ln w="88900" cap="sq">
+            <a:solidFill>
+              <a:srgbClr val="FFFFFF"/>
+            </a:solidFill>
+            <a:miter lim="800000"/>
+          </a:ln>
+          <a:effectLst>
+            <a:outerShdw blurRad="55000" dist="18000" dir="5400000" algn="tl" rotWithShape="0">
+              <a:srgbClr val="000000">
+                <a:alpha val="40000"/>
+              </a:srgbClr>
+            </a:outerShdw>
+          </a:effectLst>
+          <a:scene3d>
+            <a:camera prst="orthographicFront"/>
+            <a:lightRig rig="twoPt" dir="t">
+              <a:rot lat="0" lon="0" rev="7200000"/>
+            </a:lightRig>
+          </a:scene3d>
+          <a:sp3d>
+            <a:bevelT w="25400" h="19050"/>
+            <a:contourClr>
+              <a:srgbClr val="FFFFFF"/>
+            </a:contourClr>
+          </a:sp3d>
+        </p:spPr>
+      </p:pic>
+      <p:sp>
+        <p:nvSpPr>
+          <p:cNvPr id="10" name="Rectangle 9">
+            <a:extLst>
+              <a:ext uri="{FF2B5EF4-FFF2-40B4-BE49-F238E27FC236}">
+                <a16:creationId xmlns:a16="http://schemas.microsoft.com/office/drawing/2014/main" id="{69FB8462-15C1-34DF-1DEE-4A1997A17D33}"/>
+              </a:ext>
+            </a:extLst>
+          </p:cNvPr>
+          <p:cNvSpPr/>
+          <p:nvPr/>
+        </p:nvSpPr>
+        <p:spPr>
+          <a:xfrm>
+            <a:off x="7713133" y="1978556"/>
+            <a:ext cx="4038601" cy="176212"/>
+          </a:xfrm>
+          <a:prstGeom prst="rect">
+            <a:avLst/>
+          </a:prstGeom>
+          <a:solidFill>
+            <a:srgbClr val="FFFFFF"/>
+          </a:solidFill>
+          <a:ln>
+            <a:solidFill>
+              <a:srgbClr val="FFFFFF"/>
+            </a:solidFill>
+          </a:ln>
+        </p:spPr>
+        <p:style>
+          <a:lnRef idx="2">
+            <a:schemeClr val="accent1">
+              <a:shade val="15000"/>
+            </a:schemeClr>
+          </a:lnRef>
+          <a:fillRef idx="1">
+            <a:schemeClr val="accent1"/>
+          </a:fillRef>
+          <a:effectRef idx="0">
+            <a:schemeClr val="accent1"/>
+          </a:effectRef>
+          <a:fontRef idx="minor">
+            <a:schemeClr val="lt1"/>
+          </a:fontRef>
+        </p:style>
+        <p:txBody>
+          <a:bodyPr rtlCol="0" anchor="ctr"/>
+          <a:lstStyle/>
+          <a:p>
+            <a:pPr algn="ctr"/>
+            <a:endParaRPr lang="en-US"/>
           </a:p>
         </p:txBody>
       </p:sp>
     </p:spTree>
+    <p:extLst>
+      <p:ext uri="{BB962C8B-B14F-4D97-AF65-F5344CB8AC3E}">
+        <p14:creationId xmlns:p14="http://schemas.microsoft.com/office/powerpoint/2010/main" val="1357194740"/>
+      </p:ext>
+    </p:extLst>
   </p:cSld>
   <p:clrMapOvr>
     <a:masterClrMapping/>
@@ -3437,7 +4768,13 @@
   <p:cSld>
     <p:spTree>
       <p:nvGrpSpPr>
-        <p:cNvPr id="1" name=""/>
+        <p:cNvPr id="1" name="">
+          <a:extLst>
+            <a:ext uri="{FF2B5EF4-FFF2-40B4-BE49-F238E27FC236}">
+              <a16:creationId xmlns:a16="http://schemas.microsoft.com/office/drawing/2014/main" id="{EA6C26B6-84B8-41B4-4527-F67C96AC81F0}"/>
+            </a:ext>
+          </a:extLst>
+        </p:cNvPr>
         <p:cNvGrpSpPr/>
         <p:nvPr/>
       </p:nvGrpSpPr>
@@ -3451,14 +4788,610 @@
       </p:grpSpPr>
       <p:sp>
         <p:nvSpPr>
-          <p:cNvPr id="2" name="TextBox 1"/>
+          <p:cNvPr id="2" name="Title 1">
+            <a:extLst>
+              <a:ext uri="{FF2B5EF4-FFF2-40B4-BE49-F238E27FC236}">
+                <a16:creationId xmlns:a16="http://schemas.microsoft.com/office/drawing/2014/main" id="{D570DFE3-3FF2-8225-2557-4CD0F2076383}"/>
+              </a:ext>
+            </a:extLst>
+          </p:cNvPr>
+          <p:cNvSpPr>
+            <a:spLocks noGrp="1"/>
+          </p:cNvSpPr>
+          <p:nvPr>
+            <p:ph type="title"/>
+          </p:nvPr>
+        </p:nvSpPr>
+        <p:spPr/>
+        <p:txBody>
+          <a:bodyPr/>
+          <a:lstStyle/>
+          <a:p>
+            <a:r>
+              <a:rPr lang="en-US" dirty="0"/>
+              <a:t>Client Requirements and Project Goals</a:t>
+            </a:r>
+          </a:p>
+        </p:txBody>
+      </p:sp>
+      <p:sp>
+        <p:nvSpPr>
+          <p:cNvPr id="5" name="Slide Number Placeholder 5">
+            <a:extLst>
+              <a:ext uri="{FF2B5EF4-FFF2-40B4-BE49-F238E27FC236}">
+                <a16:creationId xmlns:a16="http://schemas.microsoft.com/office/drawing/2014/main" id="{37AC029A-866E-B3C2-4DD2-EB9876BB37D5}"/>
+              </a:ext>
+            </a:extLst>
+          </p:cNvPr>
+          <p:cNvSpPr txBox="1">
+            <a:spLocks/>
+          </p:cNvSpPr>
+          <p:nvPr/>
+        </p:nvSpPr>
+        <p:spPr>
+          <a:xfrm>
+            <a:off x="9008534" y="243417"/>
+            <a:ext cx="2743200" cy="365125"/>
+          </a:xfrm>
+          <a:prstGeom prst="rect">
+            <a:avLst/>
+          </a:prstGeom>
+        </p:spPr>
+        <p:txBody>
+          <a:bodyPr vert="horz" lIns="91440" tIns="45720" rIns="91440" bIns="45720" rtlCol="0" anchor="ctr"/>
+          <a:lstStyle>
+            <a:defPPr>
+              <a:defRPr lang="en-US"/>
+            </a:defPPr>
+            <a:lvl1pPr marL="0" algn="r" defTabSz="914400" rtl="0" eaLnBrk="1" latinLnBrk="0" hangingPunct="1">
+              <a:defRPr sz="1200" kern="1200">
+                <a:solidFill>
+                  <a:schemeClr val="tx1">
+                    <a:tint val="82000"/>
+                  </a:schemeClr>
+                </a:solidFill>
+                <a:latin typeface="+mn-lt"/>
+                <a:ea typeface="+mn-ea"/>
+                <a:cs typeface="+mn-cs"/>
+              </a:defRPr>
+            </a:lvl1pPr>
+            <a:lvl2pPr marL="457200" algn="l" defTabSz="914400" rtl="0" eaLnBrk="1" latinLnBrk="0" hangingPunct="1">
+              <a:defRPr sz="1800" kern="1200">
+                <a:solidFill>
+                  <a:schemeClr val="tx1"/>
+                </a:solidFill>
+                <a:latin typeface="+mn-lt"/>
+                <a:ea typeface="+mn-ea"/>
+                <a:cs typeface="+mn-cs"/>
+              </a:defRPr>
+            </a:lvl2pPr>
+            <a:lvl3pPr marL="914400" algn="l" defTabSz="914400" rtl="0" eaLnBrk="1" latinLnBrk="0" hangingPunct="1">
+              <a:defRPr sz="1800" kern="1200">
+                <a:solidFill>
+                  <a:schemeClr val="tx1"/>
+                </a:solidFill>
+                <a:latin typeface="+mn-lt"/>
+                <a:ea typeface="+mn-ea"/>
+                <a:cs typeface="+mn-cs"/>
+              </a:defRPr>
+            </a:lvl3pPr>
+            <a:lvl4pPr marL="1371600" algn="l" defTabSz="914400" rtl="0" eaLnBrk="1" latinLnBrk="0" hangingPunct="1">
+              <a:defRPr sz="1800" kern="1200">
+                <a:solidFill>
+                  <a:schemeClr val="tx1"/>
+                </a:solidFill>
+                <a:latin typeface="+mn-lt"/>
+                <a:ea typeface="+mn-ea"/>
+                <a:cs typeface="+mn-cs"/>
+              </a:defRPr>
+            </a:lvl4pPr>
+            <a:lvl5pPr marL="1828800" algn="l" defTabSz="914400" rtl="0" eaLnBrk="1" latinLnBrk="0" hangingPunct="1">
+              <a:defRPr sz="1800" kern="1200">
+                <a:solidFill>
+                  <a:schemeClr val="tx1"/>
+                </a:solidFill>
+                <a:latin typeface="+mn-lt"/>
+                <a:ea typeface="+mn-ea"/>
+                <a:cs typeface="+mn-cs"/>
+              </a:defRPr>
+            </a:lvl5pPr>
+            <a:lvl6pPr marL="2286000" algn="l" defTabSz="914400" rtl="0" eaLnBrk="1" latinLnBrk="0" hangingPunct="1">
+              <a:defRPr sz="1800" kern="1200">
+                <a:solidFill>
+                  <a:schemeClr val="tx1"/>
+                </a:solidFill>
+                <a:latin typeface="+mn-lt"/>
+                <a:ea typeface="+mn-ea"/>
+                <a:cs typeface="+mn-cs"/>
+              </a:defRPr>
+            </a:lvl6pPr>
+            <a:lvl7pPr marL="2743200" algn="l" defTabSz="914400" rtl="0" eaLnBrk="1" latinLnBrk="0" hangingPunct="1">
+              <a:defRPr sz="1800" kern="1200">
+                <a:solidFill>
+                  <a:schemeClr val="tx1"/>
+                </a:solidFill>
+                <a:latin typeface="+mn-lt"/>
+                <a:ea typeface="+mn-ea"/>
+                <a:cs typeface="+mn-cs"/>
+              </a:defRPr>
+            </a:lvl7pPr>
+            <a:lvl8pPr marL="3200400" algn="l" defTabSz="914400" rtl="0" eaLnBrk="1" latinLnBrk="0" hangingPunct="1">
+              <a:defRPr sz="1800" kern="1200">
+                <a:solidFill>
+                  <a:schemeClr val="tx1"/>
+                </a:solidFill>
+                <a:latin typeface="+mn-lt"/>
+                <a:ea typeface="+mn-ea"/>
+                <a:cs typeface="+mn-cs"/>
+              </a:defRPr>
+            </a:lvl8pPr>
+            <a:lvl9pPr marL="3657600" algn="l" defTabSz="914400" rtl="0" eaLnBrk="1" latinLnBrk="0" hangingPunct="1">
+              <a:defRPr sz="1800" kern="1200">
+                <a:solidFill>
+                  <a:schemeClr val="tx1"/>
+                </a:solidFill>
+                <a:latin typeface="+mn-lt"/>
+                <a:ea typeface="+mn-ea"/>
+                <a:cs typeface="+mn-cs"/>
+              </a:defRPr>
+            </a:lvl9pPr>
+          </a:lstStyle>
+          <a:p>
+            <a:fld id="{E64C7690-F1FD-4FEA-BC1E-71D5D599DE8E}" type="slidenum">
+              <a:rPr lang="en-US" smtClean="0"/>
+              <a:pPr/>
+              <a:t>4</a:t>
+            </a:fld>
+            <a:endParaRPr lang="en-US" dirty="0"/>
+          </a:p>
+        </p:txBody>
+      </p:sp>
+      <p:sp>
+        <p:nvSpPr>
+          <p:cNvPr id="9" name="Rectangle 8">
+            <a:extLst>
+              <a:ext uri="{FF2B5EF4-FFF2-40B4-BE49-F238E27FC236}">
+                <a16:creationId xmlns:a16="http://schemas.microsoft.com/office/drawing/2014/main" id="{BE7A4898-1C81-7536-5AD5-47883DBB8A72}"/>
+              </a:ext>
+            </a:extLst>
+          </p:cNvPr>
+          <p:cNvSpPr/>
+          <p:nvPr/>
+        </p:nvSpPr>
+        <p:spPr>
+          <a:xfrm>
+            <a:off x="973667" y="1507066"/>
+            <a:ext cx="9965266" cy="4766733"/>
+          </a:xfrm>
+          <a:prstGeom prst="rect">
+            <a:avLst/>
+          </a:prstGeom>
+          <a:solidFill>
+            <a:schemeClr val="accent6">
+              <a:lumMod val="20000"/>
+              <a:lumOff val="80000"/>
+            </a:schemeClr>
+          </a:solidFill>
+        </p:spPr>
+        <p:style>
+          <a:lnRef idx="2">
+            <a:schemeClr val="accent1">
+              <a:shade val="15000"/>
+            </a:schemeClr>
+          </a:lnRef>
+          <a:fillRef idx="1">
+            <a:schemeClr val="accent1"/>
+          </a:fillRef>
+          <a:effectRef idx="0">
+            <a:schemeClr val="accent1"/>
+          </a:effectRef>
+          <a:fontRef idx="minor">
+            <a:schemeClr val="lt1"/>
+          </a:fontRef>
+        </p:style>
+        <p:txBody>
+          <a:bodyPr rtlCol="0" anchor="ctr"/>
+          <a:lstStyle/>
+          <a:p>
+            <a:endParaRPr lang="en-US" dirty="0">
+              <a:solidFill>
+                <a:schemeClr val="tx1"/>
+              </a:solidFill>
+            </a:endParaRPr>
+          </a:p>
+          <a:p>
+            <a:endParaRPr lang="en-US" dirty="0">
+              <a:solidFill>
+                <a:schemeClr val="tx1"/>
+              </a:solidFill>
+            </a:endParaRPr>
+          </a:p>
+          <a:p>
+            <a:endParaRPr lang="en-US" dirty="0">
+              <a:solidFill>
+                <a:schemeClr val="tx1"/>
+              </a:solidFill>
+            </a:endParaRPr>
+          </a:p>
+          <a:p>
+            <a:endParaRPr lang="en-US" dirty="0">
+              <a:solidFill>
+                <a:schemeClr val="tx1"/>
+              </a:solidFill>
+            </a:endParaRPr>
+          </a:p>
+          <a:p>
+            <a:endParaRPr lang="en-US" dirty="0">
+              <a:solidFill>
+                <a:schemeClr val="tx1"/>
+              </a:solidFill>
+            </a:endParaRPr>
+          </a:p>
+          <a:p>
+            <a:endParaRPr lang="en-US" dirty="0">
+              <a:solidFill>
+                <a:schemeClr val="tx1"/>
+              </a:solidFill>
+            </a:endParaRPr>
+          </a:p>
+          <a:p>
+            <a:endParaRPr lang="en-US" dirty="0">
+              <a:solidFill>
+                <a:schemeClr val="tx1"/>
+              </a:solidFill>
+            </a:endParaRPr>
+          </a:p>
+          <a:p>
+            <a:endParaRPr lang="en-US" dirty="0">
+              <a:solidFill>
+                <a:schemeClr val="tx1"/>
+              </a:solidFill>
+            </a:endParaRPr>
+          </a:p>
+          <a:p>
+            <a:endParaRPr lang="en-US" dirty="0">
+              <a:solidFill>
+                <a:schemeClr val="tx1"/>
+              </a:solidFill>
+            </a:endParaRPr>
+          </a:p>
+          <a:p>
+            <a:endParaRPr lang="en-US" dirty="0">
+              <a:solidFill>
+                <a:schemeClr val="tx1"/>
+              </a:solidFill>
+            </a:endParaRPr>
+          </a:p>
+          <a:p>
+            <a:endParaRPr lang="en-US" dirty="0">
+              <a:solidFill>
+                <a:schemeClr val="tx1"/>
+              </a:solidFill>
+            </a:endParaRPr>
+          </a:p>
+          <a:p>
+            <a:endParaRPr lang="en-US" dirty="0">
+              <a:solidFill>
+                <a:schemeClr val="tx1"/>
+              </a:solidFill>
+            </a:endParaRPr>
+          </a:p>
+          <a:p>
+            <a:endParaRPr lang="en-US" dirty="0">
+              <a:solidFill>
+                <a:schemeClr val="tx1"/>
+              </a:solidFill>
+            </a:endParaRPr>
+          </a:p>
+          <a:p>
+            <a:endParaRPr lang="en-US" dirty="0">
+              <a:solidFill>
+                <a:schemeClr val="tx1"/>
+              </a:solidFill>
+            </a:endParaRPr>
+          </a:p>
+          <a:p>
+            <a:pPr algn="just"/>
+            <a:r>
+              <a:rPr lang="en-US" b="1" dirty="0">
+                <a:solidFill>
+                  <a:schemeClr val="tx1"/>
+                </a:solidFill>
+              </a:rPr>
+              <a:t>Overall, the tool must allow filtering, comparison, and export; helping researchers explore climate extremes intuitively.</a:t>
+            </a:r>
+          </a:p>
+          <a:p>
+            <a:pPr algn="just"/>
+            <a:endParaRPr lang="en-US" dirty="0">
+              <a:solidFill>
+                <a:schemeClr val="tx1"/>
+              </a:solidFill>
+            </a:endParaRPr>
+          </a:p>
+        </p:txBody>
+      </p:sp>
+      <p:sp>
+        <p:nvSpPr>
+          <p:cNvPr id="10" name="Rectangle 9">
+            <a:extLst>
+              <a:ext uri="{FF2B5EF4-FFF2-40B4-BE49-F238E27FC236}">
+                <a16:creationId xmlns:a16="http://schemas.microsoft.com/office/drawing/2014/main" id="{D6559400-4497-5B16-B62C-A1F89F9952BF}"/>
+              </a:ext>
+            </a:extLst>
+          </p:cNvPr>
+          <p:cNvSpPr/>
+          <p:nvPr/>
+        </p:nvSpPr>
+        <p:spPr>
+          <a:xfrm>
+            <a:off x="1168400" y="1625600"/>
+            <a:ext cx="9516533" cy="3572933"/>
+          </a:xfrm>
+          <a:prstGeom prst="rect">
+            <a:avLst/>
+          </a:prstGeom>
+          <a:solidFill>
+            <a:schemeClr val="tx2">
+              <a:lumMod val="10000"/>
+              <a:lumOff val="90000"/>
+            </a:schemeClr>
+          </a:solidFill>
+        </p:spPr>
+        <p:style>
+          <a:lnRef idx="2">
+            <a:schemeClr val="accent1">
+              <a:shade val="15000"/>
+            </a:schemeClr>
+          </a:lnRef>
+          <a:fillRef idx="1">
+            <a:schemeClr val="accent1"/>
+          </a:fillRef>
+          <a:effectRef idx="0">
+            <a:schemeClr val="accent1"/>
+          </a:effectRef>
+          <a:fontRef idx="minor">
+            <a:schemeClr val="lt1"/>
+          </a:fontRef>
+        </p:style>
+        <p:txBody>
+          <a:bodyPr rtlCol="0" anchor="ctr"/>
+          <a:lstStyle/>
+          <a:p>
+            <a:pPr algn="ctr"/>
+            <a:r>
+              <a:rPr lang="en-US" u="sng" dirty="0">
+                <a:solidFill>
+                  <a:schemeClr val="tx1"/>
+                </a:solidFill>
+              </a:rPr>
+              <a:t>The client wants a web based(deployable) interactive system that visualizes Global heatwave trends from 1950 to the present at a country level.</a:t>
+            </a:r>
+          </a:p>
+          <a:p>
+            <a:pPr algn="ctr"/>
+            <a:endParaRPr lang="en-US" dirty="0">
+              <a:solidFill>
+                <a:schemeClr val="tx1"/>
+              </a:solidFill>
+            </a:endParaRPr>
+          </a:p>
+          <a:p>
+            <a:pPr algn="ctr"/>
+            <a:endParaRPr lang="en-US" dirty="0">
+              <a:solidFill>
+                <a:schemeClr val="tx1"/>
+              </a:solidFill>
+            </a:endParaRPr>
+          </a:p>
+          <a:p>
+            <a:pPr algn="ctr"/>
+            <a:endParaRPr lang="en-US" dirty="0">
+              <a:solidFill>
+                <a:schemeClr val="tx1"/>
+              </a:solidFill>
+            </a:endParaRPr>
+          </a:p>
+          <a:p>
+            <a:pPr algn="ctr"/>
+            <a:endParaRPr lang="en-US" dirty="0">
+              <a:solidFill>
+                <a:schemeClr val="tx1"/>
+              </a:solidFill>
+            </a:endParaRPr>
+          </a:p>
+          <a:p>
+            <a:pPr algn="ctr"/>
+            <a:endParaRPr lang="en-US" dirty="0">
+              <a:solidFill>
+                <a:schemeClr val="tx1"/>
+              </a:solidFill>
+            </a:endParaRPr>
+          </a:p>
+          <a:p>
+            <a:pPr algn="ctr"/>
+            <a:endParaRPr lang="en-US" dirty="0">
+              <a:solidFill>
+                <a:schemeClr val="tx1"/>
+              </a:solidFill>
+            </a:endParaRPr>
+          </a:p>
+          <a:p>
+            <a:pPr algn="ctr"/>
+            <a:endParaRPr lang="en-US" dirty="0">
+              <a:solidFill>
+                <a:schemeClr val="tx1"/>
+              </a:solidFill>
+            </a:endParaRPr>
+          </a:p>
+          <a:p>
+            <a:pPr algn="ctr"/>
+            <a:endParaRPr lang="en-US" dirty="0">
+              <a:solidFill>
+                <a:schemeClr val="tx1"/>
+              </a:solidFill>
+            </a:endParaRPr>
+          </a:p>
+          <a:p>
+            <a:pPr algn="ctr"/>
+            <a:endParaRPr lang="en-US" dirty="0">
+              <a:solidFill>
+                <a:schemeClr val="tx1"/>
+              </a:solidFill>
+            </a:endParaRPr>
+          </a:p>
+          <a:p>
+            <a:pPr algn="ctr"/>
+            <a:endParaRPr lang="en-US" dirty="0">
+              <a:solidFill>
+                <a:schemeClr val="tx1"/>
+              </a:solidFill>
+            </a:endParaRPr>
+          </a:p>
+        </p:txBody>
+      </p:sp>
+      <p:sp>
+        <p:nvSpPr>
+          <p:cNvPr id="11" name="Rectangle: Diagonal Corners Rounded 10">
+            <a:extLst>
+              <a:ext uri="{FF2B5EF4-FFF2-40B4-BE49-F238E27FC236}">
+                <a16:creationId xmlns:a16="http://schemas.microsoft.com/office/drawing/2014/main" id="{28BD5352-156C-5B97-993C-CA9E726D4A23}"/>
+              </a:ext>
+            </a:extLst>
+          </p:cNvPr>
+          <p:cNvSpPr/>
+          <p:nvPr/>
+        </p:nvSpPr>
+        <p:spPr>
+          <a:xfrm>
+            <a:off x="1439333" y="2489200"/>
+            <a:ext cx="4318000" cy="2345267"/>
+          </a:xfrm>
+          <a:prstGeom prst="round2DiagRect">
+            <a:avLst/>
+          </a:prstGeom>
+          <a:solidFill>
+            <a:schemeClr val="accent5">
+              <a:lumMod val="20000"/>
+              <a:lumOff val="80000"/>
+            </a:schemeClr>
+          </a:solidFill>
+        </p:spPr>
+        <p:style>
+          <a:lnRef idx="2">
+            <a:schemeClr val="accent1">
+              <a:shade val="15000"/>
+            </a:schemeClr>
+          </a:lnRef>
+          <a:fillRef idx="1">
+            <a:schemeClr val="accent1"/>
+          </a:fillRef>
+          <a:effectRef idx="0">
+            <a:schemeClr val="accent1"/>
+          </a:effectRef>
+          <a:fontRef idx="minor">
+            <a:schemeClr val="lt1"/>
+          </a:fontRef>
+        </p:style>
+        <p:txBody>
+          <a:bodyPr rtlCol="0" anchor="ctr"/>
+          <a:lstStyle/>
+          <a:p>
+            <a:pPr algn="ctr"/>
+            <a:r>
+              <a:rPr lang="en-US" i="1" dirty="0">
+                <a:solidFill>
+                  <a:schemeClr val="tx1"/>
+                </a:solidFill>
+              </a:rPr>
+              <a:t>Clicking on any country should reveal its temperature trend over time.</a:t>
+            </a:r>
+          </a:p>
+        </p:txBody>
+      </p:sp>
+      <p:sp>
+        <p:nvSpPr>
+          <p:cNvPr id="12" name="Rectangle: Diagonal Corners Rounded 11">
+            <a:extLst>
+              <a:ext uri="{FF2B5EF4-FFF2-40B4-BE49-F238E27FC236}">
+                <a16:creationId xmlns:a16="http://schemas.microsoft.com/office/drawing/2014/main" id="{2C8F1583-48C1-E045-C3BB-700EB33655BE}"/>
+              </a:ext>
+            </a:extLst>
+          </p:cNvPr>
+          <p:cNvSpPr/>
+          <p:nvPr/>
+        </p:nvSpPr>
+        <p:spPr>
+          <a:xfrm>
+            <a:off x="6096000" y="2489200"/>
+            <a:ext cx="4318000" cy="2345267"/>
+          </a:xfrm>
+          <a:prstGeom prst="round2DiagRect">
+            <a:avLst/>
+          </a:prstGeom>
+          <a:solidFill>
+            <a:schemeClr val="accent5">
+              <a:lumMod val="20000"/>
+              <a:lumOff val="80000"/>
+            </a:schemeClr>
+          </a:solidFill>
+        </p:spPr>
+        <p:style>
+          <a:lnRef idx="2">
+            <a:schemeClr val="accent1">
+              <a:shade val="15000"/>
+            </a:schemeClr>
+          </a:lnRef>
+          <a:fillRef idx="1">
+            <a:schemeClr val="accent1"/>
+          </a:fillRef>
+          <a:effectRef idx="0">
+            <a:schemeClr val="accent1"/>
+          </a:effectRef>
+          <a:fontRef idx="minor">
+            <a:schemeClr val="lt1"/>
+          </a:fontRef>
+        </p:style>
+        <p:txBody>
+          <a:bodyPr rtlCol="0" anchor="ctr"/>
+          <a:lstStyle/>
+          <a:p>
+            <a:pPr algn="ctr"/>
+            <a:endParaRPr lang="en-US" i="1" dirty="0">
+              <a:solidFill>
+                <a:schemeClr val="tx1"/>
+              </a:solidFill>
+            </a:endParaRPr>
+          </a:p>
+          <a:p>
+            <a:pPr algn="ctr"/>
+            <a:r>
+              <a:rPr lang="en-US" i="1" dirty="0">
+                <a:solidFill>
+                  <a:schemeClr val="tx1"/>
+                </a:solidFill>
+              </a:rPr>
+              <a:t>Should also integrate global drought data to analyze intensity, variability, and correlations with heatwaves.</a:t>
+            </a:r>
+          </a:p>
+        </p:txBody>
+      </p:sp>
+      <p:sp>
+        <p:nvSpPr>
+          <p:cNvPr id="13" name="TextBox 12">
+            <a:extLst>
+              <a:ext uri="{FF2B5EF4-FFF2-40B4-BE49-F238E27FC236}">
+                <a16:creationId xmlns:a16="http://schemas.microsoft.com/office/drawing/2014/main" id="{843B761E-535A-D2F4-2EC9-68B6F279A64B}"/>
+              </a:ext>
+            </a:extLst>
+          </p:cNvPr>
           <p:cNvSpPr txBox="1"/>
           <p:nvPr/>
         </p:nvSpPr>
         <p:spPr>
           <a:xfrm>
-            <a:off x="731520" y="731520"/>
-            <a:ext cx="5663795" cy="5021888"/>
+            <a:off x="3368943" y="2704180"/>
+            <a:ext cx="458780" cy="707886"/>
           </a:xfrm>
           <a:prstGeom prst="rect">
             <a:avLst/>
@@ -3466,137 +5399,59 @@
           <a:noFill/>
         </p:spPr>
         <p:txBody>
-          <a:bodyPr wrap="none">
+          <a:bodyPr wrap="none" rtlCol="0">
             <a:spAutoFit/>
           </a:bodyPr>
           <a:lstStyle/>
           <a:p>
-            <a:endParaRPr dirty="0"/>
-          </a:p>
-          <a:p>
-            <a:pPr>
-              <a:defRPr sz="3600" b="1">
-                <a:solidFill>
-                  <a:srgbClr val="003366"/>
-                </a:solidFill>
-              </a:defRPr>
-            </a:pPr>
-            <a:r>
-              <a:rPr dirty="0"/>
-              <a:t>Data &amp; Methods</a:t>
-            </a:r>
-          </a:p>
-          <a:p>
-            <a:endParaRPr dirty="0"/>
-          </a:p>
-          <a:p>
-            <a:pPr>
-              <a:spcBef>
-                <a:spcPts val="1000"/>
-              </a:spcBef>
-              <a:defRPr sz="2000"/>
-            </a:pPr>
-            <a:r>
-              <a:rPr dirty="0"/>
-              <a:t>Datasets:</a:t>
-            </a:r>
-            <a:br>
-              <a:rPr dirty="0"/>
-            </a:br>
-            <a:r>
-              <a:rPr dirty="0"/>
-              <a:t>- CRU TS v4.09 (Temperature, 1950</a:t>
-            </a:r>
-            <a:r>
-              <a:rPr lang="en-US" dirty="0"/>
-              <a:t> - </a:t>
-            </a:r>
-            <a:r>
-              <a:rPr dirty="0"/>
-              <a:t>present)</a:t>
-            </a:r>
-            <a:br>
-              <a:rPr dirty="0"/>
-            </a:br>
-            <a:r>
-              <a:rPr dirty="0"/>
-              <a:t>- C</a:t>
-            </a:r>
-            <a:r>
-              <a:rPr lang="en-US" dirty="0"/>
-              <a:t>RU</a:t>
-            </a:r>
-            <a:r>
-              <a:rPr dirty="0"/>
-              <a:t> Dataset (Drought anomaly, global)</a:t>
-            </a:r>
-            <a:br>
-              <a:rPr dirty="0"/>
-            </a:br>
-            <a:br>
-              <a:rPr dirty="0"/>
-            </a:br>
-            <a:r>
-              <a:rPr dirty="0"/>
-              <a:t>Tech Stack:</a:t>
-            </a:r>
-            <a:br>
-              <a:rPr dirty="0"/>
-            </a:br>
-            <a:r>
-              <a:rPr dirty="0"/>
-              <a:t>- D3.js (Interactive visualization)</a:t>
-            </a:r>
-            <a:br>
-              <a:rPr dirty="0"/>
-            </a:br>
-            <a:r>
-              <a:rPr dirty="0"/>
-              <a:t>- JS / HTML / </a:t>
-            </a:r>
-            <a:r>
-              <a:rPr dirty="0" err="1"/>
-              <a:t>NetCDF</a:t>
-            </a:r>
-            <a:r>
-              <a:rPr dirty="0"/>
-              <a:t> / CSV data</a:t>
-            </a:r>
-            <a:br>
-              <a:rPr dirty="0"/>
-            </a:br>
-            <a:br>
-              <a:rPr dirty="0"/>
-            </a:br>
-            <a:r>
-              <a:rPr dirty="0"/>
-              <a:t>Processing Steps:</a:t>
-            </a:r>
-            <a:br>
-              <a:rPr dirty="0"/>
-            </a:br>
-            <a:r>
-              <a:rPr dirty="0"/>
-              <a:t>- Aggregate by country-level averages</a:t>
-            </a:r>
-            <a:br>
-              <a:rPr dirty="0"/>
-            </a:br>
-            <a:r>
-              <a:rPr dirty="0"/>
-              <a:t>- Compute temperature anomaly, standard deviation</a:t>
-            </a:r>
-            <a:br>
-              <a:rPr dirty="0"/>
-            </a:br>
-            <a:r>
-              <a:rPr dirty="0"/>
-              <a:t>- Map to color scales + spiral timelines</a:t>
+            <a:r>
+              <a:rPr lang="en-US" sz="4000" i="1" u="sng" dirty="0"/>
+              <a:t>1</a:t>
+            </a:r>
+          </a:p>
+        </p:txBody>
+      </p:sp>
+      <p:sp>
+        <p:nvSpPr>
+          <p:cNvPr id="14" name="TextBox 13">
+            <a:extLst>
+              <a:ext uri="{FF2B5EF4-FFF2-40B4-BE49-F238E27FC236}">
+                <a16:creationId xmlns:a16="http://schemas.microsoft.com/office/drawing/2014/main" id="{B8D267B5-3B6A-908E-5F26-42E5313F72F9}"/>
+              </a:ext>
+            </a:extLst>
+          </p:cNvPr>
+          <p:cNvSpPr txBox="1"/>
+          <p:nvPr/>
+        </p:nvSpPr>
+        <p:spPr>
+          <a:xfrm>
+            <a:off x="8025610" y="2704180"/>
+            <a:ext cx="458780" cy="707886"/>
+          </a:xfrm>
+          <a:prstGeom prst="rect">
+            <a:avLst/>
+          </a:prstGeom>
+          <a:noFill/>
+        </p:spPr>
+        <p:txBody>
+          <a:bodyPr wrap="none" rtlCol="0">
+            <a:spAutoFit/>
+          </a:bodyPr>
+          <a:lstStyle/>
+          <a:p>
+            <a:r>
+              <a:rPr lang="en-US" sz="4000" i="1" u="sng" dirty="0"/>
+              <a:t>2</a:t>
             </a:r>
           </a:p>
         </p:txBody>
       </p:sp>
     </p:spTree>
+    <p:extLst>
+      <p:ext uri="{BB962C8B-B14F-4D97-AF65-F5344CB8AC3E}">
+        <p14:creationId xmlns:p14="http://schemas.microsoft.com/office/powerpoint/2010/main" val="3880707208"/>
+      </p:ext>
+    </p:extLst>
   </p:cSld>
   <p:clrMapOvr>
     <a:masterClrMapping/>
@@ -3609,7 +5464,13 @@
   <p:cSld>
     <p:spTree>
       <p:nvGrpSpPr>
-        <p:cNvPr id="1" name=""/>
+        <p:cNvPr id="1" name="">
+          <a:extLst>
+            <a:ext uri="{FF2B5EF4-FFF2-40B4-BE49-F238E27FC236}">
+              <a16:creationId xmlns:a16="http://schemas.microsoft.com/office/drawing/2014/main" id="{C2D9D924-1F53-17C8-7B73-6C7A967AB70E}"/>
+            </a:ext>
+          </a:extLst>
+        </p:cNvPr>
         <p:cNvGrpSpPr/>
         <p:nvPr/>
       </p:nvGrpSpPr>
@@ -3623,78 +5484,177 @@
       </p:grpSpPr>
       <p:sp>
         <p:nvSpPr>
-          <p:cNvPr id="2" name="TextBox 1"/>
-          <p:cNvSpPr txBox="1"/>
-          <p:nvPr/>
+          <p:cNvPr id="2" name="Title 1">
+            <a:extLst>
+              <a:ext uri="{FF2B5EF4-FFF2-40B4-BE49-F238E27FC236}">
+                <a16:creationId xmlns:a16="http://schemas.microsoft.com/office/drawing/2014/main" id="{ADAC224C-0E63-645F-0453-1A9D82474887}"/>
+              </a:ext>
+            </a:extLst>
+          </p:cNvPr>
+          <p:cNvSpPr>
+            <a:spLocks noGrp="1"/>
+          </p:cNvSpPr>
+          <p:nvPr>
+            <p:ph type="title"/>
+          </p:nvPr>
         </p:nvSpPr>
         <p:spPr>
           <a:xfrm>
-            <a:off x="731520" y="731520"/>
-            <a:ext cx="7772400" cy="5486400"/>
+            <a:off x="3585633" y="2766218"/>
+            <a:ext cx="5020733" cy="1325563"/>
+          </a:xfrm>
+        </p:spPr>
+        <p:txBody>
+          <a:bodyPr>
+            <a:normAutofit/>
+          </a:bodyPr>
+          <a:lstStyle/>
+          <a:p>
+            <a:r>
+              <a:rPr lang="en-US" sz="8800" dirty="0"/>
+              <a:t>Thank you</a:t>
+            </a:r>
+          </a:p>
+        </p:txBody>
+      </p:sp>
+      <p:sp>
+        <p:nvSpPr>
+          <p:cNvPr id="5" name="Slide Number Placeholder 5">
+            <a:extLst>
+              <a:ext uri="{FF2B5EF4-FFF2-40B4-BE49-F238E27FC236}">
+                <a16:creationId xmlns:a16="http://schemas.microsoft.com/office/drawing/2014/main" id="{1B747A35-C25F-FEC3-CE6B-50619287EFA3}"/>
+              </a:ext>
+            </a:extLst>
+          </p:cNvPr>
+          <p:cNvSpPr txBox="1">
+            <a:spLocks/>
+          </p:cNvSpPr>
+          <p:nvPr/>
+        </p:nvSpPr>
+        <p:spPr>
+          <a:xfrm>
+            <a:off x="9008534" y="243417"/>
+            <a:ext cx="2743200" cy="365125"/>
           </a:xfrm>
           <a:prstGeom prst="rect">
             <a:avLst/>
           </a:prstGeom>
-          <a:noFill/>
         </p:spPr>
         <p:txBody>
-          <a:bodyPr wrap="none">
-            <a:spAutoFit/>
-          </a:bodyPr>
-          <a:lstStyle/>
-          <a:p>
-            <a:endParaRPr/>
-          </a:p>
-          <a:p>
-            <a:pPr>
-              <a:defRPr sz="3600" b="1">
-                <a:solidFill>
-                  <a:srgbClr val="003366"/>
-                </a:solidFill>
+          <a:bodyPr vert="horz" lIns="91440" tIns="45720" rIns="91440" bIns="45720" rtlCol="0" anchor="ctr"/>
+          <a:lstStyle>
+            <a:defPPr>
+              <a:defRPr lang="en-US"/>
+            </a:defPPr>
+            <a:lvl1pPr marL="0" algn="r" defTabSz="914400" rtl="0" eaLnBrk="1" latinLnBrk="0" hangingPunct="1">
+              <a:defRPr sz="1200" kern="1200">
+                <a:solidFill>
+                  <a:schemeClr val="tx1">
+                    <a:tint val="82000"/>
+                  </a:schemeClr>
+                </a:solidFill>
+                <a:latin typeface="+mn-lt"/>
+                <a:ea typeface="+mn-ea"/>
+                <a:cs typeface="+mn-cs"/>
               </a:defRPr>
-            </a:pPr>
-            <a:r>
-              <a:t>Visualization Design</a:t>
-            </a:r>
-          </a:p>
-          <a:p>
-            <a:endParaRPr/>
-          </a:p>
-          <a:p>
-            <a:pPr>
-              <a:spcBef>
-                <a:spcPts val="1000"/>
-              </a:spcBef>
-              <a:defRPr sz="2000"/>
-            </a:pPr>
-            <a:r>
-              <a:t>- Interactive Africa Map: Hover → intensity color; Click → spiral view.</a:t>
-            </a:r>
-            <a:br/>
-            <a:r>
-              <a:t>- Spiral Chart: Shows yearly temp rise from 1950–present.</a:t>
-            </a:r>
-            <a:br/>
-            <a:r>
-              <a:t>- Global Drought Map: Displays deviation intensity overlay.</a:t>
-            </a:r>
-            <a:br/>
-            <a:br/>
-            <a:r>
-              <a:t>Expected Impact:</a:t>
-            </a:r>
-            <a:br/>
-            <a:r>
-              <a:t>- Helps researchers explore spatial-temporal climate patterns.</a:t>
-            </a:r>
-            <a:br/>
-            <a:r>
-              <a:t>- Aids in communication &amp; policy insights.</a:t>
-            </a:r>
+            </a:lvl1pPr>
+            <a:lvl2pPr marL="457200" algn="l" defTabSz="914400" rtl="0" eaLnBrk="1" latinLnBrk="0" hangingPunct="1">
+              <a:defRPr sz="1800" kern="1200">
+                <a:solidFill>
+                  <a:schemeClr val="tx1"/>
+                </a:solidFill>
+                <a:latin typeface="+mn-lt"/>
+                <a:ea typeface="+mn-ea"/>
+                <a:cs typeface="+mn-cs"/>
+              </a:defRPr>
+            </a:lvl2pPr>
+            <a:lvl3pPr marL="914400" algn="l" defTabSz="914400" rtl="0" eaLnBrk="1" latinLnBrk="0" hangingPunct="1">
+              <a:defRPr sz="1800" kern="1200">
+                <a:solidFill>
+                  <a:schemeClr val="tx1"/>
+                </a:solidFill>
+                <a:latin typeface="+mn-lt"/>
+                <a:ea typeface="+mn-ea"/>
+                <a:cs typeface="+mn-cs"/>
+              </a:defRPr>
+            </a:lvl3pPr>
+            <a:lvl4pPr marL="1371600" algn="l" defTabSz="914400" rtl="0" eaLnBrk="1" latinLnBrk="0" hangingPunct="1">
+              <a:defRPr sz="1800" kern="1200">
+                <a:solidFill>
+                  <a:schemeClr val="tx1"/>
+                </a:solidFill>
+                <a:latin typeface="+mn-lt"/>
+                <a:ea typeface="+mn-ea"/>
+                <a:cs typeface="+mn-cs"/>
+              </a:defRPr>
+            </a:lvl4pPr>
+            <a:lvl5pPr marL="1828800" algn="l" defTabSz="914400" rtl="0" eaLnBrk="1" latinLnBrk="0" hangingPunct="1">
+              <a:defRPr sz="1800" kern="1200">
+                <a:solidFill>
+                  <a:schemeClr val="tx1"/>
+                </a:solidFill>
+                <a:latin typeface="+mn-lt"/>
+                <a:ea typeface="+mn-ea"/>
+                <a:cs typeface="+mn-cs"/>
+              </a:defRPr>
+            </a:lvl5pPr>
+            <a:lvl6pPr marL="2286000" algn="l" defTabSz="914400" rtl="0" eaLnBrk="1" latinLnBrk="0" hangingPunct="1">
+              <a:defRPr sz="1800" kern="1200">
+                <a:solidFill>
+                  <a:schemeClr val="tx1"/>
+                </a:solidFill>
+                <a:latin typeface="+mn-lt"/>
+                <a:ea typeface="+mn-ea"/>
+                <a:cs typeface="+mn-cs"/>
+              </a:defRPr>
+            </a:lvl6pPr>
+            <a:lvl7pPr marL="2743200" algn="l" defTabSz="914400" rtl="0" eaLnBrk="1" latinLnBrk="0" hangingPunct="1">
+              <a:defRPr sz="1800" kern="1200">
+                <a:solidFill>
+                  <a:schemeClr val="tx1"/>
+                </a:solidFill>
+                <a:latin typeface="+mn-lt"/>
+                <a:ea typeface="+mn-ea"/>
+                <a:cs typeface="+mn-cs"/>
+              </a:defRPr>
+            </a:lvl7pPr>
+            <a:lvl8pPr marL="3200400" algn="l" defTabSz="914400" rtl="0" eaLnBrk="1" latinLnBrk="0" hangingPunct="1">
+              <a:defRPr sz="1800" kern="1200">
+                <a:solidFill>
+                  <a:schemeClr val="tx1"/>
+                </a:solidFill>
+                <a:latin typeface="+mn-lt"/>
+                <a:ea typeface="+mn-ea"/>
+                <a:cs typeface="+mn-cs"/>
+              </a:defRPr>
+            </a:lvl8pPr>
+            <a:lvl9pPr marL="3657600" algn="l" defTabSz="914400" rtl="0" eaLnBrk="1" latinLnBrk="0" hangingPunct="1">
+              <a:defRPr sz="1800" kern="1200">
+                <a:solidFill>
+                  <a:schemeClr val="tx1"/>
+                </a:solidFill>
+                <a:latin typeface="+mn-lt"/>
+                <a:ea typeface="+mn-ea"/>
+                <a:cs typeface="+mn-cs"/>
+              </a:defRPr>
+            </a:lvl9pPr>
+          </a:lstStyle>
+          <a:p>
+            <a:fld id="{E64C7690-F1FD-4FEA-BC1E-71D5D599DE8E}" type="slidenum">
+              <a:rPr lang="en-US" smtClean="0"/>
+              <a:pPr/>
+              <a:t>5</a:t>
+            </a:fld>
+            <a:endParaRPr lang="en-US" dirty="0"/>
           </a:p>
         </p:txBody>
       </p:sp>
     </p:spTree>
+    <p:extLst>
+      <p:ext uri="{BB962C8B-B14F-4D97-AF65-F5344CB8AC3E}">
+        <p14:creationId xmlns:p14="http://schemas.microsoft.com/office/powerpoint/2010/main" val="1751981987"/>
+      </p:ext>
+    </p:extLst>
   </p:cSld>
   <p:clrMapOvr>
     <a:masterClrMapping/>
@@ -3721,90 +5681,506 @@
       </p:grpSpPr>
       <p:sp>
         <p:nvSpPr>
-          <p:cNvPr id="2" name="TextBox 1"/>
-          <p:cNvSpPr txBox="1"/>
+          <p:cNvPr id="2" name="Title 1">
+            <a:extLst>
+              <a:ext uri="{FF2B5EF4-FFF2-40B4-BE49-F238E27FC236}">
+                <a16:creationId xmlns:a16="http://schemas.microsoft.com/office/drawing/2014/main" id="{0E952FDE-DA04-1AB0-3908-D87143D2C0C5}"/>
+              </a:ext>
+            </a:extLst>
+          </p:cNvPr>
+          <p:cNvSpPr>
+            <a:spLocks noGrp="1"/>
+          </p:cNvSpPr>
+          <p:nvPr>
+            <p:ph type="title"/>
+          </p:nvPr>
+        </p:nvSpPr>
+        <p:spPr/>
+        <p:txBody>
+          <a:bodyPr/>
+          <a:lstStyle/>
+          <a:p>
+            <a:r>
+              <a:rPr lang="en-US" dirty="0"/>
+              <a:t>Appendix 1: Deliverables: Timeline</a:t>
+            </a:r>
+          </a:p>
+        </p:txBody>
+      </p:sp>
+      <p:sp>
+        <p:nvSpPr>
+          <p:cNvPr id="3" name="Content Placeholder 2">
+            <a:extLst>
+              <a:ext uri="{FF2B5EF4-FFF2-40B4-BE49-F238E27FC236}">
+                <a16:creationId xmlns:a16="http://schemas.microsoft.com/office/drawing/2014/main" id="{46BCFACE-1455-4B72-0742-69D02B7B7688}"/>
+              </a:ext>
+            </a:extLst>
+          </p:cNvPr>
+          <p:cNvSpPr>
+            <a:spLocks noGrp="1"/>
+          </p:cNvSpPr>
+          <p:nvPr>
+            <p:ph idx="1"/>
+          </p:nvPr>
+        </p:nvSpPr>
+        <p:spPr/>
+        <p:txBody>
+          <a:bodyPr>
+            <a:normAutofit/>
+          </a:bodyPr>
+          <a:lstStyle/>
+          <a:p>
+            <a:pPr marL="0" indent="0">
+              <a:buNone/>
+            </a:pPr>
+            <a:r>
+              <a:rPr lang="en-US" dirty="0"/>
+              <a:t>Timeline &amp; Next Steps</a:t>
+            </a:r>
+          </a:p>
+          <a:p>
+            <a:pPr marL="457200" lvl="1" indent="0">
+              <a:buNone/>
+            </a:pPr>
+            <a:r>
+              <a:rPr lang="en-US" dirty="0"/>
+              <a:t>Weeks 1-2: Data collection &amp; preprocessing</a:t>
+            </a:r>
+          </a:p>
+          <a:p>
+            <a:pPr marL="457200" lvl="1" indent="0">
+              <a:buNone/>
+            </a:pPr>
+            <a:r>
+              <a:rPr lang="en-US" dirty="0"/>
+              <a:t>Weeks 3-4: D3 map + spiral prototype</a:t>
+            </a:r>
+          </a:p>
+          <a:p>
+            <a:pPr marL="457200" lvl="1" indent="0">
+              <a:buNone/>
+            </a:pPr>
+            <a:r>
+              <a:rPr lang="en-US" dirty="0"/>
+              <a:t>Week 5: Global drought integration</a:t>
+            </a:r>
+          </a:p>
+          <a:p>
+            <a:pPr marL="457200" lvl="1" indent="0">
+              <a:buNone/>
+            </a:pPr>
+            <a:r>
+              <a:rPr lang="en-US" dirty="0"/>
+              <a:t>Week 6: Refinement &amp; probe analysis</a:t>
+            </a:r>
+          </a:p>
+          <a:p>
+            <a:pPr marL="457200" lvl="1" indent="0">
+              <a:buNone/>
+            </a:pPr>
+            <a:r>
+              <a:rPr lang="en-US" dirty="0"/>
+              <a:t>Week 7: Final presentation &amp; report</a:t>
+            </a:r>
+          </a:p>
+        </p:txBody>
+      </p:sp>
+      <p:sp>
+        <p:nvSpPr>
+          <p:cNvPr id="5" name="Slide Number Placeholder 5">
+            <a:extLst>
+              <a:ext uri="{FF2B5EF4-FFF2-40B4-BE49-F238E27FC236}">
+                <a16:creationId xmlns:a16="http://schemas.microsoft.com/office/drawing/2014/main" id="{FD6F9ACF-D36E-DC5E-D518-D980603B4BF9}"/>
+              </a:ext>
+            </a:extLst>
+          </p:cNvPr>
+          <p:cNvSpPr txBox="1">
+            <a:spLocks/>
+          </p:cNvSpPr>
           <p:nvPr/>
         </p:nvSpPr>
         <p:spPr>
           <a:xfrm>
-            <a:off x="731520" y="731520"/>
-            <a:ext cx="7772400" cy="5486400"/>
+            <a:off x="9008534" y="243417"/>
+            <a:ext cx="2743200" cy="365125"/>
           </a:xfrm>
           <a:prstGeom prst="rect">
             <a:avLst/>
           </a:prstGeom>
-          <a:noFill/>
         </p:spPr>
         <p:txBody>
-          <a:bodyPr wrap="none">
-            <a:spAutoFit/>
-          </a:bodyPr>
-          <a:lstStyle/>
-          <a:p>
-            <a:endParaRPr/>
+          <a:bodyPr vert="horz" lIns="91440" tIns="45720" rIns="91440" bIns="45720" rtlCol="0" anchor="ctr"/>
+          <a:lstStyle>
+            <a:defPPr>
+              <a:defRPr lang="en-US"/>
+            </a:defPPr>
+            <a:lvl1pPr marL="0" algn="r" defTabSz="914400" rtl="0" eaLnBrk="1" latinLnBrk="0" hangingPunct="1">
+              <a:defRPr sz="1200" kern="1200">
+                <a:solidFill>
+                  <a:schemeClr val="tx1">
+                    <a:tint val="82000"/>
+                  </a:schemeClr>
+                </a:solidFill>
+                <a:latin typeface="+mn-lt"/>
+                <a:ea typeface="+mn-ea"/>
+                <a:cs typeface="+mn-cs"/>
+              </a:defRPr>
+            </a:lvl1pPr>
+            <a:lvl2pPr marL="457200" algn="l" defTabSz="914400" rtl="0" eaLnBrk="1" latinLnBrk="0" hangingPunct="1">
+              <a:defRPr sz="1800" kern="1200">
+                <a:solidFill>
+                  <a:schemeClr val="tx1"/>
+                </a:solidFill>
+                <a:latin typeface="+mn-lt"/>
+                <a:ea typeface="+mn-ea"/>
+                <a:cs typeface="+mn-cs"/>
+              </a:defRPr>
+            </a:lvl2pPr>
+            <a:lvl3pPr marL="914400" algn="l" defTabSz="914400" rtl="0" eaLnBrk="1" latinLnBrk="0" hangingPunct="1">
+              <a:defRPr sz="1800" kern="1200">
+                <a:solidFill>
+                  <a:schemeClr val="tx1"/>
+                </a:solidFill>
+                <a:latin typeface="+mn-lt"/>
+                <a:ea typeface="+mn-ea"/>
+                <a:cs typeface="+mn-cs"/>
+              </a:defRPr>
+            </a:lvl3pPr>
+            <a:lvl4pPr marL="1371600" algn="l" defTabSz="914400" rtl="0" eaLnBrk="1" latinLnBrk="0" hangingPunct="1">
+              <a:defRPr sz="1800" kern="1200">
+                <a:solidFill>
+                  <a:schemeClr val="tx1"/>
+                </a:solidFill>
+                <a:latin typeface="+mn-lt"/>
+                <a:ea typeface="+mn-ea"/>
+                <a:cs typeface="+mn-cs"/>
+              </a:defRPr>
+            </a:lvl4pPr>
+            <a:lvl5pPr marL="1828800" algn="l" defTabSz="914400" rtl="0" eaLnBrk="1" latinLnBrk="0" hangingPunct="1">
+              <a:defRPr sz="1800" kern="1200">
+                <a:solidFill>
+                  <a:schemeClr val="tx1"/>
+                </a:solidFill>
+                <a:latin typeface="+mn-lt"/>
+                <a:ea typeface="+mn-ea"/>
+                <a:cs typeface="+mn-cs"/>
+              </a:defRPr>
+            </a:lvl5pPr>
+            <a:lvl6pPr marL="2286000" algn="l" defTabSz="914400" rtl="0" eaLnBrk="1" latinLnBrk="0" hangingPunct="1">
+              <a:defRPr sz="1800" kern="1200">
+                <a:solidFill>
+                  <a:schemeClr val="tx1"/>
+                </a:solidFill>
+                <a:latin typeface="+mn-lt"/>
+                <a:ea typeface="+mn-ea"/>
+                <a:cs typeface="+mn-cs"/>
+              </a:defRPr>
+            </a:lvl6pPr>
+            <a:lvl7pPr marL="2743200" algn="l" defTabSz="914400" rtl="0" eaLnBrk="1" latinLnBrk="0" hangingPunct="1">
+              <a:defRPr sz="1800" kern="1200">
+                <a:solidFill>
+                  <a:schemeClr val="tx1"/>
+                </a:solidFill>
+                <a:latin typeface="+mn-lt"/>
+                <a:ea typeface="+mn-ea"/>
+                <a:cs typeface="+mn-cs"/>
+              </a:defRPr>
+            </a:lvl7pPr>
+            <a:lvl8pPr marL="3200400" algn="l" defTabSz="914400" rtl="0" eaLnBrk="1" latinLnBrk="0" hangingPunct="1">
+              <a:defRPr sz="1800" kern="1200">
+                <a:solidFill>
+                  <a:schemeClr val="tx1"/>
+                </a:solidFill>
+                <a:latin typeface="+mn-lt"/>
+                <a:ea typeface="+mn-ea"/>
+                <a:cs typeface="+mn-cs"/>
+              </a:defRPr>
+            </a:lvl8pPr>
+            <a:lvl9pPr marL="3657600" algn="l" defTabSz="914400" rtl="0" eaLnBrk="1" latinLnBrk="0" hangingPunct="1">
+              <a:defRPr sz="1800" kern="1200">
+                <a:solidFill>
+                  <a:schemeClr val="tx1"/>
+                </a:solidFill>
+                <a:latin typeface="+mn-lt"/>
+                <a:ea typeface="+mn-ea"/>
+                <a:cs typeface="+mn-cs"/>
+              </a:defRPr>
+            </a:lvl9pPr>
+          </a:lstStyle>
+          <a:p>
+            <a:fld id="{E64C7690-F1FD-4FEA-BC1E-71D5D599DE8E}" type="slidenum">
+              <a:rPr lang="en-US" smtClean="0"/>
+              <a:pPr/>
+              <a:t>6</a:t>
+            </a:fld>
+            <a:endParaRPr lang="en-US" dirty="0"/>
+          </a:p>
+        </p:txBody>
+      </p:sp>
+    </p:spTree>
+    <p:extLst>
+      <p:ext uri="{BB962C8B-B14F-4D97-AF65-F5344CB8AC3E}">
+        <p14:creationId xmlns:p14="http://schemas.microsoft.com/office/powerpoint/2010/main" val="1043196721"/>
+      </p:ext>
+    </p:extLst>
+  </p:cSld>
+  <p:clrMapOvr>
+    <a:masterClrMapping/>
+  </p:clrMapOvr>
+</p:sld>
+</file>
+
+<file path=ppt/slides/slide7.xml><?xml version="1.0" encoding="utf-8"?>
+<p:sld xmlns:a="http://schemas.openxmlformats.org/drawingml/2006/main" xmlns:r="http://schemas.openxmlformats.org/officeDocument/2006/relationships" xmlns:p="http://schemas.openxmlformats.org/presentationml/2006/main">
+  <p:cSld>
+    <p:spTree>
+      <p:nvGrpSpPr>
+        <p:cNvPr id="1" name="">
+          <a:extLst>
+            <a:ext uri="{FF2B5EF4-FFF2-40B4-BE49-F238E27FC236}">
+              <a16:creationId xmlns:a16="http://schemas.microsoft.com/office/drawing/2014/main" id="{421A4EB6-3B81-B9B6-ABA8-E2E27E2C98E0}"/>
+            </a:ext>
+          </a:extLst>
+        </p:cNvPr>
+        <p:cNvGrpSpPr/>
+        <p:nvPr/>
+      </p:nvGrpSpPr>
+      <p:grpSpPr>
+        <a:xfrm>
+          <a:off x="0" y="0"/>
+          <a:ext cx="0" cy="0"/>
+          <a:chOff x="0" y="0"/>
+          <a:chExt cx="0" cy="0"/>
+        </a:xfrm>
+      </p:grpSpPr>
+      <p:sp>
+        <p:nvSpPr>
+          <p:cNvPr id="2" name="Title 1">
+            <a:extLst>
+              <a:ext uri="{FF2B5EF4-FFF2-40B4-BE49-F238E27FC236}">
+                <a16:creationId xmlns:a16="http://schemas.microsoft.com/office/drawing/2014/main" id="{F9DE0035-6824-F129-6C19-A75D0627AF8D}"/>
+              </a:ext>
+            </a:extLst>
+          </p:cNvPr>
+          <p:cNvSpPr>
+            <a:spLocks noGrp="1"/>
+          </p:cNvSpPr>
+          <p:nvPr>
+            <p:ph type="title"/>
+          </p:nvPr>
+        </p:nvSpPr>
+        <p:spPr/>
+        <p:txBody>
+          <a:bodyPr/>
+          <a:lstStyle/>
+          <a:p>
+            <a:r>
+              <a:rPr lang="en-US" dirty="0"/>
+              <a:t>Appendix 2: Visualization Design</a:t>
+            </a:r>
+          </a:p>
+        </p:txBody>
+      </p:sp>
+      <p:sp>
+        <p:nvSpPr>
+          <p:cNvPr id="3" name="Content Placeholder 2">
+            <a:extLst>
+              <a:ext uri="{FF2B5EF4-FFF2-40B4-BE49-F238E27FC236}">
+                <a16:creationId xmlns:a16="http://schemas.microsoft.com/office/drawing/2014/main" id="{B98102BD-E868-82DC-965C-B8D6A1E7242F}"/>
+              </a:ext>
+            </a:extLst>
+          </p:cNvPr>
+          <p:cNvSpPr>
+            <a:spLocks noGrp="1"/>
+          </p:cNvSpPr>
+          <p:nvPr>
+            <p:ph idx="1"/>
+          </p:nvPr>
+        </p:nvSpPr>
+        <p:spPr/>
+        <p:txBody>
+          <a:bodyPr/>
+          <a:lstStyle/>
+          <a:p>
+            <a:r>
+              <a:rPr lang="en-US" dirty="0"/>
+              <a:t>Interactive Map: Hover → intensity color; Click → spiral view.</a:t>
+            </a:r>
+          </a:p>
+          <a:p>
+            <a:r>
+              <a:rPr lang="en-US" dirty="0"/>
+              <a:t>Spiral Chart: Shows yearly temp rise from 1950–present.</a:t>
+            </a:r>
+          </a:p>
+          <a:p>
+            <a:r>
+              <a:rPr lang="en-US" dirty="0"/>
+              <a:t>Global Drought Map: Displays deviation intensity overlay.</a:t>
+            </a:r>
+          </a:p>
+          <a:p>
+            <a:endParaRPr lang="en-US" dirty="0"/>
+          </a:p>
+          <a:p>
+            <a:pPr marL="0" indent="0">
+              <a:buNone/>
+            </a:pPr>
+            <a:r>
+              <a:rPr lang="en-US" dirty="0"/>
+              <a:t>Expected Impact:</a:t>
+            </a:r>
           </a:p>
           <a:p>
             <a:pPr>
-              <a:defRPr sz="3600" b="1">
-                <a:solidFill>
-                  <a:srgbClr val="003366"/>
-                </a:solidFill>
+              <a:buFontTx/>
+              <a:buChar char="-"/>
+            </a:pPr>
+            <a:r>
+              <a:rPr lang="en-US" dirty="0"/>
+              <a:t>Help researchers explore spatial-temporal climate patterns.</a:t>
+            </a:r>
+          </a:p>
+        </p:txBody>
+      </p:sp>
+      <p:sp>
+        <p:nvSpPr>
+          <p:cNvPr id="5" name="Slide Number Placeholder 5">
+            <a:extLst>
+              <a:ext uri="{FF2B5EF4-FFF2-40B4-BE49-F238E27FC236}">
+                <a16:creationId xmlns:a16="http://schemas.microsoft.com/office/drawing/2014/main" id="{89B85BA3-EA26-0F3F-E3F7-6CF62BA1152C}"/>
+              </a:ext>
+            </a:extLst>
+          </p:cNvPr>
+          <p:cNvSpPr txBox="1">
+            <a:spLocks/>
+          </p:cNvSpPr>
+          <p:nvPr/>
+        </p:nvSpPr>
+        <p:spPr>
+          <a:xfrm>
+            <a:off x="9008534" y="243417"/>
+            <a:ext cx="2743200" cy="365125"/>
+          </a:xfrm>
+          <a:prstGeom prst="rect">
+            <a:avLst/>
+          </a:prstGeom>
+        </p:spPr>
+        <p:txBody>
+          <a:bodyPr vert="horz" lIns="91440" tIns="45720" rIns="91440" bIns="45720" rtlCol="0" anchor="ctr"/>
+          <a:lstStyle>
+            <a:defPPr>
+              <a:defRPr lang="en-US"/>
+            </a:defPPr>
+            <a:lvl1pPr marL="0" algn="r" defTabSz="914400" rtl="0" eaLnBrk="1" latinLnBrk="0" hangingPunct="1">
+              <a:defRPr sz="1200" kern="1200">
+                <a:solidFill>
+                  <a:schemeClr val="tx1">
+                    <a:tint val="82000"/>
+                  </a:schemeClr>
+                </a:solidFill>
+                <a:latin typeface="+mn-lt"/>
+                <a:ea typeface="+mn-ea"/>
+                <a:cs typeface="+mn-cs"/>
               </a:defRPr>
-            </a:pPr>
-            <a:r>
-              <a:t>Timeline &amp; Next Steps</a:t>
-            </a:r>
-          </a:p>
-          <a:p>
-            <a:endParaRPr/>
-          </a:p>
-          <a:p>
-            <a:pPr>
-              <a:spcBef>
-                <a:spcPts val="1000"/>
-              </a:spcBef>
-              <a:defRPr sz="2000"/>
-            </a:pPr>
-            <a:r>
-              <a:t>Weeks 1–2: Data collection &amp; preprocessing</a:t>
-            </a:r>
-            <a:br/>
-            <a:r>
-              <a:t>Weeks 3–4: D3 map + spiral prototype</a:t>
-            </a:r>
-            <a:br/>
-            <a:r>
-              <a:t>Week 5: Global drought integration</a:t>
-            </a:r>
-            <a:br/>
-            <a:r>
-              <a:t>Week 6: Refinement &amp; probe analysis</a:t>
-            </a:r>
-            <a:br/>
-            <a:r>
-              <a:t>Week 7: Final presentation &amp; report</a:t>
-            </a:r>
-            <a:br/>
-            <a:br/>
-            <a:r>
-              <a:t>Next Steps:</a:t>
-            </a:r>
-            <a:br/>
-            <a:r>
-              <a:t>- Refine spiral visualization</a:t>
-            </a:r>
-            <a:br/>
-            <a:r>
-              <a:t>- Add drought deviation overlay</a:t>
-            </a:r>
-            <a:br/>
-            <a:r>
-              <a:t>- Prepare evaluation metrics</a:t>
-            </a:r>
+            </a:lvl1pPr>
+            <a:lvl2pPr marL="457200" algn="l" defTabSz="914400" rtl="0" eaLnBrk="1" latinLnBrk="0" hangingPunct="1">
+              <a:defRPr sz="1800" kern="1200">
+                <a:solidFill>
+                  <a:schemeClr val="tx1"/>
+                </a:solidFill>
+                <a:latin typeface="+mn-lt"/>
+                <a:ea typeface="+mn-ea"/>
+                <a:cs typeface="+mn-cs"/>
+              </a:defRPr>
+            </a:lvl2pPr>
+            <a:lvl3pPr marL="914400" algn="l" defTabSz="914400" rtl="0" eaLnBrk="1" latinLnBrk="0" hangingPunct="1">
+              <a:defRPr sz="1800" kern="1200">
+                <a:solidFill>
+                  <a:schemeClr val="tx1"/>
+                </a:solidFill>
+                <a:latin typeface="+mn-lt"/>
+                <a:ea typeface="+mn-ea"/>
+                <a:cs typeface="+mn-cs"/>
+              </a:defRPr>
+            </a:lvl3pPr>
+            <a:lvl4pPr marL="1371600" algn="l" defTabSz="914400" rtl="0" eaLnBrk="1" latinLnBrk="0" hangingPunct="1">
+              <a:defRPr sz="1800" kern="1200">
+                <a:solidFill>
+                  <a:schemeClr val="tx1"/>
+                </a:solidFill>
+                <a:latin typeface="+mn-lt"/>
+                <a:ea typeface="+mn-ea"/>
+                <a:cs typeface="+mn-cs"/>
+              </a:defRPr>
+            </a:lvl4pPr>
+            <a:lvl5pPr marL="1828800" algn="l" defTabSz="914400" rtl="0" eaLnBrk="1" latinLnBrk="0" hangingPunct="1">
+              <a:defRPr sz="1800" kern="1200">
+                <a:solidFill>
+                  <a:schemeClr val="tx1"/>
+                </a:solidFill>
+                <a:latin typeface="+mn-lt"/>
+                <a:ea typeface="+mn-ea"/>
+                <a:cs typeface="+mn-cs"/>
+              </a:defRPr>
+            </a:lvl5pPr>
+            <a:lvl6pPr marL="2286000" algn="l" defTabSz="914400" rtl="0" eaLnBrk="1" latinLnBrk="0" hangingPunct="1">
+              <a:defRPr sz="1800" kern="1200">
+                <a:solidFill>
+                  <a:schemeClr val="tx1"/>
+                </a:solidFill>
+                <a:latin typeface="+mn-lt"/>
+                <a:ea typeface="+mn-ea"/>
+                <a:cs typeface="+mn-cs"/>
+              </a:defRPr>
+            </a:lvl6pPr>
+            <a:lvl7pPr marL="2743200" algn="l" defTabSz="914400" rtl="0" eaLnBrk="1" latinLnBrk="0" hangingPunct="1">
+              <a:defRPr sz="1800" kern="1200">
+                <a:solidFill>
+                  <a:schemeClr val="tx1"/>
+                </a:solidFill>
+                <a:latin typeface="+mn-lt"/>
+                <a:ea typeface="+mn-ea"/>
+                <a:cs typeface="+mn-cs"/>
+              </a:defRPr>
+            </a:lvl7pPr>
+            <a:lvl8pPr marL="3200400" algn="l" defTabSz="914400" rtl="0" eaLnBrk="1" latinLnBrk="0" hangingPunct="1">
+              <a:defRPr sz="1800" kern="1200">
+                <a:solidFill>
+                  <a:schemeClr val="tx1"/>
+                </a:solidFill>
+                <a:latin typeface="+mn-lt"/>
+                <a:ea typeface="+mn-ea"/>
+                <a:cs typeface="+mn-cs"/>
+              </a:defRPr>
+            </a:lvl8pPr>
+            <a:lvl9pPr marL="3657600" algn="l" defTabSz="914400" rtl="0" eaLnBrk="1" latinLnBrk="0" hangingPunct="1">
+              <a:defRPr sz="1800" kern="1200">
+                <a:solidFill>
+                  <a:schemeClr val="tx1"/>
+                </a:solidFill>
+                <a:latin typeface="+mn-lt"/>
+                <a:ea typeface="+mn-ea"/>
+                <a:cs typeface="+mn-cs"/>
+              </a:defRPr>
+            </a:lvl9pPr>
+          </a:lstStyle>
+          <a:p>
+            <a:fld id="{E64C7690-F1FD-4FEA-BC1E-71D5D599DE8E}" type="slidenum">
+              <a:rPr lang="en-US" smtClean="0"/>
+              <a:pPr/>
+              <a:t>7</a:t>
+            </a:fld>
+            <a:endParaRPr lang="en-US" dirty="0"/>
           </a:p>
         </p:txBody>
       </p:sp>
     </p:spTree>
+    <p:extLst>
+      <p:ext uri="{BB962C8B-B14F-4D97-AF65-F5344CB8AC3E}">
+        <p14:creationId xmlns:p14="http://schemas.microsoft.com/office/powerpoint/2010/main" val="2890148871"/>
+      </p:ext>
+    </p:extLst>
   </p:cSld>
   <p:clrMapOvr>
     <a:masterClrMapping/>
@@ -3823,44 +6199,44 @@
         <a:sysClr val="window" lastClr="FFFFFF"/>
       </a:lt1>
       <a:dk2>
-        <a:srgbClr val="1F497D"/>
+        <a:srgbClr val="0E2841"/>
       </a:dk2>
       <a:lt2>
-        <a:srgbClr val="EEECE1"/>
+        <a:srgbClr val="E8E8E8"/>
       </a:lt2>
       <a:accent1>
-        <a:srgbClr val="4F81BD"/>
+        <a:srgbClr val="156082"/>
       </a:accent1>
       <a:accent2>
-        <a:srgbClr val="C0504D"/>
+        <a:srgbClr val="E97132"/>
       </a:accent2>
       <a:accent3>
-        <a:srgbClr val="9BBB59"/>
+        <a:srgbClr val="196B24"/>
       </a:accent3>
       <a:accent4>
-        <a:srgbClr val="8064A2"/>
+        <a:srgbClr val="0F9ED5"/>
       </a:accent4>
       <a:accent5>
-        <a:srgbClr val="4BACC6"/>
+        <a:srgbClr val="A02B93"/>
       </a:accent5>
       <a:accent6>
-        <a:srgbClr val="F79646"/>
+        <a:srgbClr val="4EA72E"/>
       </a:accent6>
       <a:hlink>
-        <a:srgbClr val="0000FF"/>
+        <a:srgbClr val="467886"/>
       </a:hlink>
       <a:folHlink>
-        <a:srgbClr val="800080"/>
+        <a:srgbClr val="96607D"/>
       </a:folHlink>
     </a:clrScheme>
     <a:fontScheme name="Office">
       <a:majorFont>
-        <a:latin typeface="Calibri"/>
+        <a:latin typeface="Aptos Display" panose="02110004020202020204"/>
         <a:ea typeface=""/>
         <a:cs typeface=""/>
-        <a:font script="Jpan" typeface="ＭＳ Ｐゴシック"/>
+        <a:font script="Jpan" typeface="游ゴシック Light"/>
         <a:font script="Hang" typeface="맑은 고딕"/>
-        <a:font script="Hans" typeface="宋体"/>
+        <a:font script="Hans" typeface="等线 Light"/>
         <a:font script="Hant" typeface="新細明體"/>
         <a:font script="Arab" typeface="Times New Roman"/>
         <a:font script="Hebr" typeface="Times New Roman"/>
@@ -3888,14 +6264,31 @@
         <a:font script="Viet" typeface="Times New Roman"/>
         <a:font script="Uigh" typeface="Microsoft Uighur"/>
         <a:font script="Geor" typeface="Sylfaen"/>
+        <a:font script="Armn" typeface="Arial"/>
+        <a:font script="Bugi" typeface="Leelawadee UI"/>
+        <a:font script="Bopo" typeface="Microsoft JhengHei"/>
+        <a:font script="Java" typeface="Javanese Text"/>
+        <a:font script="Lisu" typeface="Segoe UI"/>
+        <a:font script="Mymr" typeface="Myanmar Text"/>
+        <a:font script="Nkoo" typeface="Ebrima"/>
+        <a:font script="Olck" typeface="Nirmala UI"/>
+        <a:font script="Osma" typeface="Ebrima"/>
+        <a:font script="Phag" typeface="Phagspa"/>
+        <a:font script="Syrn" typeface="Estrangelo Edessa"/>
+        <a:font script="Syrj" typeface="Estrangelo Edessa"/>
+        <a:font script="Syre" typeface="Estrangelo Edessa"/>
+        <a:font script="Sora" typeface="Nirmala UI"/>
+        <a:font script="Tale" typeface="Microsoft Tai Le"/>
+        <a:font script="Talu" typeface="Microsoft New Tai Lue"/>
+        <a:font script="Tfng" typeface="Ebrima"/>
       </a:majorFont>
       <a:minorFont>
-        <a:latin typeface="Calibri"/>
+        <a:latin typeface="Aptos" panose="02110004020202020204"/>
         <a:ea typeface=""/>
         <a:cs typeface=""/>
-        <a:font script="Jpan" typeface="ＭＳ Ｐゴシック"/>
+        <a:font script="Jpan" typeface="游ゴシック"/>
         <a:font script="Hang" typeface="맑은 고딕"/>
-        <a:font script="Hans" typeface="宋体"/>
+        <a:font script="Hans" typeface="等线"/>
         <a:font script="Hant" typeface="新細明體"/>
         <a:font script="Arab" typeface="Arial"/>
         <a:font script="Hebr" typeface="Arial"/>
@@ -3923,6 +6316,23 @@
         <a:font script="Viet" typeface="Arial"/>
         <a:font script="Uigh" typeface="Microsoft Uighur"/>
         <a:font script="Geor" typeface="Sylfaen"/>
+        <a:font script="Armn" typeface="Arial"/>
+        <a:font script="Bugi" typeface="Leelawadee UI"/>
+        <a:font script="Bopo" typeface="Microsoft JhengHei"/>
+        <a:font script="Java" typeface="Javanese Text"/>
+        <a:font script="Lisu" typeface="Segoe UI"/>
+        <a:font script="Mymr" typeface="Myanmar Text"/>
+        <a:font script="Nkoo" typeface="Ebrima"/>
+        <a:font script="Olck" typeface="Nirmala UI"/>
+        <a:font script="Osma" typeface="Ebrima"/>
+        <a:font script="Phag" typeface="Phagspa"/>
+        <a:font script="Syrn" typeface="Estrangelo Edessa"/>
+        <a:font script="Syrj" typeface="Estrangelo Edessa"/>
+        <a:font script="Syre" typeface="Estrangelo Edessa"/>
+        <a:font script="Sora" typeface="Nirmala UI"/>
+        <a:font script="Tale" typeface="Microsoft Tai Le"/>
+        <a:font script="Talu" typeface="Microsoft New Tai Lue"/>
+        <a:font script="Tfng" typeface="Ebrima"/>
       </a:minorFont>
     </a:fontScheme>
     <a:fmtScheme name="Office">
@@ -3934,180 +6344,136 @@
           <a:gsLst>
             <a:gs pos="0">
               <a:schemeClr val="phClr">
-                <a:tint val="50000"/>
-                <a:satMod val="300000"/>
+                <a:lumMod val="110000"/>
+                <a:satMod val="105000"/>
+                <a:tint val="67000"/>
               </a:schemeClr>
             </a:gs>
-            <a:gs pos="35000">
+            <a:gs pos="50000">
               <a:schemeClr val="phClr">
-                <a:tint val="37000"/>
-                <a:satMod val="300000"/>
+                <a:lumMod val="105000"/>
+                <a:satMod val="103000"/>
+                <a:tint val="73000"/>
               </a:schemeClr>
             </a:gs>
             <a:gs pos="100000">
               <a:schemeClr val="phClr">
-                <a:tint val="15000"/>
-                <a:satMod val="350000"/>
+                <a:lumMod val="105000"/>
+                <a:satMod val="109000"/>
+                <a:tint val="81000"/>
               </a:schemeClr>
             </a:gs>
           </a:gsLst>
-          <a:lin ang="16200000" scaled="1"/>
+          <a:lin ang="5400000" scaled="0"/>
         </a:gradFill>
         <a:gradFill rotWithShape="1">
           <a:gsLst>
             <a:gs pos="0">
               <a:schemeClr val="phClr">
-                <a:tint val="100000"/>
+                <a:satMod val="103000"/>
+                <a:lumMod val="102000"/>
+                <a:tint val="94000"/>
+              </a:schemeClr>
+            </a:gs>
+            <a:gs pos="50000">
+              <a:schemeClr val="phClr">
+                <a:satMod val="110000"/>
+                <a:lumMod val="100000"/>
                 <a:shade val="100000"/>
-                <a:satMod val="130000"/>
               </a:schemeClr>
             </a:gs>
             <a:gs pos="100000">
               <a:schemeClr val="phClr">
-                <a:tint val="50000"/>
-                <a:shade val="100000"/>
-                <a:satMod val="350000"/>
+                <a:lumMod val="99000"/>
+                <a:satMod val="120000"/>
+                <a:shade val="78000"/>
               </a:schemeClr>
             </a:gs>
           </a:gsLst>
-          <a:lin ang="16200000" scaled="0"/>
+          <a:lin ang="5400000" scaled="0"/>
         </a:gradFill>
       </a:fillStyleLst>
       <a:lnStyleLst>
-        <a:ln w="9525" cap="flat" cmpd="sng" algn="ctr">
+        <a:ln w="12700" cap="flat" cmpd="sng" algn="ctr">
           <a:solidFill>
-            <a:schemeClr val="phClr">
-              <a:shade val="95000"/>
-              <a:satMod val="105000"/>
-            </a:schemeClr>
+            <a:schemeClr val="phClr"/>
           </a:solidFill>
           <a:prstDash val="solid"/>
+          <a:miter lim="800000"/>
+        </a:ln>
+        <a:ln w="19050" cap="flat" cmpd="sng" algn="ctr">
+          <a:solidFill>
+            <a:schemeClr val="phClr"/>
+          </a:solidFill>
+          <a:prstDash val="solid"/>
+          <a:miter lim="800000"/>
         </a:ln>
         <a:ln w="25400" cap="flat" cmpd="sng" algn="ctr">
           <a:solidFill>
             <a:schemeClr val="phClr"/>
           </a:solidFill>
           <a:prstDash val="solid"/>
-        </a:ln>
-        <a:ln w="38100" cap="flat" cmpd="sng" algn="ctr">
-          <a:solidFill>
-            <a:schemeClr val="phClr"/>
-          </a:solidFill>
-          <a:prstDash val="solid"/>
+          <a:miter lim="800000"/>
         </a:ln>
       </a:lnStyleLst>
       <a:effectStyleLst>
         <a:effectStyle>
+          <a:effectLst/>
+        </a:effectStyle>
+        <a:effectStyle>
+          <a:effectLst/>
+        </a:effectStyle>
+        <a:effectStyle>
           <a:effectLst>
-            <a:outerShdw blurRad="40000" dist="20000" dir="5400000" rotWithShape="0">
+            <a:outerShdw blurRad="57150" dist="19050" dir="5400000" algn="ctr" rotWithShape="0">
               <a:srgbClr val="000000">
-                <a:alpha val="38000"/>
+                <a:alpha val="63000"/>
               </a:srgbClr>
             </a:outerShdw>
           </a:effectLst>
-        </a:effectStyle>
-        <a:effectStyle>
-          <a:effectLst>
-            <a:outerShdw blurRad="40000" dist="23000" dir="5400000" rotWithShape="0">
-              <a:srgbClr val="000000">
-                <a:alpha val="35000"/>
-              </a:srgbClr>
-            </a:outerShdw>
-          </a:effectLst>
-        </a:effectStyle>
-        <a:effectStyle>
-          <a:effectLst>
-            <a:outerShdw blurRad="40000" dist="23000" dir="5400000" rotWithShape="0">
-              <a:srgbClr val="000000">
-                <a:alpha val="35000"/>
-              </a:srgbClr>
-            </a:outerShdw>
-          </a:effectLst>
-          <a:scene3d>
-            <a:camera prst="orthographicFront">
-              <a:rot lat="0" lon="0" rev="0"/>
-            </a:camera>
-            <a:lightRig rig="threePt" dir="t">
-              <a:rot lat="0" lon="0" rev="1200000"/>
-            </a:lightRig>
-          </a:scene3d>
-          <a:sp3d>
-            <a:bevelT w="63500" h="25400"/>
-          </a:sp3d>
         </a:effectStyle>
       </a:effectStyleLst>
       <a:bgFillStyleLst>
         <a:solidFill>
           <a:schemeClr val="phClr"/>
         </a:solidFill>
+        <a:solidFill>
+          <a:schemeClr val="phClr">
+            <a:tint val="95000"/>
+            <a:satMod val="170000"/>
+          </a:schemeClr>
+        </a:solidFill>
         <a:gradFill rotWithShape="1">
           <a:gsLst>
             <a:gs pos="0">
               <a:schemeClr val="phClr">
-                <a:tint val="40000"/>
-                <a:satMod val="350000"/>
+                <a:tint val="93000"/>
+                <a:satMod val="150000"/>
+                <a:shade val="98000"/>
+                <a:lumMod val="102000"/>
               </a:schemeClr>
             </a:gs>
-            <a:gs pos="40000">
+            <a:gs pos="50000">
               <a:schemeClr val="phClr">
-                <a:tint val="45000"/>
-                <a:shade val="99000"/>
-                <a:satMod val="350000"/>
+                <a:tint val="98000"/>
+                <a:satMod val="130000"/>
+                <a:shade val="90000"/>
+                <a:lumMod val="103000"/>
               </a:schemeClr>
             </a:gs>
             <a:gs pos="100000">
               <a:schemeClr val="phClr">
-                <a:shade val="20000"/>
-                <a:satMod val="255000"/>
+                <a:shade val="63000"/>
+                <a:satMod val="120000"/>
               </a:schemeClr>
             </a:gs>
           </a:gsLst>
-          <a:path path="circle">
-            <a:fillToRect l="50000" t="-80000" r="50000" b="180000"/>
-          </a:path>
-        </a:gradFill>
-        <a:gradFill rotWithShape="1">
-          <a:gsLst>
-            <a:gs pos="0">
-              <a:schemeClr val="phClr">
-                <a:tint val="80000"/>
-                <a:satMod val="300000"/>
-              </a:schemeClr>
-            </a:gs>
-            <a:gs pos="100000">
-              <a:schemeClr val="phClr">
-                <a:shade val="30000"/>
-                <a:satMod val="200000"/>
-              </a:schemeClr>
-            </a:gs>
-          </a:gsLst>
-          <a:path path="circle">
-            <a:fillToRect l="50000" t="50000" r="50000" b="50000"/>
-          </a:path>
+          <a:lin ang="5400000" scaled="0"/>
         </a:gradFill>
       </a:bgFillStyleLst>
     </a:fmtScheme>
   </a:themeElements>
   <a:objectDefaults>
-    <a:spDef>
-      <a:spPr/>
-      <a:bodyPr/>
-      <a:lstStyle/>
-      <a:style>
-        <a:lnRef idx="1">
-          <a:schemeClr val="accent1"/>
-        </a:lnRef>
-        <a:fillRef idx="3">
-          <a:schemeClr val="accent1"/>
-        </a:fillRef>
-        <a:effectRef idx="2">
-          <a:schemeClr val="accent1"/>
-        </a:effectRef>
-        <a:fontRef idx="minor">
-          <a:schemeClr val="lt1"/>
-        </a:fontRef>
-      </a:style>
-    </a:spDef>
     <a:lnDef>
       <a:spPr/>
       <a:bodyPr/>
@@ -4129,5 +6495,325 @@
     </a:lnDef>
   </a:objectDefaults>
   <a:extraClrSchemeLst/>
+  <a:extLst>
+    <a:ext uri="{05A4C25C-085E-4340-85A3-A5531E510DB2}">
+      <thm15:themeFamily xmlns:thm15="http://schemas.microsoft.com/office/thememl/2012/main" name="Office Theme" id="{2E142A2C-CD16-42D6-873A-C26D2A0506FA}" vid="{1BDDFF52-6CD6-40A5-AB3C-68EB2F1E4D0A}"/>
+    </a:ext>
+  </a:extLst>
+</a:theme>
+</file>
+
+<file path=ppt/theme/theme2.xml><?xml version="1.0" encoding="utf-8"?>
+<a:theme xmlns:a="http://schemas.openxmlformats.org/drawingml/2006/main" name="Office Theme">
+  <a:themeElements>
+    <a:clrScheme name="Office">
+      <a:dk1>
+        <a:sysClr val="windowText" lastClr="000000"/>
+      </a:dk1>
+      <a:lt1>
+        <a:sysClr val="window" lastClr="FFFFFF"/>
+      </a:lt1>
+      <a:dk2>
+        <a:srgbClr val="0E2841"/>
+      </a:dk2>
+      <a:lt2>
+        <a:srgbClr val="E8E8E8"/>
+      </a:lt2>
+      <a:accent1>
+        <a:srgbClr val="156082"/>
+      </a:accent1>
+      <a:accent2>
+        <a:srgbClr val="E97132"/>
+      </a:accent2>
+      <a:accent3>
+        <a:srgbClr val="196B24"/>
+      </a:accent3>
+      <a:accent4>
+        <a:srgbClr val="0F9ED5"/>
+      </a:accent4>
+      <a:accent5>
+        <a:srgbClr val="A02B93"/>
+      </a:accent5>
+      <a:accent6>
+        <a:srgbClr val="4EA72E"/>
+      </a:accent6>
+      <a:hlink>
+        <a:srgbClr val="467886"/>
+      </a:hlink>
+      <a:folHlink>
+        <a:srgbClr val="96607D"/>
+      </a:folHlink>
+    </a:clrScheme>
+    <a:fontScheme name="Office">
+      <a:majorFont>
+        <a:latin typeface="Aptos Display" panose="02110004020202020204"/>
+        <a:ea typeface=""/>
+        <a:cs typeface=""/>
+        <a:font script="Jpan" typeface="游ゴシック Light"/>
+        <a:font script="Hang" typeface="맑은 고딕"/>
+        <a:font script="Hans" typeface="等线 Light"/>
+        <a:font script="Hant" typeface="新細明體"/>
+        <a:font script="Arab" typeface="Times New Roman"/>
+        <a:font script="Hebr" typeface="Times New Roman"/>
+        <a:font script="Thai" typeface="Angsana New"/>
+        <a:font script="Ethi" typeface="Nyala"/>
+        <a:font script="Beng" typeface="Vrinda"/>
+        <a:font script="Gujr" typeface="Shruti"/>
+        <a:font script="Khmr" typeface="MoolBoran"/>
+        <a:font script="Knda" typeface="Tunga"/>
+        <a:font script="Guru" typeface="Raavi"/>
+        <a:font script="Cans" typeface="Euphemia"/>
+        <a:font script="Cher" typeface="Plantagenet Cherokee"/>
+        <a:font script="Yiii" typeface="Microsoft Yi Baiti"/>
+        <a:font script="Tibt" typeface="Microsoft Himalaya"/>
+        <a:font script="Thaa" typeface="MV Boli"/>
+        <a:font script="Deva" typeface="Mangal"/>
+        <a:font script="Telu" typeface="Gautami"/>
+        <a:font script="Taml" typeface="Latha"/>
+        <a:font script="Syrc" typeface="Estrangelo Edessa"/>
+        <a:font script="Orya" typeface="Kalinga"/>
+        <a:font script="Mlym" typeface="Kartika"/>
+        <a:font script="Laoo" typeface="DokChampa"/>
+        <a:font script="Sinh" typeface="Iskoola Pota"/>
+        <a:font script="Mong" typeface="Mongolian Baiti"/>
+        <a:font script="Viet" typeface="Times New Roman"/>
+        <a:font script="Uigh" typeface="Microsoft Uighur"/>
+        <a:font script="Geor" typeface="Sylfaen"/>
+        <a:font script="Armn" typeface="Arial"/>
+        <a:font script="Bugi" typeface="Leelawadee UI"/>
+        <a:font script="Bopo" typeface="Microsoft JhengHei"/>
+        <a:font script="Java" typeface="Javanese Text"/>
+        <a:font script="Lisu" typeface="Segoe UI"/>
+        <a:font script="Mymr" typeface="Myanmar Text"/>
+        <a:font script="Nkoo" typeface="Ebrima"/>
+        <a:font script="Olck" typeface="Nirmala UI"/>
+        <a:font script="Osma" typeface="Ebrima"/>
+        <a:font script="Phag" typeface="Phagspa"/>
+        <a:font script="Syrn" typeface="Estrangelo Edessa"/>
+        <a:font script="Syrj" typeface="Estrangelo Edessa"/>
+        <a:font script="Syre" typeface="Estrangelo Edessa"/>
+        <a:font script="Sora" typeface="Nirmala UI"/>
+        <a:font script="Tale" typeface="Microsoft Tai Le"/>
+        <a:font script="Talu" typeface="Microsoft New Tai Lue"/>
+        <a:font script="Tfng" typeface="Ebrima"/>
+      </a:majorFont>
+      <a:minorFont>
+        <a:latin typeface="Aptos" panose="02110004020202020204"/>
+        <a:ea typeface=""/>
+        <a:cs typeface=""/>
+        <a:font script="Jpan" typeface="游ゴシック"/>
+        <a:font script="Hang" typeface="맑은 고딕"/>
+        <a:font script="Hans" typeface="等线"/>
+        <a:font script="Hant" typeface="新細明體"/>
+        <a:font script="Arab" typeface="Arial"/>
+        <a:font script="Hebr" typeface="Arial"/>
+        <a:font script="Thai" typeface="Cordia New"/>
+        <a:font script="Ethi" typeface="Nyala"/>
+        <a:font script="Beng" typeface="Vrinda"/>
+        <a:font script="Gujr" typeface="Shruti"/>
+        <a:font script="Khmr" typeface="DaunPenh"/>
+        <a:font script="Knda" typeface="Tunga"/>
+        <a:font script="Guru" typeface="Raavi"/>
+        <a:font script="Cans" typeface="Euphemia"/>
+        <a:font script="Cher" typeface="Plantagenet Cherokee"/>
+        <a:font script="Yiii" typeface="Microsoft Yi Baiti"/>
+        <a:font script="Tibt" typeface="Microsoft Himalaya"/>
+        <a:font script="Thaa" typeface="MV Boli"/>
+        <a:font script="Deva" typeface="Mangal"/>
+        <a:font script="Telu" typeface="Gautami"/>
+        <a:font script="Taml" typeface="Latha"/>
+        <a:font script="Syrc" typeface="Estrangelo Edessa"/>
+        <a:font script="Orya" typeface="Kalinga"/>
+        <a:font script="Mlym" typeface="Kartika"/>
+        <a:font script="Laoo" typeface="DokChampa"/>
+        <a:font script="Sinh" typeface="Iskoola Pota"/>
+        <a:font script="Mong" typeface="Mongolian Baiti"/>
+        <a:font script="Viet" typeface="Arial"/>
+        <a:font script="Uigh" typeface="Microsoft Uighur"/>
+        <a:font script="Geor" typeface="Sylfaen"/>
+        <a:font script="Armn" typeface="Arial"/>
+        <a:font script="Bugi" typeface="Leelawadee UI"/>
+        <a:font script="Bopo" typeface="Microsoft JhengHei"/>
+        <a:font script="Java" typeface="Javanese Text"/>
+        <a:font script="Lisu" typeface="Segoe UI"/>
+        <a:font script="Mymr" typeface="Myanmar Text"/>
+        <a:font script="Nkoo" typeface="Ebrima"/>
+        <a:font script="Olck" typeface="Nirmala UI"/>
+        <a:font script="Osma" typeface="Ebrima"/>
+        <a:font script="Phag" typeface="Phagspa"/>
+        <a:font script="Syrn" typeface="Estrangelo Edessa"/>
+        <a:font script="Syrj" typeface="Estrangelo Edessa"/>
+        <a:font script="Syre" typeface="Estrangelo Edessa"/>
+        <a:font script="Sora" typeface="Nirmala UI"/>
+        <a:font script="Tale" typeface="Microsoft Tai Le"/>
+        <a:font script="Talu" typeface="Microsoft New Tai Lue"/>
+        <a:font script="Tfng" typeface="Ebrima"/>
+      </a:minorFont>
+    </a:fontScheme>
+    <a:fmtScheme name="Office">
+      <a:fillStyleLst>
+        <a:solidFill>
+          <a:schemeClr val="phClr"/>
+        </a:solidFill>
+        <a:gradFill rotWithShape="1">
+          <a:gsLst>
+            <a:gs pos="0">
+              <a:schemeClr val="phClr">
+                <a:lumMod val="110000"/>
+                <a:satMod val="105000"/>
+                <a:tint val="67000"/>
+              </a:schemeClr>
+            </a:gs>
+            <a:gs pos="50000">
+              <a:schemeClr val="phClr">
+                <a:lumMod val="105000"/>
+                <a:satMod val="103000"/>
+                <a:tint val="73000"/>
+              </a:schemeClr>
+            </a:gs>
+            <a:gs pos="100000">
+              <a:schemeClr val="phClr">
+                <a:lumMod val="105000"/>
+                <a:satMod val="109000"/>
+                <a:tint val="81000"/>
+              </a:schemeClr>
+            </a:gs>
+          </a:gsLst>
+          <a:lin ang="5400000" scaled="0"/>
+        </a:gradFill>
+        <a:gradFill rotWithShape="1">
+          <a:gsLst>
+            <a:gs pos="0">
+              <a:schemeClr val="phClr">
+                <a:satMod val="103000"/>
+                <a:lumMod val="102000"/>
+                <a:tint val="94000"/>
+              </a:schemeClr>
+            </a:gs>
+            <a:gs pos="50000">
+              <a:schemeClr val="phClr">
+                <a:satMod val="110000"/>
+                <a:lumMod val="100000"/>
+                <a:shade val="100000"/>
+              </a:schemeClr>
+            </a:gs>
+            <a:gs pos="100000">
+              <a:schemeClr val="phClr">
+                <a:lumMod val="99000"/>
+                <a:satMod val="120000"/>
+                <a:shade val="78000"/>
+              </a:schemeClr>
+            </a:gs>
+          </a:gsLst>
+          <a:lin ang="5400000" scaled="0"/>
+        </a:gradFill>
+      </a:fillStyleLst>
+      <a:lnStyleLst>
+        <a:ln w="12700" cap="flat" cmpd="sng" algn="ctr">
+          <a:solidFill>
+            <a:schemeClr val="phClr"/>
+          </a:solidFill>
+          <a:prstDash val="solid"/>
+          <a:miter lim="800000"/>
+        </a:ln>
+        <a:ln w="19050" cap="flat" cmpd="sng" algn="ctr">
+          <a:solidFill>
+            <a:schemeClr val="phClr"/>
+          </a:solidFill>
+          <a:prstDash val="solid"/>
+          <a:miter lim="800000"/>
+        </a:ln>
+        <a:ln w="25400" cap="flat" cmpd="sng" algn="ctr">
+          <a:solidFill>
+            <a:schemeClr val="phClr"/>
+          </a:solidFill>
+          <a:prstDash val="solid"/>
+          <a:miter lim="800000"/>
+        </a:ln>
+      </a:lnStyleLst>
+      <a:effectStyleLst>
+        <a:effectStyle>
+          <a:effectLst/>
+        </a:effectStyle>
+        <a:effectStyle>
+          <a:effectLst/>
+        </a:effectStyle>
+        <a:effectStyle>
+          <a:effectLst>
+            <a:outerShdw blurRad="57150" dist="19050" dir="5400000" algn="ctr" rotWithShape="0">
+              <a:srgbClr val="000000">
+                <a:alpha val="63000"/>
+              </a:srgbClr>
+            </a:outerShdw>
+          </a:effectLst>
+        </a:effectStyle>
+      </a:effectStyleLst>
+      <a:bgFillStyleLst>
+        <a:solidFill>
+          <a:schemeClr val="phClr"/>
+        </a:solidFill>
+        <a:solidFill>
+          <a:schemeClr val="phClr">
+            <a:tint val="95000"/>
+            <a:satMod val="170000"/>
+          </a:schemeClr>
+        </a:solidFill>
+        <a:gradFill rotWithShape="1">
+          <a:gsLst>
+            <a:gs pos="0">
+              <a:schemeClr val="phClr">
+                <a:tint val="93000"/>
+                <a:satMod val="150000"/>
+                <a:shade val="98000"/>
+                <a:lumMod val="102000"/>
+              </a:schemeClr>
+            </a:gs>
+            <a:gs pos="50000">
+              <a:schemeClr val="phClr">
+                <a:tint val="98000"/>
+                <a:satMod val="130000"/>
+                <a:shade val="90000"/>
+                <a:lumMod val="103000"/>
+              </a:schemeClr>
+            </a:gs>
+            <a:gs pos="100000">
+              <a:schemeClr val="phClr">
+                <a:shade val="63000"/>
+                <a:satMod val="120000"/>
+              </a:schemeClr>
+            </a:gs>
+          </a:gsLst>
+          <a:lin ang="5400000" scaled="0"/>
+        </a:gradFill>
+      </a:bgFillStyleLst>
+    </a:fmtScheme>
+  </a:themeElements>
+  <a:objectDefaults>
+    <a:lnDef>
+      <a:spPr/>
+      <a:bodyPr/>
+      <a:lstStyle/>
+      <a:style>
+        <a:lnRef idx="2">
+          <a:schemeClr val="accent1"/>
+        </a:lnRef>
+        <a:fillRef idx="0">
+          <a:schemeClr val="accent1"/>
+        </a:fillRef>
+        <a:effectRef idx="1">
+          <a:schemeClr val="accent1"/>
+        </a:effectRef>
+        <a:fontRef idx="minor">
+          <a:schemeClr val="tx1"/>
+        </a:fontRef>
+      </a:style>
+    </a:lnDef>
+  </a:objectDefaults>
+  <a:extraClrSchemeLst/>
+  <a:extLst>
+    <a:ext uri="{05A4C25C-085E-4340-85A3-A5531E510DB2}">
+      <thm15:themeFamily xmlns:thm15="http://schemas.microsoft.com/office/thememl/2012/main" name="Office Theme" id="{2E142A2C-CD16-42D6-873A-C26D2A0506FA}" vid="{1BDDFF52-6CD6-40A5-AB3C-68EB2F1E4D0A}"/>
+    </a:ext>
+  </a:extLst>
 </a:theme>
 </file>